--- a/Requirements-Engineering/RE-L06-Documentation--Introduction.pptx
+++ b/Requirements-Engineering/RE-L06-Documentation--Introduction.pptx
@@ -461,7 +461,7 @@
             <a:pPr indent="0" algn="r">
               <a:buNone/>
             </a:pPr>
-            <a:fld id="{24B4ABCA-B9F3-434F-B27C-E3120AD77331}" type="slidenum">
+            <a:fld id="{0BE42788-9D61-4A45-95A8-7AE65B59673F}" type="slidenum">
               <a:rPr b="0" lang="en-US" sz="1400" spc="-1" strike="noStrike">
                 <a:solidFill>
                   <a:srgbClr val="000000"/>
@@ -515,7 +515,7 @@
         <p:spPr>
           <a:xfrm>
             <a:off x="533520" y="763560"/>
-            <a:ext cx="6698160" cy="3766320"/>
+            <a:ext cx="6697800" cy="3765960"/>
           </a:xfrm>
           <a:prstGeom prst="rect">
             <a:avLst/>
@@ -538,7 +538,7 @@
         <p:spPr>
           <a:xfrm>
             <a:off x="777240" y="4777560"/>
-            <a:ext cx="6211800" cy="4520160"/>
+            <a:ext cx="6211440" cy="4519800"/>
           </a:xfrm>
           <a:prstGeom prst="rect">
             <a:avLst/>
@@ -578,7 +578,7 @@
         <p:spPr>
           <a:xfrm>
             <a:off x="4399200" y="9555480"/>
-            <a:ext cx="3367080" cy="496800"/>
+            <a:ext cx="3366720" cy="496440"/>
           </a:xfrm>
           <a:prstGeom prst="rect">
             <a:avLst/>
@@ -620,7 +620,7 @@
                 <a:tab algn="l" pos="0"/>
               </a:tabLst>
             </a:pPr>
-            <a:fld id="{E3460BBF-EBEA-4DAF-8006-8F7619AA3F82}" type="slidenum">
+            <a:fld id="{D53FE81C-6C9B-4E0D-84A2-FC01D2EEB593}" type="slidenum">
               <a:rPr b="0" lang="de-DE" sz="1800" spc="-1" strike="noStrike">
                 <a:solidFill>
                   <a:srgbClr val="000000"/>
@@ -628,7 +628,7 @@
                 <a:latin typeface="+mn-lt"/>
                 <a:ea typeface="+mn-ea"/>
               </a:rPr>
-              <a:t>76</a:t>
+              <a:t>&lt;number&gt;</a:t>
             </a:fld>
             <a:endParaRPr b="0" lang="en-US" sz="1800" spc="-1" strike="noStrike">
               <a:solidFill>
@@ -674,7 +674,7 @@
         <p:spPr>
           <a:xfrm>
             <a:off x="533520" y="763560"/>
-            <a:ext cx="6698160" cy="3766320"/>
+            <a:ext cx="6697800" cy="3765960"/>
           </a:xfrm>
           <a:prstGeom prst="rect">
             <a:avLst/>
@@ -697,7 +697,7 @@
         <p:spPr>
           <a:xfrm>
             <a:off x="777240" y="4777560"/>
-            <a:ext cx="6211800" cy="4520160"/>
+            <a:ext cx="6211440" cy="4519800"/>
           </a:xfrm>
           <a:prstGeom prst="rect">
             <a:avLst/>
@@ -737,7 +737,7 @@
         <p:spPr>
           <a:xfrm>
             <a:off x="4399200" y="9555480"/>
-            <a:ext cx="3367080" cy="496800"/>
+            <a:ext cx="3366720" cy="496440"/>
           </a:xfrm>
           <a:prstGeom prst="rect">
             <a:avLst/>
@@ -779,7 +779,7 @@
                 <a:tab algn="l" pos="0"/>
               </a:tabLst>
             </a:pPr>
-            <a:fld id="{1280DFF7-263D-406E-930A-8B296CE97EFB}" type="slidenum">
+            <a:fld id="{51B9A61B-714C-47B3-A19C-3C453794A12F}" type="slidenum">
               <a:rPr b="0" lang="de-DE" sz="1800" spc="-1" strike="noStrike">
                 <a:solidFill>
                   <a:srgbClr val="000000"/>
@@ -787,7 +787,7 @@
                 <a:latin typeface="+mn-lt"/>
                 <a:ea typeface="+mn-ea"/>
               </a:rPr>
-              <a:t>76</a:t>
+              <a:t>&lt;number&gt;</a:t>
             </a:fld>
             <a:endParaRPr b="0" lang="en-US" sz="1800" spc="-1" strike="noStrike">
               <a:solidFill>
@@ -833,7 +833,7 @@
         <p:spPr>
           <a:xfrm>
             <a:off x="533520" y="763560"/>
-            <a:ext cx="6698160" cy="3766320"/>
+            <a:ext cx="6697800" cy="3765960"/>
           </a:xfrm>
           <a:prstGeom prst="rect">
             <a:avLst/>
@@ -856,7 +856,7 @@
         <p:spPr>
           <a:xfrm>
             <a:off x="777240" y="4777560"/>
-            <a:ext cx="6211800" cy="4520160"/>
+            <a:ext cx="6211440" cy="4519800"/>
           </a:xfrm>
           <a:prstGeom prst="rect">
             <a:avLst/>
@@ -896,7 +896,7 @@
         <p:spPr>
           <a:xfrm>
             <a:off x="4399200" y="9555480"/>
-            <a:ext cx="3367080" cy="496800"/>
+            <a:ext cx="3366720" cy="496440"/>
           </a:xfrm>
           <a:prstGeom prst="rect">
             <a:avLst/>
@@ -938,7 +938,7 @@
                 <a:tab algn="l" pos="0"/>
               </a:tabLst>
             </a:pPr>
-            <a:fld id="{8F5621F9-10A9-4598-9169-FDF502B79106}" type="slidenum">
+            <a:fld id="{EFB942FE-6AAD-46DF-B115-EC2CD41A49C4}" type="slidenum">
               <a:rPr b="0" lang="de-DE" sz="1800" spc="-1" strike="noStrike">
                 <a:solidFill>
                   <a:srgbClr val="000000"/>
@@ -946,7 +946,7 @@
                 <a:latin typeface="+mn-lt"/>
                 <a:ea typeface="+mn-ea"/>
               </a:rPr>
-              <a:t>76</a:t>
+              <a:t>&lt;number&gt;</a:t>
             </a:fld>
             <a:endParaRPr b="0" lang="en-US" sz="1800" spc="-1" strike="noStrike">
               <a:solidFill>
@@ -992,7 +992,7 @@
         <p:spPr>
           <a:xfrm>
             <a:off x="533520" y="763560"/>
-            <a:ext cx="6698160" cy="3766320"/>
+            <a:ext cx="6697800" cy="3765960"/>
           </a:xfrm>
           <a:prstGeom prst="rect">
             <a:avLst/>
@@ -1015,7 +1015,7 @@
         <p:spPr>
           <a:xfrm>
             <a:off x="777240" y="4777560"/>
-            <a:ext cx="6211800" cy="4520160"/>
+            <a:ext cx="6211440" cy="4519800"/>
           </a:xfrm>
           <a:prstGeom prst="rect">
             <a:avLst/>
@@ -1055,7 +1055,7 @@
         <p:spPr>
           <a:xfrm>
             <a:off x="4399200" y="9555480"/>
-            <a:ext cx="3367080" cy="496800"/>
+            <a:ext cx="3366720" cy="496440"/>
           </a:xfrm>
           <a:prstGeom prst="rect">
             <a:avLst/>
@@ -1097,7 +1097,7 @@
                 <a:tab algn="l" pos="0"/>
               </a:tabLst>
             </a:pPr>
-            <a:fld id="{BF28B767-652B-48E4-940A-9B993ED3D5B2}" type="slidenum">
+            <a:fld id="{1DA5414D-C61F-48B9-BB60-AF567FC6E211}" type="slidenum">
               <a:rPr b="0" lang="de-DE" sz="1800" spc="-1" strike="noStrike">
                 <a:solidFill>
                   <a:srgbClr val="000000"/>
@@ -1105,7 +1105,7 @@
                 <a:latin typeface="+mn-lt"/>
                 <a:ea typeface="+mn-ea"/>
               </a:rPr>
-              <a:t>76</a:t>
+              <a:t>&lt;number&gt;</a:t>
             </a:fld>
             <a:endParaRPr b="0" lang="en-US" sz="1800" spc="-1" strike="noStrike">
               <a:solidFill>
@@ -1151,7 +1151,7 @@
         <p:spPr>
           <a:xfrm>
             <a:off x="533520" y="763560"/>
-            <a:ext cx="6698160" cy="3766320"/>
+            <a:ext cx="6697800" cy="3765960"/>
           </a:xfrm>
           <a:prstGeom prst="rect">
             <a:avLst/>
@@ -1174,7 +1174,7 @@
         <p:spPr>
           <a:xfrm>
             <a:off x="777240" y="4777560"/>
-            <a:ext cx="6211800" cy="4520160"/>
+            <a:ext cx="6211440" cy="4519800"/>
           </a:xfrm>
           <a:prstGeom prst="rect">
             <a:avLst/>
@@ -1214,7 +1214,7 @@
         <p:spPr>
           <a:xfrm>
             <a:off x="4399200" y="9555480"/>
-            <a:ext cx="3367080" cy="496800"/>
+            <a:ext cx="3366720" cy="496440"/>
           </a:xfrm>
           <a:prstGeom prst="rect">
             <a:avLst/>
@@ -1256,7 +1256,7 @@
                 <a:tab algn="l" pos="0"/>
               </a:tabLst>
             </a:pPr>
-            <a:fld id="{DF00F42F-2189-44CB-A34C-D83EF9EE7EE9}" type="slidenum">
+            <a:fld id="{A7D25C86-0A47-4B61-B46D-1243C14569FA}" type="slidenum">
               <a:rPr b="0" lang="de-DE" sz="1800" spc="-1" strike="noStrike">
                 <a:solidFill>
                   <a:srgbClr val="000000"/>
@@ -1264,7 +1264,7 @@
                 <a:latin typeface="+mn-lt"/>
                 <a:ea typeface="+mn-ea"/>
               </a:rPr>
-              <a:t>76</a:t>
+              <a:t>&lt;number&gt;</a:t>
             </a:fld>
             <a:endParaRPr b="0" lang="en-US" sz="1800" spc="-1" strike="noStrike">
               <a:solidFill>
@@ -1310,7 +1310,7 @@
         <p:spPr>
           <a:xfrm>
             <a:off x="533520" y="763560"/>
-            <a:ext cx="6698160" cy="3766320"/>
+            <a:ext cx="6697800" cy="3765960"/>
           </a:xfrm>
           <a:prstGeom prst="rect">
             <a:avLst/>
@@ -1333,7 +1333,7 @@
         <p:spPr>
           <a:xfrm>
             <a:off x="777240" y="4777560"/>
-            <a:ext cx="6211800" cy="4520160"/>
+            <a:ext cx="6211440" cy="4519800"/>
           </a:xfrm>
           <a:prstGeom prst="rect">
             <a:avLst/>
@@ -1373,7 +1373,7 @@
         <p:spPr>
           <a:xfrm>
             <a:off x="4399200" y="9555480"/>
-            <a:ext cx="3367080" cy="496800"/>
+            <a:ext cx="3366720" cy="496440"/>
           </a:xfrm>
           <a:prstGeom prst="rect">
             <a:avLst/>
@@ -1415,7 +1415,7 @@
                 <a:tab algn="l" pos="0"/>
               </a:tabLst>
             </a:pPr>
-            <a:fld id="{8AC1E5C8-AA8D-41FE-98CA-78C6900370DD}" type="slidenum">
+            <a:fld id="{8995B8B9-CAFD-4292-962F-DB088838946E}" type="slidenum">
               <a:rPr b="0" lang="de-DE" sz="1800" spc="-1" strike="noStrike">
                 <a:solidFill>
                   <a:srgbClr val="000000"/>
@@ -1423,7 +1423,7 @@
                 <a:latin typeface="+mn-lt"/>
                 <a:ea typeface="+mn-ea"/>
               </a:rPr>
-              <a:t>76</a:t>
+              <a:t>&lt;number&gt;</a:t>
             </a:fld>
             <a:endParaRPr b="0" lang="en-US" sz="1800" spc="-1" strike="noStrike">
               <a:solidFill>
@@ -1469,7 +1469,7 @@
         <p:spPr>
           <a:xfrm>
             <a:off x="533520" y="763560"/>
-            <a:ext cx="6698160" cy="3766320"/>
+            <a:ext cx="6697800" cy="3765960"/>
           </a:xfrm>
           <a:prstGeom prst="rect">
             <a:avLst/>
@@ -1492,7 +1492,7 @@
         <p:spPr>
           <a:xfrm>
             <a:off x="777240" y="4777560"/>
-            <a:ext cx="6211800" cy="4520160"/>
+            <a:ext cx="6211440" cy="4519800"/>
           </a:xfrm>
           <a:prstGeom prst="rect">
             <a:avLst/>
@@ -1532,7 +1532,7 @@
         <p:spPr>
           <a:xfrm>
             <a:off x="4399200" y="9555480"/>
-            <a:ext cx="3367080" cy="496800"/>
+            <a:ext cx="3366720" cy="496440"/>
           </a:xfrm>
           <a:prstGeom prst="rect">
             <a:avLst/>
@@ -1574,7 +1574,7 @@
                 <a:tab algn="l" pos="0"/>
               </a:tabLst>
             </a:pPr>
-            <a:fld id="{B67E5914-6F80-4954-B724-829B5E50C5B4}" type="slidenum">
+            <a:fld id="{61B39376-C8FD-4BF4-B361-8DBD3AD82198}" type="slidenum">
               <a:rPr b="0" lang="de-DE" sz="1800" spc="-1" strike="noStrike">
                 <a:solidFill>
                   <a:srgbClr val="000000"/>
@@ -1582,7 +1582,7 @@
                 <a:latin typeface="+mn-lt"/>
                 <a:ea typeface="+mn-ea"/>
               </a:rPr>
-              <a:t>76</a:t>
+              <a:t>&lt;number&gt;</a:t>
             </a:fld>
             <a:endParaRPr b="0" lang="en-US" sz="1800" spc="-1" strike="noStrike">
               <a:solidFill>
@@ -1628,7 +1628,7 @@
         <p:spPr>
           <a:xfrm>
             <a:off x="533520" y="763560"/>
-            <a:ext cx="6698160" cy="3766320"/>
+            <a:ext cx="6697800" cy="3765960"/>
           </a:xfrm>
           <a:prstGeom prst="rect">
             <a:avLst/>
@@ -1651,7 +1651,7 @@
         <p:spPr>
           <a:xfrm>
             <a:off x="777240" y="4777560"/>
-            <a:ext cx="6211800" cy="4520160"/>
+            <a:ext cx="6211440" cy="4519800"/>
           </a:xfrm>
           <a:prstGeom prst="rect">
             <a:avLst/>
@@ -1691,7 +1691,7 @@
         <p:spPr>
           <a:xfrm>
             <a:off x="4399200" y="9555480"/>
-            <a:ext cx="3367080" cy="496800"/>
+            <a:ext cx="3366720" cy="496440"/>
           </a:xfrm>
           <a:prstGeom prst="rect">
             <a:avLst/>
@@ -1733,7 +1733,7 @@
                 <a:tab algn="l" pos="0"/>
               </a:tabLst>
             </a:pPr>
-            <a:fld id="{9C6BA083-7AB9-46B7-AE03-7F23E3AB3C44}" type="slidenum">
+            <a:fld id="{432A1D24-B432-43B8-A499-FDD1C7B73298}" type="slidenum">
               <a:rPr b="0" lang="de-DE" sz="1800" spc="-1" strike="noStrike">
                 <a:solidFill>
                   <a:srgbClr val="000000"/>
@@ -1741,7 +1741,7 @@
                 <a:latin typeface="+mn-lt"/>
                 <a:ea typeface="+mn-ea"/>
               </a:rPr>
-              <a:t>76</a:t>
+              <a:t>&lt;number&gt;</a:t>
             </a:fld>
             <a:endParaRPr b="0" lang="en-US" sz="1800" spc="-1" strike="noStrike">
               <a:solidFill>
@@ -1787,7 +1787,7 @@
         <p:spPr>
           <a:xfrm>
             <a:off x="533520" y="763560"/>
-            <a:ext cx="6698160" cy="3766320"/>
+            <a:ext cx="6697800" cy="3765960"/>
           </a:xfrm>
           <a:prstGeom prst="rect">
             <a:avLst/>
@@ -1810,7 +1810,7 @@
         <p:spPr>
           <a:xfrm>
             <a:off x="777240" y="4777560"/>
-            <a:ext cx="6211800" cy="4520160"/>
+            <a:ext cx="6211440" cy="4519800"/>
           </a:xfrm>
           <a:prstGeom prst="rect">
             <a:avLst/>
@@ -1850,7 +1850,7 @@
         <p:spPr>
           <a:xfrm>
             <a:off x="4399200" y="9555480"/>
-            <a:ext cx="3367080" cy="496800"/>
+            <a:ext cx="3366720" cy="496440"/>
           </a:xfrm>
           <a:prstGeom prst="rect">
             <a:avLst/>
@@ -1892,7 +1892,7 @@
                 <a:tab algn="l" pos="0"/>
               </a:tabLst>
             </a:pPr>
-            <a:fld id="{50A8ED25-CFE7-4C40-B972-578ABC6314F8}" type="slidenum">
+            <a:fld id="{7B8EFFE2-DD5C-4237-8555-A1BA752A06C5}" type="slidenum">
               <a:rPr b="0" lang="de-DE" sz="1800" spc="-1" strike="noStrike">
                 <a:solidFill>
                   <a:srgbClr val="000000"/>
@@ -1900,7 +1900,7 @@
                 <a:latin typeface="+mn-lt"/>
                 <a:ea typeface="+mn-ea"/>
               </a:rPr>
-              <a:t>76</a:t>
+              <a:t>&lt;number&gt;</a:t>
             </a:fld>
             <a:endParaRPr b="0" lang="en-US" sz="1800" spc="-1" strike="noStrike">
               <a:solidFill>
@@ -1946,7 +1946,7 @@
         <p:spPr>
           <a:xfrm>
             <a:off x="533520" y="763560"/>
-            <a:ext cx="6698160" cy="3766320"/>
+            <a:ext cx="6697800" cy="3765960"/>
           </a:xfrm>
           <a:prstGeom prst="rect">
             <a:avLst/>
@@ -1969,7 +1969,7 @@
         <p:spPr>
           <a:xfrm>
             <a:off x="777240" y="4777560"/>
-            <a:ext cx="6211800" cy="4520160"/>
+            <a:ext cx="6211440" cy="4519800"/>
           </a:xfrm>
           <a:prstGeom prst="rect">
             <a:avLst/>
@@ -2009,7 +2009,7 @@
         <p:spPr>
           <a:xfrm>
             <a:off x="4399200" y="9555480"/>
-            <a:ext cx="3367080" cy="496800"/>
+            <a:ext cx="3366720" cy="496440"/>
           </a:xfrm>
           <a:prstGeom prst="rect">
             <a:avLst/>
@@ -2051,7 +2051,7 @@
                 <a:tab algn="l" pos="0"/>
               </a:tabLst>
             </a:pPr>
-            <a:fld id="{E6BFFAAB-D161-426B-A36F-9ADDEE71A8CA}" type="slidenum">
+            <a:fld id="{31B85E07-AE8B-4436-9BEC-AEEDFBB47D49}" type="slidenum">
               <a:rPr b="0" lang="de-DE" sz="1800" spc="-1" strike="noStrike">
                 <a:solidFill>
                   <a:srgbClr val="000000"/>
@@ -2059,7 +2059,7 @@
                 <a:latin typeface="+mn-lt"/>
                 <a:ea typeface="+mn-ea"/>
               </a:rPr>
-              <a:t>76</a:t>
+              <a:t>&lt;number&gt;</a:t>
             </a:fld>
             <a:endParaRPr b="0" lang="en-US" sz="1800" spc="-1" strike="noStrike">
               <a:solidFill>
@@ -2105,7 +2105,7 @@
         <p:spPr>
           <a:xfrm>
             <a:off x="533520" y="763560"/>
-            <a:ext cx="6698160" cy="3766320"/>
+            <a:ext cx="6697800" cy="3765960"/>
           </a:xfrm>
           <a:prstGeom prst="rect">
             <a:avLst/>
@@ -2128,7 +2128,7 @@
         <p:spPr>
           <a:xfrm>
             <a:off x="777240" y="4777560"/>
-            <a:ext cx="6211800" cy="4520160"/>
+            <a:ext cx="6211440" cy="4519800"/>
           </a:xfrm>
           <a:prstGeom prst="rect">
             <a:avLst/>
@@ -2168,7 +2168,7 @@
         <p:spPr>
           <a:xfrm>
             <a:off x="4399200" y="9555480"/>
-            <a:ext cx="3367080" cy="496800"/>
+            <a:ext cx="3366720" cy="496440"/>
           </a:xfrm>
           <a:prstGeom prst="rect">
             <a:avLst/>
@@ -2210,7 +2210,7 @@
                 <a:tab algn="l" pos="0"/>
               </a:tabLst>
             </a:pPr>
-            <a:fld id="{DDCCC119-711A-42A5-BBBD-BC67A1D6FAAE}" type="slidenum">
+            <a:fld id="{4885AF58-5A31-4468-9296-A079765F5AC3}" type="slidenum">
               <a:rPr b="0" lang="de-DE" sz="1800" spc="-1" strike="noStrike">
                 <a:solidFill>
                   <a:srgbClr val="000000"/>
@@ -2218,7 +2218,7 @@
                 <a:latin typeface="+mn-lt"/>
                 <a:ea typeface="+mn-ea"/>
               </a:rPr>
-              <a:t>76</a:t>
+              <a:t>&lt;number&gt;</a:t>
             </a:fld>
             <a:endParaRPr b="0" lang="en-US" sz="1800" spc="-1" strike="noStrike">
               <a:solidFill>
@@ -2264,7 +2264,7 @@
         <p:spPr>
           <a:xfrm>
             <a:off x="533520" y="763560"/>
-            <a:ext cx="6698160" cy="3766320"/>
+            <a:ext cx="6697800" cy="3765960"/>
           </a:xfrm>
           <a:prstGeom prst="rect">
             <a:avLst/>
@@ -2287,7 +2287,7 @@
         <p:spPr>
           <a:xfrm>
             <a:off x="777240" y="4777560"/>
-            <a:ext cx="6211800" cy="4520160"/>
+            <a:ext cx="6211440" cy="4519800"/>
           </a:xfrm>
           <a:prstGeom prst="rect">
             <a:avLst/>
@@ -2327,7 +2327,7 @@
         <p:spPr>
           <a:xfrm>
             <a:off x="4399200" y="9555480"/>
-            <a:ext cx="3367080" cy="496800"/>
+            <a:ext cx="3366720" cy="496440"/>
           </a:xfrm>
           <a:prstGeom prst="rect">
             <a:avLst/>
@@ -2369,7 +2369,7 @@
                 <a:tab algn="l" pos="0"/>
               </a:tabLst>
             </a:pPr>
-            <a:fld id="{211CE05E-823A-4A35-9DDA-929DDFAC77A1}" type="slidenum">
+            <a:fld id="{35C3402A-3AA7-446B-93CD-80D8D463DC7A}" type="slidenum">
               <a:rPr b="0" lang="de-DE" sz="1800" spc="-1" strike="noStrike">
                 <a:solidFill>
                   <a:srgbClr val="000000"/>
@@ -2377,7 +2377,7 @@
                 <a:latin typeface="+mn-lt"/>
                 <a:ea typeface="+mn-ea"/>
               </a:rPr>
-              <a:t>76</a:t>
+              <a:t>&lt;number&gt;</a:t>
             </a:fld>
             <a:endParaRPr b="0" lang="en-US" sz="1800" spc="-1" strike="noStrike">
               <a:solidFill>
@@ -2423,7 +2423,7 @@
         <p:spPr>
           <a:xfrm>
             <a:off x="533520" y="763560"/>
-            <a:ext cx="6698160" cy="3766320"/>
+            <a:ext cx="6697800" cy="3765960"/>
           </a:xfrm>
           <a:prstGeom prst="rect">
             <a:avLst/>
@@ -2446,7 +2446,7 @@
         <p:spPr>
           <a:xfrm>
             <a:off x="777240" y="4777560"/>
-            <a:ext cx="6211800" cy="4520160"/>
+            <a:ext cx="6211440" cy="4519800"/>
           </a:xfrm>
           <a:prstGeom prst="rect">
             <a:avLst/>
@@ -2486,7 +2486,7 @@
         <p:spPr>
           <a:xfrm>
             <a:off x="4399200" y="9555480"/>
-            <a:ext cx="3367080" cy="496800"/>
+            <a:ext cx="3366720" cy="496440"/>
           </a:xfrm>
           <a:prstGeom prst="rect">
             <a:avLst/>
@@ -2528,7 +2528,7 @@
                 <a:tab algn="l" pos="0"/>
               </a:tabLst>
             </a:pPr>
-            <a:fld id="{FF2D7E1E-17C3-415E-B6EB-6EAB1FE7C438}" type="slidenum">
+            <a:fld id="{A6C26712-2FB8-4124-AA42-3D15A6A48704}" type="slidenum">
               <a:rPr b="0" lang="de-DE" sz="1800" spc="-1" strike="noStrike">
                 <a:solidFill>
                   <a:srgbClr val="000000"/>
@@ -2536,7 +2536,7 @@
                 <a:latin typeface="+mn-lt"/>
                 <a:ea typeface="+mn-ea"/>
               </a:rPr>
-              <a:t>76</a:t>
+              <a:t>&lt;number&gt;</a:t>
             </a:fld>
             <a:endParaRPr b="0" lang="en-US" sz="1800" spc="-1" strike="noStrike">
               <a:solidFill>
@@ -2582,7 +2582,7 @@
         <p:spPr>
           <a:xfrm>
             <a:off x="533520" y="763560"/>
-            <a:ext cx="6698160" cy="3766320"/>
+            <a:ext cx="6697800" cy="3765960"/>
           </a:xfrm>
           <a:prstGeom prst="rect">
             <a:avLst/>
@@ -2605,7 +2605,7 @@
         <p:spPr>
           <a:xfrm>
             <a:off x="777240" y="4777560"/>
-            <a:ext cx="6211800" cy="4520160"/>
+            <a:ext cx="6211440" cy="4519800"/>
           </a:xfrm>
           <a:prstGeom prst="rect">
             <a:avLst/>
@@ -2645,7 +2645,7 @@
         <p:spPr>
           <a:xfrm>
             <a:off x="4399200" y="9555480"/>
-            <a:ext cx="3367080" cy="496800"/>
+            <a:ext cx="3366720" cy="496440"/>
           </a:xfrm>
           <a:prstGeom prst="rect">
             <a:avLst/>
@@ -2687,7 +2687,7 @@
                 <a:tab algn="l" pos="0"/>
               </a:tabLst>
             </a:pPr>
-            <a:fld id="{0CD0E2CB-BBEB-47B5-9A32-E4C40DD738DA}" type="slidenum">
+            <a:fld id="{DF7DA2CF-E7B4-4EB7-B26A-E03AED906648}" type="slidenum">
               <a:rPr b="0" lang="de-DE" sz="1800" spc="-1" strike="noStrike">
                 <a:solidFill>
                   <a:srgbClr val="000000"/>
@@ -2695,7 +2695,7 @@
                 <a:latin typeface="+mn-lt"/>
                 <a:ea typeface="+mn-ea"/>
               </a:rPr>
-              <a:t>76</a:t>
+              <a:t>&lt;number&gt;</a:t>
             </a:fld>
             <a:endParaRPr b="0" lang="en-US" sz="1800" spc="-1" strike="noStrike">
               <a:solidFill>
@@ -2741,7 +2741,7 @@
         <p:spPr>
           <a:xfrm>
             <a:off x="533520" y="763560"/>
-            <a:ext cx="6698160" cy="3766320"/>
+            <a:ext cx="6697800" cy="3765960"/>
           </a:xfrm>
           <a:prstGeom prst="rect">
             <a:avLst/>
@@ -2764,7 +2764,7 @@
         <p:spPr>
           <a:xfrm>
             <a:off x="777240" y="4777560"/>
-            <a:ext cx="6211800" cy="4520160"/>
+            <a:ext cx="6211440" cy="4519800"/>
           </a:xfrm>
           <a:prstGeom prst="rect">
             <a:avLst/>
@@ -2804,7 +2804,7 @@
         <p:spPr>
           <a:xfrm>
             <a:off x="4399200" y="9555480"/>
-            <a:ext cx="3367080" cy="496800"/>
+            <a:ext cx="3366720" cy="496440"/>
           </a:xfrm>
           <a:prstGeom prst="rect">
             <a:avLst/>
@@ -2846,7 +2846,7 @@
                 <a:tab algn="l" pos="0"/>
               </a:tabLst>
             </a:pPr>
-            <a:fld id="{7E3AB6C6-3A59-4F49-905D-AE3F76EDF090}" type="slidenum">
+            <a:fld id="{243AD807-1543-4866-BE8E-0EABEA82E434}" type="slidenum">
               <a:rPr b="0" lang="de-DE" sz="1800" spc="-1" strike="noStrike">
                 <a:solidFill>
                   <a:srgbClr val="000000"/>
@@ -2854,7 +2854,7 @@
                 <a:latin typeface="+mn-lt"/>
                 <a:ea typeface="+mn-ea"/>
               </a:rPr>
-              <a:t>76</a:t>
+              <a:t>&lt;number&gt;</a:t>
             </a:fld>
             <a:endParaRPr b="0" lang="en-US" sz="1800" spc="-1" strike="noStrike">
               <a:solidFill>
@@ -2900,7 +2900,7 @@
         <p:spPr>
           <a:xfrm>
             <a:off x="533520" y="763560"/>
-            <a:ext cx="6698160" cy="3766320"/>
+            <a:ext cx="6697800" cy="3765960"/>
           </a:xfrm>
           <a:prstGeom prst="rect">
             <a:avLst/>
@@ -2923,7 +2923,7 @@
         <p:spPr>
           <a:xfrm>
             <a:off x="777240" y="4777560"/>
-            <a:ext cx="6211800" cy="4520160"/>
+            <a:ext cx="6211440" cy="4519800"/>
           </a:xfrm>
           <a:prstGeom prst="rect">
             <a:avLst/>
@@ -2963,7 +2963,7 @@
         <p:spPr>
           <a:xfrm>
             <a:off x="4399200" y="9555480"/>
-            <a:ext cx="3367080" cy="496800"/>
+            <a:ext cx="3366720" cy="496440"/>
           </a:xfrm>
           <a:prstGeom prst="rect">
             <a:avLst/>
@@ -3005,7 +3005,7 @@
                 <a:tab algn="l" pos="0"/>
               </a:tabLst>
             </a:pPr>
-            <a:fld id="{C97CAFDD-3753-4570-8C89-15C09DA7A444}" type="slidenum">
+            <a:fld id="{1FADBA41-432A-455B-835E-81BBD2047925}" type="slidenum">
               <a:rPr b="0" lang="de-DE" sz="1800" spc="-1" strike="noStrike">
                 <a:solidFill>
                   <a:srgbClr val="000000"/>
@@ -3013,7 +3013,7 @@
                 <a:latin typeface="+mn-lt"/>
                 <a:ea typeface="+mn-ea"/>
               </a:rPr>
-              <a:t>76</a:t>
+              <a:t>&lt;number&gt;</a:t>
             </a:fld>
             <a:endParaRPr b="0" lang="en-US" sz="1800" spc="-1" strike="noStrike">
               <a:solidFill>
@@ -3059,7 +3059,7 @@
         <p:spPr>
           <a:xfrm>
             <a:off x="533520" y="763560"/>
-            <a:ext cx="6698160" cy="3766320"/>
+            <a:ext cx="6697800" cy="3765960"/>
           </a:xfrm>
           <a:prstGeom prst="rect">
             <a:avLst/>
@@ -3082,7 +3082,7 @@
         <p:spPr>
           <a:xfrm>
             <a:off x="777240" y="4777560"/>
-            <a:ext cx="6211800" cy="4520160"/>
+            <a:ext cx="6211440" cy="4519800"/>
           </a:xfrm>
           <a:prstGeom prst="rect">
             <a:avLst/>
@@ -3122,7 +3122,7 @@
         <p:spPr>
           <a:xfrm>
             <a:off x="4399200" y="9555480"/>
-            <a:ext cx="3367080" cy="496800"/>
+            <a:ext cx="3366720" cy="496440"/>
           </a:xfrm>
           <a:prstGeom prst="rect">
             <a:avLst/>
@@ -3164,7 +3164,7 @@
                 <a:tab algn="l" pos="0"/>
               </a:tabLst>
             </a:pPr>
-            <a:fld id="{A293E380-DC8B-4DA9-93E4-DA4A3BD2E001}" type="slidenum">
+            <a:fld id="{C81C17EE-061B-4CCB-89A1-12D957E8B7F7}" type="slidenum">
               <a:rPr b="0" lang="de-DE" sz="1800" spc="-1" strike="noStrike">
                 <a:solidFill>
                   <a:srgbClr val="000000"/>
@@ -3172,7 +3172,7 @@
                 <a:latin typeface="+mn-lt"/>
                 <a:ea typeface="+mn-ea"/>
               </a:rPr>
-              <a:t>76</a:t>
+              <a:t>&lt;number&gt;</a:t>
             </a:fld>
             <a:endParaRPr b="0" lang="en-US" sz="1800" spc="-1" strike="noStrike">
               <a:solidFill>
@@ -3218,7 +3218,7 @@
         <p:spPr>
           <a:xfrm>
             <a:off x="533520" y="763560"/>
-            <a:ext cx="6698160" cy="3766320"/>
+            <a:ext cx="6697800" cy="3765960"/>
           </a:xfrm>
           <a:prstGeom prst="rect">
             <a:avLst/>
@@ -3241,7 +3241,7 @@
         <p:spPr>
           <a:xfrm>
             <a:off x="777240" y="4777560"/>
-            <a:ext cx="6211800" cy="4520160"/>
+            <a:ext cx="6211440" cy="4519800"/>
           </a:xfrm>
           <a:prstGeom prst="rect">
             <a:avLst/>
@@ -3281,7 +3281,7 @@
         <p:spPr>
           <a:xfrm>
             <a:off x="4399200" y="9555480"/>
-            <a:ext cx="3367080" cy="496800"/>
+            <a:ext cx="3366720" cy="496440"/>
           </a:xfrm>
           <a:prstGeom prst="rect">
             <a:avLst/>
@@ -3323,7 +3323,7 @@
                 <a:tab algn="l" pos="0"/>
               </a:tabLst>
             </a:pPr>
-            <a:fld id="{AF0ECEAF-2D5B-4C01-859C-8DC97FF2FED6}" type="slidenum">
+            <a:fld id="{1CCC2FD2-798C-4037-AA60-231DA6F2D9B7}" type="slidenum">
               <a:rPr b="0" lang="de-DE" sz="1800" spc="-1" strike="noStrike">
                 <a:solidFill>
                   <a:srgbClr val="000000"/>
@@ -3331,7 +3331,7 @@
                 <a:latin typeface="+mn-lt"/>
                 <a:ea typeface="+mn-ea"/>
               </a:rPr>
-              <a:t>76</a:t>
+              <a:t>&lt;number&gt;</a:t>
             </a:fld>
             <a:endParaRPr b="0" lang="en-US" sz="1800" spc="-1" strike="noStrike">
               <a:solidFill>
@@ -3377,7 +3377,7 @@
         <p:spPr>
           <a:xfrm>
             <a:off x="533520" y="763560"/>
-            <a:ext cx="6698160" cy="3766320"/>
+            <a:ext cx="6697800" cy="3765960"/>
           </a:xfrm>
           <a:prstGeom prst="rect">
             <a:avLst/>
@@ -3400,7 +3400,7 @@
         <p:spPr>
           <a:xfrm>
             <a:off x="777240" y="4777560"/>
-            <a:ext cx="6211800" cy="4520160"/>
+            <a:ext cx="6211440" cy="4519800"/>
           </a:xfrm>
           <a:prstGeom prst="rect">
             <a:avLst/>
@@ -3440,7 +3440,7 @@
         <p:spPr>
           <a:xfrm>
             <a:off x="4399200" y="9555480"/>
-            <a:ext cx="3367080" cy="496800"/>
+            <a:ext cx="3366720" cy="496440"/>
           </a:xfrm>
           <a:prstGeom prst="rect">
             <a:avLst/>
@@ -3482,7 +3482,7 @@
                 <a:tab algn="l" pos="0"/>
               </a:tabLst>
             </a:pPr>
-            <a:fld id="{57166FA8-46F0-416C-BB8C-0F05F613D0A0}" type="slidenum">
+            <a:fld id="{00243C79-2585-4310-A3D1-47C4021D4E1F}" type="slidenum">
               <a:rPr b="0" lang="de-DE" sz="1800" spc="-1" strike="noStrike">
                 <a:solidFill>
                   <a:srgbClr val="000000"/>
@@ -3490,7 +3490,7 @@
                 <a:latin typeface="+mn-lt"/>
                 <a:ea typeface="+mn-ea"/>
               </a:rPr>
-              <a:t>76</a:t>
+              <a:t>&lt;number&gt;</a:t>
             </a:fld>
             <a:endParaRPr b="0" lang="en-US" sz="1800" spc="-1" strike="noStrike">
               <a:solidFill>
@@ -3536,7 +3536,7 @@
         <p:spPr>
           <a:xfrm>
             <a:off x="4403880" y="9556200"/>
-            <a:ext cx="3362040" cy="496440"/>
+            <a:ext cx="3361680" cy="496080"/>
           </a:xfrm>
           <a:prstGeom prst="rect">
             <a:avLst/>
@@ -3578,7 +3578,7 @@
                 <a:tab algn="l" pos="0"/>
               </a:tabLst>
             </a:pPr>
-            <a:fld id="{0236D9A8-90D9-4A9E-AA0B-1BA1ABCD0136}" type="slidenum">
+            <a:fld id="{41D08ED3-93C3-4888-9165-44C345E5A814}" type="slidenum">
               <a:rPr b="0" lang="de-DE" sz="1400" spc="-1" strike="noStrike">
                 <a:solidFill>
                   <a:srgbClr val="000000"/>
@@ -3586,7 +3586,7 @@
                 <a:latin typeface="Times New Roman"/>
                 <a:ea typeface="ＭＳ Ｐゴシック"/>
               </a:rPr>
-              <a:t>76</a:t>
+              <a:t>&lt;number&gt;</a:t>
             </a:fld>
             <a:endParaRPr b="0" lang="en-US" sz="1400" spc="-1" strike="noStrike">
               <a:solidFill>
@@ -3606,7 +3606,7 @@
         <p:spPr>
           <a:xfrm>
             <a:off x="4403880" y="9556200"/>
-            <a:ext cx="3362040" cy="496440"/>
+            <a:ext cx="3361680" cy="496080"/>
           </a:xfrm>
           <a:prstGeom prst="rect">
             <a:avLst/>
@@ -3632,7 +3632,7 @@
                 <a:spcPct val="100000"/>
               </a:lnSpc>
             </a:pPr>
-            <a:fld id="{BB734F43-9A18-4D83-9481-CDE0068C4106}" type="slidenum">
+            <a:fld id="{E0694C1C-208F-4804-B930-9E4325169D07}" type="slidenum">
               <a:rPr b="0" lang="de-DE" sz="1600" spc="-1" strike="noStrike">
                 <a:solidFill>
                   <a:srgbClr val="000000"/>
@@ -3640,7 +3640,7 @@
                 <a:latin typeface="Times New Roman"/>
                 <a:ea typeface="ＭＳ Ｐゴシック"/>
               </a:rPr>
-              <a:t>76</a:t>
+              <a:t>&lt;number&gt;</a:t>
             </a:fld>
             <a:endParaRPr b="0" lang="en-US" sz="1600" spc="-1" strike="noStrike">
               <a:solidFill>
@@ -3664,7 +3664,7 @@
         <p:spPr>
           <a:xfrm>
             <a:off x="536400" y="755640"/>
-            <a:ext cx="6694920" cy="3764520"/>
+            <a:ext cx="6694560" cy="3764160"/>
           </a:xfrm>
           <a:prstGeom prst="rect">
             <a:avLst/>
@@ -3687,7 +3687,7 @@
         <p:spPr>
           <a:xfrm>
             <a:off x="1035720" y="4775400"/>
-            <a:ext cx="5694480" cy="4521600"/>
+            <a:ext cx="5694120" cy="4521240"/>
           </a:xfrm>
           <a:prstGeom prst="rect">
             <a:avLst/>
@@ -3764,7 +3764,7 @@
         <p:spPr>
           <a:xfrm>
             <a:off x="4403880" y="9556200"/>
-            <a:ext cx="3362040" cy="496440"/>
+            <a:ext cx="3361680" cy="496080"/>
           </a:xfrm>
           <a:prstGeom prst="rect">
             <a:avLst/>
@@ -3806,7 +3806,7 @@
                 <a:tab algn="l" pos="0"/>
               </a:tabLst>
             </a:pPr>
-            <a:fld id="{D20A743A-30ED-4045-9B11-9275AAB94B18}" type="slidenum">
+            <a:fld id="{07BB0520-BF59-42DD-A9B4-2BDE72EB5281}" type="slidenum">
               <a:rPr b="0" lang="de-DE" sz="1400" spc="-1" strike="noStrike">
                 <a:solidFill>
                   <a:srgbClr val="000000"/>
@@ -3814,7 +3814,7 @@
                 <a:latin typeface="Times New Roman"/>
                 <a:ea typeface="ＭＳ Ｐゴシック"/>
               </a:rPr>
-              <a:t>76</a:t>
+              <a:t>&lt;number&gt;</a:t>
             </a:fld>
             <a:endParaRPr b="0" lang="en-US" sz="1400" spc="-1" strike="noStrike">
               <a:solidFill>
@@ -3834,7 +3834,7 @@
         <p:spPr>
           <a:xfrm>
             <a:off x="4403880" y="9556200"/>
-            <a:ext cx="3362040" cy="496440"/>
+            <a:ext cx="3361680" cy="496080"/>
           </a:xfrm>
           <a:prstGeom prst="rect">
             <a:avLst/>
@@ -3860,7 +3860,7 @@
                 <a:spcPct val="100000"/>
               </a:lnSpc>
             </a:pPr>
-            <a:fld id="{ABD8CD6B-D1FF-43A1-90FE-CFABC09FFE7F}" type="slidenum">
+            <a:fld id="{1BF0A68C-067F-42B3-9F2E-AD23E41F9FCB}" type="slidenum">
               <a:rPr b="0" lang="de-DE" sz="1600" spc="-1" strike="noStrike">
                 <a:solidFill>
                   <a:srgbClr val="000000"/>
@@ -3868,7 +3868,7 @@
                 <a:latin typeface="Times New Roman"/>
                 <a:ea typeface="ＭＳ Ｐゴシック"/>
               </a:rPr>
-              <a:t>76</a:t>
+              <a:t>&lt;number&gt;</a:t>
             </a:fld>
             <a:endParaRPr b="0" lang="en-US" sz="1600" spc="-1" strike="noStrike">
               <a:solidFill>
@@ -3892,7 +3892,7 @@
         <p:spPr>
           <a:xfrm>
             <a:off x="536400" y="755640"/>
-            <a:ext cx="6694920" cy="3764520"/>
+            <a:ext cx="6694560" cy="3764160"/>
           </a:xfrm>
           <a:prstGeom prst="rect">
             <a:avLst/>
@@ -3915,7 +3915,7 @@
         <p:spPr>
           <a:xfrm>
             <a:off x="1035720" y="4775400"/>
-            <a:ext cx="5694480" cy="4521600"/>
+            <a:ext cx="5694120" cy="4521240"/>
           </a:xfrm>
           <a:prstGeom prst="rect">
             <a:avLst/>
@@ -3992,7 +3992,7 @@
         <p:spPr>
           <a:xfrm>
             <a:off x="533520" y="763560"/>
-            <a:ext cx="6698160" cy="3766320"/>
+            <a:ext cx="6697800" cy="3765960"/>
           </a:xfrm>
           <a:prstGeom prst="rect">
             <a:avLst/>
@@ -4015,7 +4015,7 @@
         <p:spPr>
           <a:xfrm>
             <a:off x="777240" y="4777560"/>
-            <a:ext cx="6211800" cy="4520160"/>
+            <a:ext cx="6211440" cy="4519800"/>
           </a:xfrm>
           <a:prstGeom prst="rect">
             <a:avLst/>
@@ -4055,7 +4055,7 @@
         <p:spPr>
           <a:xfrm>
             <a:off x="4399200" y="9555480"/>
-            <a:ext cx="3367080" cy="496800"/>
+            <a:ext cx="3366720" cy="496440"/>
           </a:xfrm>
           <a:prstGeom prst="rect">
             <a:avLst/>
@@ -4097,7 +4097,7 @@
                 <a:tab algn="l" pos="0"/>
               </a:tabLst>
             </a:pPr>
-            <a:fld id="{E1DF5028-07B7-4577-B88D-3AEF30182511}" type="slidenum">
+            <a:fld id="{0A10673F-2B10-4B91-A539-044BF044C647}" type="slidenum">
               <a:rPr b="0" lang="de-DE" sz="1800" spc="-1" strike="noStrike">
                 <a:solidFill>
                   <a:srgbClr val="000000"/>
@@ -4105,7 +4105,7 @@
                 <a:latin typeface="+mn-lt"/>
                 <a:ea typeface="+mn-ea"/>
               </a:rPr>
-              <a:t>76</a:t>
+              <a:t>&lt;number&gt;</a:t>
             </a:fld>
             <a:endParaRPr b="0" lang="en-US" sz="1800" spc="-1" strike="noStrike">
               <a:solidFill>
@@ -4151,7 +4151,7 @@
         <p:spPr>
           <a:xfrm>
             <a:off x="533520" y="763560"/>
-            <a:ext cx="6698520" cy="3766320"/>
+            <a:ext cx="6698160" cy="3765960"/>
           </a:xfrm>
           <a:prstGeom prst="rect">
             <a:avLst/>
@@ -4174,7 +4174,7 @@
         <p:spPr>
           <a:xfrm>
             <a:off x="777240" y="4777560"/>
-            <a:ext cx="6211800" cy="4520160"/>
+            <a:ext cx="6211440" cy="4519800"/>
           </a:xfrm>
           <a:prstGeom prst="rect">
             <a:avLst/>
@@ -4214,7 +4214,7 @@
         <p:spPr>
           <a:xfrm>
             <a:off x="4399200" y="9555480"/>
-            <a:ext cx="3367080" cy="496800"/>
+            <a:ext cx="3366720" cy="496440"/>
           </a:xfrm>
           <a:prstGeom prst="rect">
             <a:avLst/>
@@ -4256,7 +4256,7 @@
                 <a:tab algn="l" pos="0"/>
               </a:tabLst>
             </a:pPr>
-            <a:fld id="{B6BFACC5-3CCA-41FF-83E4-9825C6EF48BC}" type="slidenum">
+            <a:fld id="{7E11359C-50E8-4C6C-B4C4-C45732FF67DC}" type="slidenum">
               <a:rPr b="0" lang="de-DE" sz="1800" spc="-1" strike="noStrike">
                 <a:solidFill>
                   <a:srgbClr val="000000"/>
@@ -4264,7 +4264,7 @@
                 <a:latin typeface="+mn-lt"/>
                 <a:ea typeface="+mn-ea"/>
               </a:rPr>
-              <a:t>76</a:t>
+              <a:t>&lt;number&gt;</a:t>
             </a:fld>
             <a:endParaRPr b="0" lang="en-US" sz="1800" spc="-1" strike="noStrike">
               <a:solidFill>
@@ -4310,7 +4310,7 @@
         <p:spPr>
           <a:xfrm>
             <a:off x="533520" y="763560"/>
-            <a:ext cx="6698520" cy="3766320"/>
+            <a:ext cx="6698160" cy="3765960"/>
           </a:xfrm>
           <a:prstGeom prst="rect">
             <a:avLst/>
@@ -4333,7 +4333,7 @@
         <p:spPr>
           <a:xfrm>
             <a:off x="777240" y="4777560"/>
-            <a:ext cx="6211800" cy="4520160"/>
+            <a:ext cx="6211440" cy="4519800"/>
           </a:xfrm>
           <a:prstGeom prst="rect">
             <a:avLst/>
@@ -4373,7 +4373,7 @@
         <p:spPr>
           <a:xfrm>
             <a:off x="4399200" y="9555480"/>
-            <a:ext cx="3367080" cy="496800"/>
+            <a:ext cx="3366720" cy="496440"/>
           </a:xfrm>
           <a:prstGeom prst="rect">
             <a:avLst/>
@@ -4415,7 +4415,7 @@
                 <a:tab algn="l" pos="0"/>
               </a:tabLst>
             </a:pPr>
-            <a:fld id="{EB938EE7-36FF-4B31-80F3-E9D99B993586}" type="slidenum">
+            <a:fld id="{767065E0-2101-49B3-BC8D-C6E0BAD0EF19}" type="slidenum">
               <a:rPr b="0" lang="de-DE" sz="1800" spc="-1" strike="noStrike">
                 <a:solidFill>
                   <a:srgbClr val="000000"/>
@@ -4423,7 +4423,7 @@
                 <a:latin typeface="+mn-lt"/>
                 <a:ea typeface="+mn-ea"/>
               </a:rPr>
-              <a:t>76</a:t>
+              <a:t>&lt;number&gt;</a:t>
             </a:fld>
             <a:endParaRPr b="0" lang="en-US" sz="1800" spc="-1" strike="noStrike">
               <a:solidFill>
@@ -4469,7 +4469,7 @@
         <p:spPr>
           <a:xfrm>
             <a:off x="533520" y="763560"/>
-            <a:ext cx="6698160" cy="3766320"/>
+            <a:ext cx="6697800" cy="3765960"/>
           </a:xfrm>
           <a:prstGeom prst="rect">
             <a:avLst/>
@@ -4492,7 +4492,7 @@
         <p:spPr>
           <a:xfrm>
             <a:off x="777240" y="4777560"/>
-            <a:ext cx="6211800" cy="4520160"/>
+            <a:ext cx="6211440" cy="4519800"/>
           </a:xfrm>
           <a:prstGeom prst="rect">
             <a:avLst/>
@@ -4532,7 +4532,7 @@
         <p:spPr>
           <a:xfrm>
             <a:off x="4399200" y="9555480"/>
-            <a:ext cx="3367080" cy="496800"/>
+            <a:ext cx="3366720" cy="496440"/>
           </a:xfrm>
           <a:prstGeom prst="rect">
             <a:avLst/>
@@ -4574,7 +4574,7 @@
                 <a:tab algn="l" pos="0"/>
               </a:tabLst>
             </a:pPr>
-            <a:fld id="{C8C35AA4-C248-460A-B3E7-EED9CBEEF9A1}" type="slidenum">
+            <a:fld id="{E6A9CDE3-6192-409C-9F92-50F3A73668E6}" type="slidenum">
               <a:rPr b="0" lang="de-DE" sz="1800" spc="-1" strike="noStrike">
                 <a:solidFill>
                   <a:srgbClr val="000000"/>
@@ -4582,7 +4582,7 @@
                 <a:latin typeface="+mn-lt"/>
                 <a:ea typeface="+mn-ea"/>
               </a:rPr>
-              <a:t>76</a:t>
+              <a:t>&lt;number&gt;</a:t>
             </a:fld>
             <a:endParaRPr b="0" lang="en-US" sz="1800" spc="-1" strike="noStrike">
               <a:solidFill>
@@ -4628,7 +4628,7 @@
         <p:spPr>
           <a:xfrm>
             <a:off x="533520" y="763560"/>
-            <a:ext cx="6698160" cy="3766320"/>
+            <a:ext cx="6697800" cy="3765960"/>
           </a:xfrm>
           <a:prstGeom prst="rect">
             <a:avLst/>
@@ -4651,7 +4651,7 @@
         <p:spPr>
           <a:xfrm>
             <a:off x="777240" y="4777560"/>
-            <a:ext cx="6211800" cy="4520160"/>
+            <a:ext cx="6211440" cy="4519800"/>
           </a:xfrm>
           <a:prstGeom prst="rect">
             <a:avLst/>
@@ -4691,7 +4691,7 @@
         <p:spPr>
           <a:xfrm>
             <a:off x="4399200" y="9555480"/>
-            <a:ext cx="3367080" cy="496800"/>
+            <a:ext cx="3366720" cy="496440"/>
           </a:xfrm>
           <a:prstGeom prst="rect">
             <a:avLst/>
@@ -4733,7 +4733,7 @@
                 <a:tab algn="l" pos="0"/>
               </a:tabLst>
             </a:pPr>
-            <a:fld id="{503D32FA-211D-414A-B324-2853D8CA0AB9}" type="slidenum">
+            <a:fld id="{7DDCA1A6-FDAE-42FD-8BFE-CD9342328315}" type="slidenum">
               <a:rPr b="0" lang="de-DE" sz="1800" spc="-1" strike="noStrike">
                 <a:solidFill>
                   <a:srgbClr val="000000"/>
@@ -4741,7 +4741,7 @@
                 <a:latin typeface="+mn-lt"/>
                 <a:ea typeface="+mn-ea"/>
               </a:rPr>
-              <a:t>76</a:t>
+              <a:t>&lt;number&gt;</a:t>
             </a:fld>
             <a:endParaRPr b="0" lang="en-US" sz="1800" spc="-1" strike="noStrike">
               <a:solidFill>
@@ -4787,7 +4787,7 @@
         <p:spPr>
           <a:xfrm>
             <a:off x="533520" y="763560"/>
-            <a:ext cx="6698160" cy="3766320"/>
+            <a:ext cx="6697800" cy="3765960"/>
           </a:xfrm>
           <a:prstGeom prst="rect">
             <a:avLst/>
@@ -4810,7 +4810,7 @@
         <p:spPr>
           <a:xfrm>
             <a:off x="777240" y="4777560"/>
-            <a:ext cx="6211800" cy="4520160"/>
+            <a:ext cx="6211440" cy="4519800"/>
           </a:xfrm>
           <a:prstGeom prst="rect">
             <a:avLst/>
@@ -4850,7 +4850,7 @@
         <p:spPr>
           <a:xfrm>
             <a:off x="4399200" y="9555480"/>
-            <a:ext cx="3367080" cy="496800"/>
+            <a:ext cx="3366720" cy="496440"/>
           </a:xfrm>
           <a:prstGeom prst="rect">
             <a:avLst/>
@@ -4892,7 +4892,7 @@
                 <a:tab algn="l" pos="0"/>
               </a:tabLst>
             </a:pPr>
-            <a:fld id="{219980B6-82A0-4D3F-997A-85D4FF99C869}" type="slidenum">
+            <a:fld id="{AC907469-1DBB-487D-9132-14E2175D725F}" type="slidenum">
               <a:rPr b="0" lang="de-DE" sz="1800" spc="-1" strike="noStrike">
                 <a:solidFill>
                   <a:srgbClr val="000000"/>
@@ -4900,7 +4900,7 @@
                 <a:latin typeface="+mn-lt"/>
                 <a:ea typeface="+mn-ea"/>
               </a:rPr>
-              <a:t>76</a:t>
+              <a:t>&lt;number&gt;</a:t>
             </a:fld>
             <a:endParaRPr b="0" lang="en-US" sz="1800" spc="-1" strike="noStrike">
               <a:solidFill>
@@ -4946,7 +4946,7 @@
         <p:spPr>
           <a:xfrm>
             <a:off x="533520" y="763560"/>
-            <a:ext cx="6698160" cy="3766320"/>
+            <a:ext cx="6697800" cy="3765960"/>
           </a:xfrm>
           <a:prstGeom prst="rect">
             <a:avLst/>
@@ -4969,7 +4969,7 @@
         <p:spPr>
           <a:xfrm>
             <a:off x="777240" y="4777560"/>
-            <a:ext cx="6211800" cy="4520160"/>
+            <a:ext cx="6211440" cy="4519800"/>
           </a:xfrm>
           <a:prstGeom prst="rect">
             <a:avLst/>
@@ -5009,7 +5009,7 @@
         <p:spPr>
           <a:xfrm>
             <a:off x="4399200" y="9555480"/>
-            <a:ext cx="3367080" cy="496800"/>
+            <a:ext cx="3366720" cy="496440"/>
           </a:xfrm>
           <a:prstGeom prst="rect">
             <a:avLst/>
@@ -5051,7 +5051,7 @@
                 <a:tab algn="l" pos="0"/>
               </a:tabLst>
             </a:pPr>
-            <a:fld id="{1CEBEBE5-5593-42C7-AB6D-6AD9BD67FB2A}" type="slidenum">
+            <a:fld id="{BE10933C-66F4-464A-AB01-6C215732EEEF}" type="slidenum">
               <a:rPr b="0" lang="de-DE" sz="1800" spc="-1" strike="noStrike">
                 <a:solidFill>
                   <a:srgbClr val="000000"/>
@@ -5059,7 +5059,7 @@
                 <a:latin typeface="+mn-lt"/>
                 <a:ea typeface="+mn-ea"/>
               </a:rPr>
-              <a:t>76</a:t>
+              <a:t>&lt;number&gt;</a:t>
             </a:fld>
             <a:endParaRPr b="0" lang="en-US" sz="1800" spc="-1" strike="noStrike">
               <a:solidFill>
@@ -5105,7 +5105,7 @@
         <p:spPr>
           <a:xfrm>
             <a:off x="533520" y="763560"/>
-            <a:ext cx="6698160" cy="3766320"/>
+            <a:ext cx="6697800" cy="3765960"/>
           </a:xfrm>
           <a:prstGeom prst="rect">
             <a:avLst/>
@@ -5128,7 +5128,7 @@
         <p:spPr>
           <a:xfrm>
             <a:off x="777240" y="4777560"/>
-            <a:ext cx="6211800" cy="4520160"/>
+            <a:ext cx="6211440" cy="4519800"/>
           </a:xfrm>
           <a:prstGeom prst="rect">
             <a:avLst/>
@@ -5168,7 +5168,7 @@
         <p:spPr>
           <a:xfrm>
             <a:off x="4399200" y="9555480"/>
-            <a:ext cx="3367080" cy="496800"/>
+            <a:ext cx="3366720" cy="496440"/>
           </a:xfrm>
           <a:prstGeom prst="rect">
             <a:avLst/>
@@ -5210,7 +5210,7 @@
                 <a:tab algn="l" pos="0"/>
               </a:tabLst>
             </a:pPr>
-            <a:fld id="{192FC7D1-FF45-401E-AB51-990890BBA37B}" type="slidenum">
+            <a:fld id="{0D77D47A-6987-4E29-B30C-0DEE9C4A1061}" type="slidenum">
               <a:rPr b="0" lang="de-DE" sz="1800" spc="-1" strike="noStrike">
                 <a:solidFill>
                   <a:srgbClr val="000000"/>
@@ -5218,7 +5218,7 @@
                 <a:latin typeface="+mn-lt"/>
                 <a:ea typeface="+mn-ea"/>
               </a:rPr>
-              <a:t>76</a:t>
+              <a:t>&lt;number&gt;</a:t>
             </a:fld>
             <a:endParaRPr b="0" lang="en-US" sz="1800" spc="-1" strike="noStrike">
               <a:solidFill>
@@ -5264,7 +5264,7 @@
         <p:spPr>
           <a:xfrm>
             <a:off x="533520" y="763560"/>
-            <a:ext cx="6698520" cy="3766320"/>
+            <a:ext cx="6698160" cy="3765960"/>
           </a:xfrm>
           <a:prstGeom prst="rect">
             <a:avLst/>
@@ -5287,7 +5287,7 @@
         <p:spPr>
           <a:xfrm>
             <a:off x="777240" y="4777560"/>
-            <a:ext cx="6211800" cy="4520160"/>
+            <a:ext cx="6211440" cy="4519800"/>
           </a:xfrm>
           <a:prstGeom prst="rect">
             <a:avLst/>
@@ -5327,7 +5327,7 @@
         <p:spPr>
           <a:xfrm>
             <a:off x="4399200" y="9555480"/>
-            <a:ext cx="3367080" cy="496800"/>
+            <a:ext cx="3366720" cy="496440"/>
           </a:xfrm>
           <a:prstGeom prst="rect">
             <a:avLst/>
@@ -5369,7 +5369,7 @@
                 <a:tab algn="l" pos="0"/>
               </a:tabLst>
             </a:pPr>
-            <a:fld id="{677A4219-56AE-45D3-BD2A-CE5FF81FA0BA}" type="slidenum">
+            <a:fld id="{EFAECDE1-1A20-4434-A12F-158271D263FF}" type="slidenum">
               <a:rPr b="0" lang="de-DE" sz="1800" spc="-1" strike="noStrike">
                 <a:solidFill>
                   <a:srgbClr val="000000"/>
@@ -5377,7 +5377,7 @@
                 <a:latin typeface="+mn-lt"/>
                 <a:ea typeface="+mn-ea"/>
               </a:rPr>
-              <a:t>76</a:t>
+              <a:t>&lt;number&gt;</a:t>
             </a:fld>
             <a:endParaRPr b="0" lang="en-US" sz="1800" spc="-1" strike="noStrike">
               <a:solidFill>
@@ -5423,7 +5423,7 @@
         <p:spPr>
           <a:xfrm>
             <a:off x="533520" y="763560"/>
-            <a:ext cx="6698520" cy="3766320"/>
+            <a:ext cx="6698160" cy="3765960"/>
           </a:xfrm>
           <a:prstGeom prst="rect">
             <a:avLst/>
@@ -5446,7 +5446,7 @@
         <p:spPr>
           <a:xfrm>
             <a:off x="777240" y="4777560"/>
-            <a:ext cx="6211800" cy="4520160"/>
+            <a:ext cx="6211440" cy="4519800"/>
           </a:xfrm>
           <a:prstGeom prst="rect">
             <a:avLst/>
@@ -5486,7 +5486,7 @@
         <p:spPr>
           <a:xfrm>
             <a:off x="4399200" y="9555480"/>
-            <a:ext cx="3367080" cy="496800"/>
+            <a:ext cx="3366720" cy="496440"/>
           </a:xfrm>
           <a:prstGeom prst="rect">
             <a:avLst/>
@@ -5528,7 +5528,7 @@
                 <a:tab algn="l" pos="0"/>
               </a:tabLst>
             </a:pPr>
-            <a:fld id="{B8AC76D3-E796-4DF9-9F02-1A01CA9D33E9}" type="slidenum">
+            <a:fld id="{48EB806B-756C-4BF8-9381-C18E2B3540C7}" type="slidenum">
               <a:rPr b="0" lang="de-DE" sz="1800" spc="-1" strike="noStrike">
                 <a:solidFill>
                   <a:srgbClr val="000000"/>
@@ -5536,7 +5536,7 @@
                 <a:latin typeface="+mn-lt"/>
                 <a:ea typeface="+mn-ea"/>
               </a:rPr>
-              <a:t>76</a:t>
+              <a:t>&lt;number&gt;</a:t>
             </a:fld>
             <a:endParaRPr b="0" lang="en-US" sz="1800" spc="-1" strike="noStrike">
               <a:solidFill>
@@ -5582,7 +5582,7 @@
         <p:spPr>
           <a:xfrm>
             <a:off x="533520" y="763560"/>
-            <a:ext cx="6698160" cy="3766320"/>
+            <a:ext cx="6697800" cy="3765960"/>
           </a:xfrm>
           <a:prstGeom prst="rect">
             <a:avLst/>
@@ -5605,7 +5605,7 @@
         <p:spPr>
           <a:xfrm>
             <a:off x="777240" y="4777560"/>
-            <a:ext cx="6211800" cy="4520160"/>
+            <a:ext cx="6211440" cy="4519800"/>
           </a:xfrm>
           <a:prstGeom prst="rect">
             <a:avLst/>
@@ -5645,7 +5645,7 @@
         <p:spPr>
           <a:xfrm>
             <a:off x="4399200" y="9555480"/>
-            <a:ext cx="3367080" cy="496800"/>
+            <a:ext cx="3366720" cy="496440"/>
           </a:xfrm>
           <a:prstGeom prst="rect">
             <a:avLst/>
@@ -5687,7 +5687,7 @@
                 <a:tab algn="l" pos="0"/>
               </a:tabLst>
             </a:pPr>
-            <a:fld id="{8BD8710F-648D-4581-8C6C-4B0AB1A02287}" type="slidenum">
+            <a:fld id="{3A9BF08B-D0C6-459E-A46A-40F43498DC12}" type="slidenum">
               <a:rPr b="0" lang="de-DE" sz="1800" spc="-1" strike="noStrike">
                 <a:solidFill>
                   <a:srgbClr val="000000"/>
@@ -5695,7 +5695,7 @@
                 <a:latin typeface="+mn-lt"/>
                 <a:ea typeface="+mn-ea"/>
               </a:rPr>
-              <a:t>76</a:t>
+              <a:t>&lt;number&gt;</a:t>
             </a:fld>
             <a:endParaRPr b="0" lang="en-US" sz="1800" spc="-1" strike="noStrike">
               <a:solidFill>
@@ -5741,7 +5741,7 @@
         <p:spPr>
           <a:xfrm>
             <a:off x="533520" y="763560"/>
-            <a:ext cx="6698160" cy="3766320"/>
+            <a:ext cx="6697800" cy="3765960"/>
           </a:xfrm>
           <a:prstGeom prst="rect">
             <a:avLst/>
@@ -5764,7 +5764,7 @@
         <p:spPr>
           <a:xfrm>
             <a:off x="777240" y="4777560"/>
-            <a:ext cx="6211800" cy="4520160"/>
+            <a:ext cx="6211440" cy="4519800"/>
           </a:xfrm>
           <a:prstGeom prst="rect">
             <a:avLst/>
@@ -5804,7 +5804,7 @@
         <p:spPr>
           <a:xfrm>
             <a:off x="4399200" y="9555480"/>
-            <a:ext cx="3367080" cy="496800"/>
+            <a:ext cx="3366720" cy="496440"/>
           </a:xfrm>
           <a:prstGeom prst="rect">
             <a:avLst/>
@@ -5846,7 +5846,7 @@
                 <a:tab algn="l" pos="0"/>
               </a:tabLst>
             </a:pPr>
-            <a:fld id="{608C115D-1AC0-4096-9D94-C4362FF8C8FC}" type="slidenum">
+            <a:fld id="{0EF0A10B-4530-4461-B5D6-13470F6C236E}" type="slidenum">
               <a:rPr b="0" lang="de-DE" sz="1800" spc="-1" strike="noStrike">
                 <a:solidFill>
                   <a:srgbClr val="000000"/>
@@ -5854,7 +5854,7 @@
                 <a:latin typeface="+mn-lt"/>
                 <a:ea typeface="+mn-ea"/>
               </a:rPr>
-              <a:t>76</a:t>
+              <a:t>&lt;number&gt;</a:t>
             </a:fld>
             <a:endParaRPr b="0" lang="en-US" sz="1800" spc="-1" strike="noStrike">
               <a:solidFill>
@@ -5900,7 +5900,7 @@
         <p:spPr>
           <a:xfrm>
             <a:off x="533520" y="763560"/>
-            <a:ext cx="6698160" cy="3766320"/>
+            <a:ext cx="6697800" cy="3765960"/>
           </a:xfrm>
           <a:prstGeom prst="rect">
             <a:avLst/>
@@ -5923,7 +5923,7 @@
         <p:spPr>
           <a:xfrm>
             <a:off x="777240" y="4777560"/>
-            <a:ext cx="6211800" cy="4520160"/>
+            <a:ext cx="6211440" cy="4519800"/>
           </a:xfrm>
           <a:prstGeom prst="rect">
             <a:avLst/>
@@ -5963,7 +5963,7 @@
         <p:spPr>
           <a:xfrm>
             <a:off x="4399200" y="9555480"/>
-            <a:ext cx="3367080" cy="496800"/>
+            <a:ext cx="3366720" cy="496440"/>
           </a:xfrm>
           <a:prstGeom prst="rect">
             <a:avLst/>
@@ -6005,7 +6005,7 @@
                 <a:tab algn="l" pos="0"/>
               </a:tabLst>
             </a:pPr>
-            <a:fld id="{F1B11D94-EF79-4A86-9567-DB231927FCC4}" type="slidenum">
+            <a:fld id="{72F145BD-F67C-4ADA-BF57-485C1948F6C6}" type="slidenum">
               <a:rPr b="0" lang="de-DE" sz="1800" spc="-1" strike="noStrike">
                 <a:solidFill>
                   <a:srgbClr val="000000"/>
@@ -6013,7 +6013,7 @@
                 <a:latin typeface="+mn-lt"/>
                 <a:ea typeface="+mn-ea"/>
               </a:rPr>
-              <a:t>76</a:t>
+              <a:t>&lt;number&gt;</a:t>
             </a:fld>
             <a:endParaRPr b="0" lang="en-US" sz="1800" spc="-1" strike="noStrike">
               <a:solidFill>
@@ -6059,7 +6059,7 @@
         <p:spPr>
           <a:xfrm>
             <a:off x="533520" y="763560"/>
-            <a:ext cx="6698160" cy="3766320"/>
+            <a:ext cx="6697800" cy="3765960"/>
           </a:xfrm>
           <a:prstGeom prst="rect">
             <a:avLst/>
@@ -6082,7 +6082,7 @@
         <p:spPr>
           <a:xfrm>
             <a:off x="777240" y="4777560"/>
-            <a:ext cx="6211800" cy="4520160"/>
+            <a:ext cx="6211440" cy="4519800"/>
           </a:xfrm>
           <a:prstGeom prst="rect">
             <a:avLst/>
@@ -6122,7 +6122,7 @@
         <p:spPr>
           <a:xfrm>
             <a:off x="4399200" y="9555480"/>
-            <a:ext cx="3367080" cy="496800"/>
+            <a:ext cx="3366720" cy="496440"/>
           </a:xfrm>
           <a:prstGeom prst="rect">
             <a:avLst/>
@@ -6164,7 +6164,7 @@
                 <a:tab algn="l" pos="0"/>
               </a:tabLst>
             </a:pPr>
-            <a:fld id="{A5E1ED5A-3D09-4617-9047-17D208C0B911}" type="slidenum">
+            <a:fld id="{083E65A0-045E-4D8B-BA3D-28E746028946}" type="slidenum">
               <a:rPr b="0" lang="de-DE" sz="1800" spc="-1" strike="noStrike">
                 <a:solidFill>
                   <a:srgbClr val="000000"/>
@@ -6172,7 +6172,7 @@
                 <a:latin typeface="+mn-lt"/>
                 <a:ea typeface="+mn-ea"/>
               </a:rPr>
-              <a:t>76</a:t>
+              <a:t>&lt;number&gt;</a:t>
             </a:fld>
             <a:endParaRPr b="0" lang="en-US" sz="1800" spc="-1" strike="noStrike">
               <a:solidFill>
@@ -6218,7 +6218,7 @@
         <p:spPr>
           <a:xfrm>
             <a:off x="533520" y="763560"/>
-            <a:ext cx="6698160" cy="3766320"/>
+            <a:ext cx="6697800" cy="3765960"/>
           </a:xfrm>
           <a:prstGeom prst="rect">
             <a:avLst/>
@@ -6241,7 +6241,7 @@
         <p:spPr>
           <a:xfrm>
             <a:off x="777240" y="4777560"/>
-            <a:ext cx="6211800" cy="4520160"/>
+            <a:ext cx="6211440" cy="4519800"/>
           </a:xfrm>
           <a:prstGeom prst="rect">
             <a:avLst/>
@@ -6281,7 +6281,7 @@
         <p:spPr>
           <a:xfrm>
             <a:off x="4399200" y="9555480"/>
-            <a:ext cx="3367080" cy="496800"/>
+            <a:ext cx="3366720" cy="496440"/>
           </a:xfrm>
           <a:prstGeom prst="rect">
             <a:avLst/>
@@ -6323,7 +6323,7 @@
                 <a:tab algn="l" pos="0"/>
               </a:tabLst>
             </a:pPr>
-            <a:fld id="{FAD6A52E-CB53-4A6D-BF09-4F2302BA8BE4}" type="slidenum">
+            <a:fld id="{3D18EFBA-FD98-4FC7-A2E5-3F702D7F4CBF}" type="slidenum">
               <a:rPr b="0" lang="de-DE" sz="1800" spc="-1" strike="noStrike">
                 <a:solidFill>
                   <a:srgbClr val="000000"/>
@@ -6331,7 +6331,7 @@
                 <a:latin typeface="+mn-lt"/>
                 <a:ea typeface="+mn-ea"/>
               </a:rPr>
-              <a:t>76</a:t>
+              <a:t>&lt;number&gt;</a:t>
             </a:fld>
             <a:endParaRPr b="0" lang="en-US" sz="1800" spc="-1" strike="noStrike">
               <a:solidFill>
@@ -6377,7 +6377,7 @@
         <p:spPr>
           <a:xfrm>
             <a:off x="533520" y="763560"/>
-            <a:ext cx="6698160" cy="3766320"/>
+            <a:ext cx="6697800" cy="3765960"/>
           </a:xfrm>
           <a:prstGeom prst="rect">
             <a:avLst/>
@@ -6400,7 +6400,7 @@
         <p:spPr>
           <a:xfrm>
             <a:off x="777240" y="4777560"/>
-            <a:ext cx="6211800" cy="4520160"/>
+            <a:ext cx="6211440" cy="4519800"/>
           </a:xfrm>
           <a:prstGeom prst="rect">
             <a:avLst/>
@@ -6440,7 +6440,7 @@
         <p:spPr>
           <a:xfrm>
             <a:off x="4399200" y="9555480"/>
-            <a:ext cx="3367080" cy="496800"/>
+            <a:ext cx="3366720" cy="496440"/>
           </a:xfrm>
           <a:prstGeom prst="rect">
             <a:avLst/>
@@ -6482,7 +6482,7 @@
                 <a:tab algn="l" pos="0"/>
               </a:tabLst>
             </a:pPr>
-            <a:fld id="{6C3825BB-C88A-45D7-B346-D16FE42C010D}" type="slidenum">
+            <a:fld id="{D3952CC0-41B1-4B98-9D00-4F7A59B386C7}" type="slidenum">
               <a:rPr b="0" lang="de-DE" sz="1800" spc="-1" strike="noStrike">
                 <a:solidFill>
                   <a:srgbClr val="000000"/>
@@ -6490,7 +6490,7 @@
                 <a:latin typeface="+mn-lt"/>
                 <a:ea typeface="+mn-ea"/>
               </a:rPr>
-              <a:t>76</a:t>
+              <a:t>&lt;number&gt;</a:t>
             </a:fld>
             <a:endParaRPr b="0" lang="en-US" sz="1800" spc="-1" strike="noStrike">
               <a:solidFill>
@@ -6536,7 +6536,7 @@
         <p:spPr>
           <a:xfrm>
             <a:off x="533520" y="763560"/>
-            <a:ext cx="6698160" cy="3766320"/>
+            <a:ext cx="6697800" cy="3765960"/>
           </a:xfrm>
           <a:prstGeom prst="rect">
             <a:avLst/>
@@ -6559,7 +6559,7 @@
         <p:spPr>
           <a:xfrm>
             <a:off x="777240" y="4777560"/>
-            <a:ext cx="6211800" cy="4520160"/>
+            <a:ext cx="6211440" cy="4519800"/>
           </a:xfrm>
           <a:prstGeom prst="rect">
             <a:avLst/>
@@ -6599,7 +6599,7 @@
         <p:spPr>
           <a:xfrm>
             <a:off x="4399200" y="9555480"/>
-            <a:ext cx="3367080" cy="496800"/>
+            <a:ext cx="3366720" cy="496440"/>
           </a:xfrm>
           <a:prstGeom prst="rect">
             <a:avLst/>
@@ -6641,7 +6641,7 @@
                 <a:tab algn="l" pos="0"/>
               </a:tabLst>
             </a:pPr>
-            <a:fld id="{37BB81DA-2B95-49D3-B56C-0889CB246BDC}" type="slidenum">
+            <a:fld id="{B8BE8EF3-7B99-459F-96FA-DE99BDDD4DF5}" type="slidenum">
               <a:rPr b="0" lang="de-DE" sz="1800" spc="-1" strike="noStrike">
                 <a:solidFill>
                   <a:srgbClr val="000000"/>
@@ -6649,7 +6649,7 @@
                 <a:latin typeface="+mn-lt"/>
                 <a:ea typeface="+mn-ea"/>
               </a:rPr>
-              <a:t>76</a:t>
+              <a:t>&lt;number&gt;</a:t>
             </a:fld>
             <a:endParaRPr b="0" lang="en-US" sz="1800" spc="-1" strike="noStrike">
               <a:solidFill>
@@ -6695,7 +6695,7 @@
         <p:spPr>
           <a:xfrm>
             <a:off x="533520" y="763560"/>
-            <a:ext cx="6698160" cy="3766320"/>
+            <a:ext cx="6697800" cy="3765960"/>
           </a:xfrm>
           <a:prstGeom prst="rect">
             <a:avLst/>
@@ -6718,7 +6718,7 @@
         <p:spPr>
           <a:xfrm>
             <a:off x="777240" y="4777560"/>
-            <a:ext cx="6211800" cy="4520160"/>
+            <a:ext cx="6211440" cy="4519800"/>
           </a:xfrm>
           <a:prstGeom prst="rect">
             <a:avLst/>
@@ -6758,7 +6758,7 @@
         <p:spPr>
           <a:xfrm>
             <a:off x="4399200" y="9555480"/>
-            <a:ext cx="3367080" cy="496800"/>
+            <a:ext cx="3366720" cy="496440"/>
           </a:xfrm>
           <a:prstGeom prst="rect">
             <a:avLst/>
@@ -6800,7 +6800,7 @@
                 <a:tab algn="l" pos="0"/>
               </a:tabLst>
             </a:pPr>
-            <a:fld id="{61BB3562-BFD0-4457-B6FB-402AD4943674}" type="slidenum">
+            <a:fld id="{F2082306-96CA-409F-8DC6-A1FD3620F3F0}" type="slidenum">
               <a:rPr b="0" lang="de-DE" sz="1800" spc="-1" strike="noStrike">
                 <a:solidFill>
                   <a:srgbClr val="000000"/>
@@ -6808,7 +6808,7 @@
                 <a:latin typeface="+mn-lt"/>
                 <a:ea typeface="+mn-ea"/>
               </a:rPr>
-              <a:t>76</a:t>
+              <a:t>&lt;number&gt;</a:t>
             </a:fld>
             <a:endParaRPr b="0" lang="en-US" sz="1800" spc="-1" strike="noStrike">
               <a:solidFill>
@@ -6854,7 +6854,7 @@
         <p:spPr>
           <a:xfrm>
             <a:off x="533520" y="763560"/>
-            <a:ext cx="6698160" cy="3766320"/>
+            <a:ext cx="6697800" cy="3765960"/>
           </a:xfrm>
           <a:prstGeom prst="rect">
             <a:avLst/>
@@ -6877,7 +6877,7 @@
         <p:spPr>
           <a:xfrm>
             <a:off x="777240" y="4777560"/>
-            <a:ext cx="6211800" cy="4520160"/>
+            <a:ext cx="6211440" cy="4519800"/>
           </a:xfrm>
           <a:prstGeom prst="rect">
             <a:avLst/>
@@ -6917,7 +6917,7 @@
         <p:spPr>
           <a:xfrm>
             <a:off x="4399200" y="9555480"/>
-            <a:ext cx="3367080" cy="496800"/>
+            <a:ext cx="3366720" cy="496440"/>
           </a:xfrm>
           <a:prstGeom prst="rect">
             <a:avLst/>
@@ -6959,7 +6959,7 @@
                 <a:tab algn="l" pos="0"/>
               </a:tabLst>
             </a:pPr>
-            <a:fld id="{9D3B0FCF-EE99-40C1-A09E-F84CBDC96F86}" type="slidenum">
+            <a:fld id="{82CA93BF-7B40-4151-81B4-CE31263CB5D6}" type="slidenum">
               <a:rPr b="0" lang="de-DE" sz="1800" spc="-1" strike="noStrike">
                 <a:solidFill>
                   <a:srgbClr val="000000"/>
@@ -6967,7 +6967,7 @@
                 <a:latin typeface="+mn-lt"/>
                 <a:ea typeface="+mn-ea"/>
               </a:rPr>
-              <a:t>76</a:t>
+              <a:t>&lt;number&gt;</a:t>
             </a:fld>
             <a:endParaRPr b="0" lang="en-US" sz="1800" spc="-1" strike="noStrike">
               <a:solidFill>
@@ -7013,7 +7013,7 @@
         <p:spPr>
           <a:xfrm>
             <a:off x="533520" y="763560"/>
-            <a:ext cx="6698160" cy="3766320"/>
+            <a:ext cx="6697800" cy="3765960"/>
           </a:xfrm>
           <a:prstGeom prst="rect">
             <a:avLst/>
@@ -7036,7 +7036,7 @@
         <p:spPr>
           <a:xfrm>
             <a:off x="777240" y="4777560"/>
-            <a:ext cx="6211800" cy="4520160"/>
+            <a:ext cx="6211440" cy="4519800"/>
           </a:xfrm>
           <a:prstGeom prst="rect">
             <a:avLst/>
@@ -7076,7 +7076,7 @@
         <p:spPr>
           <a:xfrm>
             <a:off x="4399200" y="9555480"/>
-            <a:ext cx="3367080" cy="496800"/>
+            <a:ext cx="3366720" cy="496440"/>
           </a:xfrm>
           <a:prstGeom prst="rect">
             <a:avLst/>
@@ -7118,7 +7118,7 @@
                 <a:tab algn="l" pos="0"/>
               </a:tabLst>
             </a:pPr>
-            <a:fld id="{09B5980E-96A0-4FFF-84BC-7C065337EF10}" type="slidenum">
+            <a:fld id="{EBE0DF97-6CCD-4FF4-9AFD-DBC9327CE7DB}" type="slidenum">
               <a:rPr b="0" lang="de-DE" sz="1800" spc="-1" strike="noStrike">
                 <a:solidFill>
                   <a:srgbClr val="000000"/>
@@ -7126,7 +7126,7 @@
                 <a:latin typeface="+mn-lt"/>
                 <a:ea typeface="+mn-ea"/>
               </a:rPr>
-              <a:t>76</a:t>
+              <a:t>&lt;number&gt;</a:t>
             </a:fld>
             <a:endParaRPr b="0" lang="en-US" sz="1800" spc="-1" strike="noStrike">
               <a:solidFill>
@@ -7172,7 +7172,7 @@
         <p:spPr>
           <a:xfrm>
             <a:off x="533520" y="763560"/>
-            <a:ext cx="6698160" cy="3766320"/>
+            <a:ext cx="6697800" cy="3765960"/>
           </a:xfrm>
           <a:prstGeom prst="rect">
             <a:avLst/>
@@ -7195,7 +7195,7 @@
         <p:spPr>
           <a:xfrm>
             <a:off x="777240" y="4777560"/>
-            <a:ext cx="6211800" cy="4520160"/>
+            <a:ext cx="6211440" cy="4519800"/>
           </a:xfrm>
           <a:prstGeom prst="rect">
             <a:avLst/>
@@ -7235,7 +7235,7 @@
         <p:spPr>
           <a:xfrm>
             <a:off x="4399200" y="9555480"/>
-            <a:ext cx="3367080" cy="496800"/>
+            <a:ext cx="3366720" cy="496440"/>
           </a:xfrm>
           <a:prstGeom prst="rect">
             <a:avLst/>
@@ -7277,7 +7277,7 @@
                 <a:tab algn="l" pos="0"/>
               </a:tabLst>
             </a:pPr>
-            <a:fld id="{929F8613-9AEB-4101-934D-496ECA00834E}" type="slidenum">
+            <a:fld id="{78F70DCE-CA7B-416F-A6F2-EF5EAD8643BD}" type="slidenum">
               <a:rPr b="0" lang="de-DE" sz="1800" spc="-1" strike="noStrike">
                 <a:solidFill>
                   <a:srgbClr val="000000"/>
@@ -7285,7 +7285,7 @@
                 <a:latin typeface="+mn-lt"/>
                 <a:ea typeface="+mn-ea"/>
               </a:rPr>
-              <a:t>76</a:t>
+              <a:t>&lt;number&gt;</a:t>
             </a:fld>
             <a:endParaRPr b="0" lang="en-US" sz="1800" spc="-1" strike="noStrike">
               <a:solidFill>
@@ -7331,7 +7331,7 @@
         <p:spPr>
           <a:xfrm>
             <a:off x="533520" y="763560"/>
-            <a:ext cx="6698160" cy="3766320"/>
+            <a:ext cx="6697800" cy="3765960"/>
           </a:xfrm>
           <a:prstGeom prst="rect">
             <a:avLst/>
@@ -7354,7 +7354,7 @@
         <p:spPr>
           <a:xfrm>
             <a:off x="777240" y="4777560"/>
-            <a:ext cx="6211800" cy="4520160"/>
+            <a:ext cx="6211440" cy="4519800"/>
           </a:xfrm>
           <a:prstGeom prst="rect">
             <a:avLst/>
@@ -7394,7 +7394,7 @@
         <p:spPr>
           <a:xfrm>
             <a:off x="4399200" y="9555480"/>
-            <a:ext cx="3367080" cy="496800"/>
+            <a:ext cx="3366720" cy="496440"/>
           </a:xfrm>
           <a:prstGeom prst="rect">
             <a:avLst/>
@@ -7436,7 +7436,7 @@
                 <a:tab algn="l" pos="0"/>
               </a:tabLst>
             </a:pPr>
-            <a:fld id="{F44264DD-C268-435C-863E-B5D72C5E14CC}" type="slidenum">
+            <a:fld id="{D74CCC3D-070E-4EF2-B3FD-92E16F9BBEAF}" type="slidenum">
               <a:rPr b="0" lang="de-DE" sz="1800" spc="-1" strike="noStrike">
                 <a:solidFill>
                   <a:srgbClr val="000000"/>
@@ -7444,7 +7444,7 @@
                 <a:latin typeface="+mn-lt"/>
                 <a:ea typeface="+mn-ea"/>
               </a:rPr>
-              <a:t>76</a:t>
+              <a:t>&lt;number&gt;</a:t>
             </a:fld>
             <a:endParaRPr b="0" lang="en-US" sz="1800" spc="-1" strike="noStrike">
               <a:solidFill>
@@ -7490,7 +7490,7 @@
         <p:spPr>
           <a:xfrm>
             <a:off x="533520" y="763560"/>
-            <a:ext cx="6698160" cy="3766320"/>
+            <a:ext cx="6697800" cy="3765960"/>
           </a:xfrm>
           <a:prstGeom prst="rect">
             <a:avLst/>
@@ -7513,7 +7513,7 @@
         <p:spPr>
           <a:xfrm>
             <a:off x="777240" y="4777560"/>
-            <a:ext cx="6211800" cy="4520160"/>
+            <a:ext cx="6211440" cy="4519800"/>
           </a:xfrm>
           <a:prstGeom prst="rect">
             <a:avLst/>
@@ -7553,7 +7553,7 @@
         <p:spPr>
           <a:xfrm>
             <a:off x="4399200" y="9555480"/>
-            <a:ext cx="3367080" cy="496800"/>
+            <a:ext cx="3366720" cy="496440"/>
           </a:xfrm>
           <a:prstGeom prst="rect">
             <a:avLst/>
@@ -7595,7 +7595,7 @@
                 <a:tab algn="l" pos="0"/>
               </a:tabLst>
             </a:pPr>
-            <a:fld id="{48C68B43-DE15-4682-8DCB-F25F5DD5F61D}" type="slidenum">
+            <a:fld id="{E87B9891-B4DB-4771-B9A6-0C62ABA803EA}" type="slidenum">
               <a:rPr b="0" lang="de-DE" sz="1800" spc="-1" strike="noStrike">
                 <a:solidFill>
                   <a:srgbClr val="000000"/>
@@ -7603,7 +7603,7 @@
                 <a:latin typeface="+mn-lt"/>
                 <a:ea typeface="+mn-ea"/>
               </a:rPr>
-              <a:t>76</a:t>
+              <a:t>&lt;number&gt;</a:t>
             </a:fld>
             <a:endParaRPr b="0" lang="en-US" sz="1800" spc="-1" strike="noStrike">
               <a:solidFill>
@@ -7649,7 +7649,7 @@
         <p:spPr>
           <a:xfrm>
             <a:off x="533520" y="763560"/>
-            <a:ext cx="6698160" cy="3766320"/>
+            <a:ext cx="6697800" cy="3765960"/>
           </a:xfrm>
           <a:prstGeom prst="rect">
             <a:avLst/>
@@ -7672,7 +7672,7 @@
         <p:spPr>
           <a:xfrm>
             <a:off x="777240" y="4777560"/>
-            <a:ext cx="6211800" cy="4520160"/>
+            <a:ext cx="6211440" cy="4519800"/>
           </a:xfrm>
           <a:prstGeom prst="rect">
             <a:avLst/>
@@ -7712,7 +7712,7 @@
         <p:spPr>
           <a:xfrm>
             <a:off x="4399200" y="9555480"/>
-            <a:ext cx="3367080" cy="496800"/>
+            <a:ext cx="3366720" cy="496440"/>
           </a:xfrm>
           <a:prstGeom prst="rect">
             <a:avLst/>
@@ -7754,7 +7754,7 @@
                 <a:tab algn="l" pos="0"/>
               </a:tabLst>
             </a:pPr>
-            <a:fld id="{08F9A8EB-42DC-4D1E-84D1-CEB306E9B3EF}" type="slidenum">
+            <a:fld id="{EB8C2625-9FA7-481F-9FAA-5B5B025550E9}" type="slidenum">
               <a:rPr b="0" lang="de-DE" sz="1800" spc="-1" strike="noStrike">
                 <a:solidFill>
                   <a:srgbClr val="000000"/>
@@ -7762,7 +7762,7 @@
                 <a:latin typeface="+mn-lt"/>
                 <a:ea typeface="+mn-ea"/>
               </a:rPr>
-              <a:t>76</a:t>
+              <a:t>&lt;number&gt;</a:t>
             </a:fld>
             <a:endParaRPr b="0" lang="en-US" sz="1800" spc="-1" strike="noStrike">
               <a:solidFill>
@@ -7808,7 +7808,7 @@
         <p:spPr>
           <a:xfrm>
             <a:off x="533520" y="763560"/>
-            <a:ext cx="6698160" cy="3766320"/>
+            <a:ext cx="6697800" cy="3765960"/>
           </a:xfrm>
           <a:prstGeom prst="rect">
             <a:avLst/>
@@ -7831,7 +7831,7 @@
         <p:spPr>
           <a:xfrm>
             <a:off x="777240" y="4777560"/>
-            <a:ext cx="6211800" cy="4520160"/>
+            <a:ext cx="6211440" cy="4519800"/>
           </a:xfrm>
           <a:prstGeom prst="rect">
             <a:avLst/>
@@ -7871,7 +7871,7 @@
         <p:spPr>
           <a:xfrm>
             <a:off x="4399200" y="9555480"/>
-            <a:ext cx="3367080" cy="496800"/>
+            <a:ext cx="3366720" cy="496440"/>
           </a:xfrm>
           <a:prstGeom prst="rect">
             <a:avLst/>
@@ -7913,7 +7913,7 @@
                 <a:tab algn="l" pos="0"/>
               </a:tabLst>
             </a:pPr>
-            <a:fld id="{4A12CBF5-5195-411E-BE3A-E77ADDF0B5D7}" type="slidenum">
+            <a:fld id="{F8489944-F4C7-45D1-A7CA-44D727413819}" type="slidenum">
               <a:rPr b="0" lang="de-DE" sz="1800" spc="-1" strike="noStrike">
                 <a:solidFill>
                   <a:srgbClr val="000000"/>
@@ -7921,7 +7921,7 @@
                 <a:latin typeface="+mn-lt"/>
                 <a:ea typeface="+mn-ea"/>
               </a:rPr>
-              <a:t>76</a:t>
+              <a:t>&lt;number&gt;</a:t>
             </a:fld>
             <a:endParaRPr b="0" lang="en-US" sz="1800" spc="-1" strike="noStrike">
               <a:solidFill>
@@ -7967,7 +7967,7 @@
         <p:spPr>
           <a:xfrm>
             <a:off x="533520" y="763560"/>
-            <a:ext cx="6698160" cy="3766320"/>
+            <a:ext cx="6697800" cy="3765960"/>
           </a:xfrm>
           <a:prstGeom prst="rect">
             <a:avLst/>
@@ -7990,7 +7990,7 @@
         <p:spPr>
           <a:xfrm>
             <a:off x="777240" y="4777560"/>
-            <a:ext cx="6211800" cy="4520160"/>
+            <a:ext cx="6211440" cy="4519800"/>
           </a:xfrm>
           <a:prstGeom prst="rect">
             <a:avLst/>
@@ -8030,7 +8030,7 @@
         <p:spPr>
           <a:xfrm>
             <a:off x="4399200" y="9555480"/>
-            <a:ext cx="3367080" cy="496800"/>
+            <a:ext cx="3366720" cy="496440"/>
           </a:xfrm>
           <a:prstGeom prst="rect">
             <a:avLst/>
@@ -8072,7 +8072,7 @@
                 <a:tab algn="l" pos="0"/>
               </a:tabLst>
             </a:pPr>
-            <a:fld id="{982A7799-F580-4605-9819-FD3D661FD62D}" type="slidenum">
+            <a:fld id="{91FD8E43-2A42-42D0-B9DF-AA2E9BAE9AFD}" type="slidenum">
               <a:rPr b="0" lang="de-DE" sz="1800" spc="-1" strike="noStrike">
                 <a:solidFill>
                   <a:srgbClr val="000000"/>
@@ -8080,7 +8080,7 @@
                 <a:latin typeface="+mn-lt"/>
                 <a:ea typeface="+mn-ea"/>
               </a:rPr>
-              <a:t>76</a:t>
+              <a:t>&lt;number&gt;</a:t>
             </a:fld>
             <a:endParaRPr b="0" lang="en-US" sz="1800" spc="-1" strike="noStrike">
               <a:solidFill>
@@ -8126,7 +8126,7 @@
         <p:spPr>
           <a:xfrm>
             <a:off x="533520" y="763560"/>
-            <a:ext cx="6698160" cy="3765960"/>
+            <a:ext cx="6697800" cy="3765600"/>
           </a:xfrm>
           <a:prstGeom prst="rect">
             <a:avLst/>
@@ -8149,7 +8149,7 @@
         <p:spPr>
           <a:xfrm>
             <a:off x="777240" y="4777560"/>
-            <a:ext cx="6211800" cy="4520160"/>
+            <a:ext cx="6211440" cy="4519800"/>
           </a:xfrm>
           <a:prstGeom prst="rect">
             <a:avLst/>
@@ -8189,7 +8189,7 @@
         <p:spPr>
           <a:xfrm>
             <a:off x="4399200" y="9555480"/>
-            <a:ext cx="3367080" cy="496800"/>
+            <a:ext cx="3366720" cy="496440"/>
           </a:xfrm>
           <a:prstGeom prst="rect">
             <a:avLst/>
@@ -8231,7 +8231,7 @@
                 <a:tab algn="l" pos="0"/>
               </a:tabLst>
             </a:pPr>
-            <a:fld id="{F1796052-C0EC-44FC-B9C7-89A78E812A53}" type="slidenum">
+            <a:fld id="{F939BB73-BACA-4272-B93D-DDDFC972F364}" type="slidenum">
               <a:rPr b="0" lang="de-DE" sz="1800" spc="-1" strike="noStrike">
                 <a:solidFill>
                   <a:srgbClr val="000000"/>
@@ -8239,7 +8239,7 @@
                 <a:latin typeface="+mn-lt"/>
                 <a:ea typeface="+mn-ea"/>
               </a:rPr>
-              <a:t>76</a:t>
+              <a:t>&lt;number&gt;</a:t>
             </a:fld>
             <a:endParaRPr b="0" lang="en-US" sz="1800" spc="-1" strike="noStrike">
               <a:solidFill>
@@ -8285,7 +8285,7 @@
         <p:spPr>
           <a:xfrm>
             <a:off x="533520" y="763560"/>
-            <a:ext cx="6698160" cy="3766320"/>
+            <a:ext cx="6697800" cy="3765960"/>
           </a:xfrm>
           <a:prstGeom prst="rect">
             <a:avLst/>
@@ -8308,7 +8308,7 @@
         <p:spPr>
           <a:xfrm>
             <a:off x="777240" y="4777560"/>
-            <a:ext cx="6211800" cy="4520160"/>
+            <a:ext cx="6211440" cy="4519800"/>
           </a:xfrm>
           <a:prstGeom prst="rect">
             <a:avLst/>
@@ -8348,7 +8348,7 @@
         <p:spPr>
           <a:xfrm>
             <a:off x="4399200" y="9555480"/>
-            <a:ext cx="3367080" cy="496800"/>
+            <a:ext cx="3366720" cy="496440"/>
           </a:xfrm>
           <a:prstGeom prst="rect">
             <a:avLst/>
@@ -8390,7 +8390,7 @@
                 <a:tab algn="l" pos="0"/>
               </a:tabLst>
             </a:pPr>
-            <a:fld id="{C8F0CE20-5278-4F5F-84C5-03F139F71B53}" type="slidenum">
+            <a:fld id="{99EE06B9-8333-410E-99FF-256833E66509}" type="slidenum">
               <a:rPr b="0" lang="de-DE" sz="1800" spc="-1" strike="noStrike">
                 <a:solidFill>
                   <a:srgbClr val="000000"/>
@@ -8398,7 +8398,7 @@
                 <a:latin typeface="+mn-lt"/>
                 <a:ea typeface="+mn-ea"/>
               </a:rPr>
-              <a:t>76</a:t>
+              <a:t>&lt;number&gt;</a:t>
             </a:fld>
             <a:endParaRPr b="0" lang="en-US" sz="1800" spc="-1" strike="noStrike">
               <a:solidFill>
@@ -8444,7 +8444,7 @@
         <p:spPr>
           <a:xfrm>
             <a:off x="533520" y="763560"/>
-            <a:ext cx="6698520" cy="3766320"/>
+            <a:ext cx="6698160" cy="3765960"/>
           </a:xfrm>
           <a:prstGeom prst="rect">
             <a:avLst/>
@@ -8467,7 +8467,7 @@
         <p:spPr>
           <a:xfrm>
             <a:off x="777240" y="4777560"/>
-            <a:ext cx="6211800" cy="4520160"/>
+            <a:ext cx="6211440" cy="4519800"/>
           </a:xfrm>
           <a:prstGeom prst="rect">
             <a:avLst/>
@@ -8507,7 +8507,7 @@
         <p:spPr>
           <a:xfrm>
             <a:off x="4399200" y="9555480"/>
-            <a:ext cx="3367080" cy="496800"/>
+            <a:ext cx="3366720" cy="496440"/>
           </a:xfrm>
           <a:prstGeom prst="rect">
             <a:avLst/>
@@ -8549,7 +8549,7 @@
                 <a:tab algn="l" pos="0"/>
               </a:tabLst>
             </a:pPr>
-            <a:fld id="{2EB511DD-5CF6-4A30-B42B-B776381AA782}" type="slidenum">
+            <a:fld id="{8221AEC4-5F39-4906-A4A3-136089EA214C}" type="slidenum">
               <a:rPr b="0" lang="de-DE" sz="1800" spc="-1" strike="noStrike">
                 <a:solidFill>
                   <a:srgbClr val="000000"/>
@@ -8557,7 +8557,7 @@
                 <a:latin typeface="+mn-lt"/>
                 <a:ea typeface="+mn-ea"/>
               </a:rPr>
-              <a:t>76</a:t>
+              <a:t>&lt;number&gt;</a:t>
             </a:fld>
             <a:endParaRPr b="0" lang="en-US" sz="1800" spc="-1" strike="noStrike">
               <a:solidFill>
@@ -8603,7 +8603,7 @@
         <p:spPr>
           <a:xfrm>
             <a:off x="533520" y="763560"/>
-            <a:ext cx="6698520" cy="3766320"/>
+            <a:ext cx="6698160" cy="3765960"/>
           </a:xfrm>
           <a:prstGeom prst="rect">
             <a:avLst/>
@@ -8626,7 +8626,7 @@
         <p:spPr>
           <a:xfrm>
             <a:off x="777240" y="4777560"/>
-            <a:ext cx="6211800" cy="4520160"/>
+            <a:ext cx="6211440" cy="4519800"/>
           </a:xfrm>
           <a:prstGeom prst="rect">
             <a:avLst/>
@@ -8666,7 +8666,7 @@
         <p:spPr>
           <a:xfrm>
             <a:off x="4399200" y="9555480"/>
-            <a:ext cx="3367080" cy="496800"/>
+            <a:ext cx="3366720" cy="496440"/>
           </a:xfrm>
           <a:prstGeom prst="rect">
             <a:avLst/>
@@ -8708,7 +8708,7 @@
                 <a:tab algn="l" pos="0"/>
               </a:tabLst>
             </a:pPr>
-            <a:fld id="{9A635BB7-FE79-4F05-B319-880FFD510100}" type="slidenum">
+            <a:fld id="{9657473C-6124-43E9-AC58-A31904CFFD36}" type="slidenum">
               <a:rPr b="0" lang="de-DE" sz="1800" spc="-1" strike="noStrike">
                 <a:solidFill>
                   <a:srgbClr val="000000"/>
@@ -8716,7 +8716,7 @@
                 <a:latin typeface="+mn-lt"/>
                 <a:ea typeface="+mn-ea"/>
               </a:rPr>
-              <a:t>76</a:t>
+              <a:t>&lt;number&gt;</a:t>
             </a:fld>
             <a:endParaRPr b="0" lang="en-US" sz="1800" spc="-1" strike="noStrike">
               <a:solidFill>
@@ -8762,7 +8762,7 @@
         <p:spPr>
           <a:xfrm>
             <a:off x="533520" y="763560"/>
-            <a:ext cx="6698520" cy="3766320"/>
+            <a:ext cx="6698160" cy="3765960"/>
           </a:xfrm>
           <a:prstGeom prst="rect">
             <a:avLst/>
@@ -8785,7 +8785,7 @@
         <p:spPr>
           <a:xfrm>
             <a:off x="777240" y="4777560"/>
-            <a:ext cx="6211800" cy="4520160"/>
+            <a:ext cx="6211440" cy="4519800"/>
           </a:xfrm>
           <a:prstGeom prst="rect">
             <a:avLst/>
@@ -8825,7 +8825,7 @@
         <p:spPr>
           <a:xfrm>
             <a:off x="4399200" y="9555480"/>
-            <a:ext cx="3367080" cy="496800"/>
+            <a:ext cx="3366720" cy="496440"/>
           </a:xfrm>
           <a:prstGeom prst="rect">
             <a:avLst/>
@@ -8867,7 +8867,7 @@
                 <a:tab algn="l" pos="0"/>
               </a:tabLst>
             </a:pPr>
-            <a:fld id="{201F0772-9AA4-4556-B754-0217BC81EC50}" type="slidenum">
+            <a:fld id="{1EBFDBBB-A8AE-4EBE-8FC4-7AF8FE2D9997}" type="slidenum">
               <a:rPr b="0" lang="de-DE" sz="1800" spc="-1" strike="noStrike">
                 <a:solidFill>
                   <a:srgbClr val="000000"/>
@@ -8875,7 +8875,7 @@
                 <a:latin typeface="+mn-lt"/>
                 <a:ea typeface="+mn-ea"/>
               </a:rPr>
-              <a:t>76</a:t>
+              <a:t>&lt;number&gt;</a:t>
             </a:fld>
             <a:endParaRPr b="0" lang="en-US" sz="1800" spc="-1" strike="noStrike">
               <a:solidFill>
@@ -8921,7 +8921,7 @@
         <p:spPr>
           <a:xfrm>
             <a:off x="533520" y="763560"/>
-            <a:ext cx="6698520" cy="3766320"/>
+            <a:ext cx="6698160" cy="3765960"/>
           </a:xfrm>
           <a:prstGeom prst="rect">
             <a:avLst/>
@@ -8944,7 +8944,7 @@
         <p:spPr>
           <a:xfrm>
             <a:off x="777240" y="4777560"/>
-            <a:ext cx="6211800" cy="4520160"/>
+            <a:ext cx="6211440" cy="4519800"/>
           </a:xfrm>
           <a:prstGeom prst="rect">
             <a:avLst/>
@@ -8984,7 +8984,7 @@
         <p:spPr>
           <a:xfrm>
             <a:off x="4399200" y="9555480"/>
-            <a:ext cx="3367080" cy="496800"/>
+            <a:ext cx="3366720" cy="496440"/>
           </a:xfrm>
           <a:prstGeom prst="rect">
             <a:avLst/>
@@ -9026,7 +9026,7 @@
                 <a:tab algn="l" pos="0"/>
               </a:tabLst>
             </a:pPr>
-            <a:fld id="{C5EF0BE5-B0D3-49FA-9955-67273337E175}" type="slidenum">
+            <a:fld id="{7F023549-1ECE-4089-B0BB-48D7143BA960}" type="slidenum">
               <a:rPr b="0" lang="de-DE" sz="1800" spc="-1" strike="noStrike">
                 <a:solidFill>
                   <a:srgbClr val="000000"/>
@@ -9034,7 +9034,7 @@
                 <a:latin typeface="+mn-lt"/>
                 <a:ea typeface="+mn-ea"/>
               </a:rPr>
-              <a:t>76</a:t>
+              <a:t>&lt;number&gt;</a:t>
             </a:fld>
             <a:endParaRPr b="0" lang="en-US" sz="1800" spc="-1" strike="noStrike">
               <a:solidFill>
@@ -9080,7 +9080,7 @@
         <p:spPr>
           <a:xfrm>
             <a:off x="533520" y="763560"/>
-            <a:ext cx="6698160" cy="3766320"/>
+            <a:ext cx="6697800" cy="3765960"/>
           </a:xfrm>
           <a:prstGeom prst="rect">
             <a:avLst/>
@@ -9103,7 +9103,7 @@
         <p:spPr>
           <a:xfrm>
             <a:off x="777240" y="4777560"/>
-            <a:ext cx="6211800" cy="4520160"/>
+            <a:ext cx="6211440" cy="4519800"/>
           </a:xfrm>
           <a:prstGeom prst="rect">
             <a:avLst/>
@@ -9143,7 +9143,7 @@
         <p:spPr>
           <a:xfrm>
             <a:off x="4399200" y="9555480"/>
-            <a:ext cx="3367080" cy="496800"/>
+            <a:ext cx="3366720" cy="496440"/>
           </a:xfrm>
           <a:prstGeom prst="rect">
             <a:avLst/>
@@ -9185,7 +9185,7 @@
                 <a:tab algn="l" pos="0"/>
               </a:tabLst>
             </a:pPr>
-            <a:fld id="{63DBB474-61A5-4356-BD8A-98DC54218D3E}" type="slidenum">
+            <a:fld id="{D726DD8D-097B-490F-8415-9BEBE66221BF}" type="slidenum">
               <a:rPr b="0" lang="de-DE" sz="1800" spc="-1" strike="noStrike">
                 <a:solidFill>
                   <a:srgbClr val="000000"/>
@@ -9193,7 +9193,7 @@
                 <a:latin typeface="+mn-lt"/>
                 <a:ea typeface="+mn-ea"/>
               </a:rPr>
-              <a:t>76</a:t>
+              <a:t>&lt;number&gt;</a:t>
             </a:fld>
             <a:endParaRPr b="0" lang="en-US" sz="1800" spc="-1" strike="noStrike">
               <a:solidFill>
@@ -9239,7 +9239,7 @@
         <p:spPr>
           <a:xfrm>
             <a:off x="533520" y="763560"/>
-            <a:ext cx="6698160" cy="3766320"/>
+            <a:ext cx="6697800" cy="3765960"/>
           </a:xfrm>
           <a:prstGeom prst="rect">
             <a:avLst/>
@@ -9262,7 +9262,7 @@
         <p:spPr>
           <a:xfrm>
             <a:off x="777240" y="4777560"/>
-            <a:ext cx="6211800" cy="4520160"/>
+            <a:ext cx="6211440" cy="4519800"/>
           </a:xfrm>
           <a:prstGeom prst="rect">
             <a:avLst/>
@@ -9302,7 +9302,7 @@
         <p:spPr>
           <a:xfrm>
             <a:off x="4399200" y="9555480"/>
-            <a:ext cx="3367080" cy="496800"/>
+            <a:ext cx="3366720" cy="496440"/>
           </a:xfrm>
           <a:prstGeom prst="rect">
             <a:avLst/>
@@ -9344,7 +9344,7 @@
                 <a:tab algn="l" pos="0"/>
               </a:tabLst>
             </a:pPr>
-            <a:fld id="{2D1F0F12-28FA-4BDB-8EEE-FD8C404147D3}" type="slidenum">
+            <a:fld id="{53266893-36FE-4175-AD34-204E5F77585C}" type="slidenum">
               <a:rPr b="0" lang="de-DE" sz="1800" spc="-1" strike="noStrike">
                 <a:solidFill>
                   <a:srgbClr val="000000"/>
@@ -9352,7 +9352,7 @@
                 <a:latin typeface="+mn-lt"/>
                 <a:ea typeface="+mn-ea"/>
               </a:rPr>
-              <a:t>76</a:t>
+              <a:t>&lt;number&gt;</a:t>
             </a:fld>
             <a:endParaRPr b="0" lang="en-US" sz="1800" spc="-1" strike="noStrike">
               <a:solidFill>
@@ -9398,7 +9398,7 @@
         <p:spPr>
           <a:xfrm>
             <a:off x="533520" y="763560"/>
-            <a:ext cx="6698160" cy="3766320"/>
+            <a:ext cx="6697800" cy="3765960"/>
           </a:xfrm>
           <a:prstGeom prst="rect">
             <a:avLst/>
@@ -9421,7 +9421,7 @@
         <p:spPr>
           <a:xfrm>
             <a:off x="777240" y="4777560"/>
-            <a:ext cx="6211800" cy="4520160"/>
+            <a:ext cx="6211440" cy="4519800"/>
           </a:xfrm>
           <a:prstGeom prst="rect">
             <a:avLst/>
@@ -9461,7 +9461,7 @@
         <p:spPr>
           <a:xfrm>
             <a:off x="4399200" y="9555480"/>
-            <a:ext cx="3367080" cy="496800"/>
+            <a:ext cx="3366720" cy="496440"/>
           </a:xfrm>
           <a:prstGeom prst="rect">
             <a:avLst/>
@@ -9503,7 +9503,7 @@
                 <a:tab algn="l" pos="0"/>
               </a:tabLst>
             </a:pPr>
-            <a:fld id="{C3D960C2-6906-472A-A1CD-30DC5AFE0F68}" type="slidenum">
+            <a:fld id="{B99EBEB8-A52A-40BF-9566-F557744EA6BC}" type="slidenum">
               <a:rPr b="0" lang="de-DE" sz="1800" spc="-1" strike="noStrike">
                 <a:solidFill>
                   <a:srgbClr val="000000"/>
@@ -9511,7 +9511,7 @@
                 <a:latin typeface="+mn-lt"/>
                 <a:ea typeface="+mn-ea"/>
               </a:rPr>
-              <a:t>76</a:t>
+              <a:t>&lt;number&gt;</a:t>
             </a:fld>
             <a:endParaRPr b="0" lang="en-US" sz="1800" spc="-1" strike="noStrike">
               <a:solidFill>
@@ -9557,7 +9557,7 @@
         <p:spPr>
           <a:xfrm>
             <a:off x="533520" y="763560"/>
-            <a:ext cx="6698160" cy="3766320"/>
+            <a:ext cx="6697800" cy="3765960"/>
           </a:xfrm>
           <a:prstGeom prst="rect">
             <a:avLst/>
@@ -9580,7 +9580,7 @@
         <p:spPr>
           <a:xfrm>
             <a:off x="777240" y="4777560"/>
-            <a:ext cx="6211800" cy="4520160"/>
+            <a:ext cx="6211440" cy="4519800"/>
           </a:xfrm>
           <a:prstGeom prst="rect">
             <a:avLst/>
@@ -9620,7 +9620,7 @@
         <p:spPr>
           <a:xfrm>
             <a:off x="4399200" y="9555480"/>
-            <a:ext cx="3367080" cy="496800"/>
+            <a:ext cx="3366720" cy="496440"/>
           </a:xfrm>
           <a:prstGeom prst="rect">
             <a:avLst/>
@@ -9662,7 +9662,7 @@
                 <a:tab algn="l" pos="0"/>
               </a:tabLst>
             </a:pPr>
-            <a:fld id="{A971CF86-C0CC-49EE-9533-1275D68611BF}" type="slidenum">
+            <a:fld id="{6B6EA449-4634-4DD7-A4C1-EE754E8B153E}" type="slidenum">
               <a:rPr b="0" lang="de-DE" sz="1800" spc="-1" strike="noStrike">
                 <a:solidFill>
                   <a:srgbClr val="000000"/>
@@ -9670,7 +9670,7 @@
                 <a:latin typeface="+mn-lt"/>
                 <a:ea typeface="+mn-ea"/>
               </a:rPr>
-              <a:t>76</a:t>
+              <a:t>&lt;number&gt;</a:t>
             </a:fld>
             <a:endParaRPr b="0" lang="en-US" sz="1800" spc="-1" strike="noStrike">
               <a:solidFill>
@@ -9716,7 +9716,7 @@
         <p:spPr>
           <a:xfrm>
             <a:off x="533520" y="763560"/>
-            <a:ext cx="6698160" cy="3766320"/>
+            <a:ext cx="6697800" cy="3765960"/>
           </a:xfrm>
           <a:prstGeom prst="rect">
             <a:avLst/>
@@ -9739,7 +9739,7 @@
         <p:spPr>
           <a:xfrm>
             <a:off x="777240" y="4777560"/>
-            <a:ext cx="6211800" cy="4520160"/>
+            <a:ext cx="6211440" cy="4519800"/>
           </a:xfrm>
           <a:prstGeom prst="rect">
             <a:avLst/>
@@ -9779,7 +9779,7 @@
         <p:spPr>
           <a:xfrm>
             <a:off x="4399200" y="9555480"/>
-            <a:ext cx="3367080" cy="496800"/>
+            <a:ext cx="3366720" cy="496440"/>
           </a:xfrm>
           <a:prstGeom prst="rect">
             <a:avLst/>
@@ -9821,7 +9821,7 @@
                 <a:tab algn="l" pos="0"/>
               </a:tabLst>
             </a:pPr>
-            <a:fld id="{7229FB60-A28C-45EA-A6D9-2E83486BF6F4}" type="slidenum">
+            <a:fld id="{D3AA9CBE-2124-4131-B49B-565C5306DB97}" type="slidenum">
               <a:rPr b="0" lang="de-DE" sz="1800" spc="-1" strike="noStrike">
                 <a:solidFill>
                   <a:srgbClr val="000000"/>
@@ -9829,7 +9829,7 @@
                 <a:latin typeface="+mn-lt"/>
                 <a:ea typeface="+mn-ea"/>
               </a:rPr>
-              <a:t>76</a:t>
+              <a:t>&lt;number&gt;</a:t>
             </a:fld>
             <a:endParaRPr b="0" lang="en-US" sz="1800" spc="-1" strike="noStrike">
               <a:solidFill>
@@ -9875,7 +9875,7 @@
         <p:spPr>
           <a:xfrm>
             <a:off x="533520" y="763560"/>
-            <a:ext cx="6698160" cy="3765960"/>
+            <a:ext cx="6697800" cy="3765600"/>
           </a:xfrm>
           <a:prstGeom prst="rect">
             <a:avLst/>
@@ -9898,7 +9898,7 @@
         <p:spPr>
           <a:xfrm>
             <a:off x="777240" y="4777560"/>
-            <a:ext cx="6211800" cy="4520160"/>
+            <a:ext cx="6211440" cy="4519800"/>
           </a:xfrm>
           <a:prstGeom prst="rect">
             <a:avLst/>
@@ -9938,7 +9938,7 @@
         <p:spPr>
           <a:xfrm>
             <a:off x="4399200" y="9555480"/>
-            <a:ext cx="3367080" cy="496800"/>
+            <a:ext cx="3366720" cy="496440"/>
           </a:xfrm>
           <a:prstGeom prst="rect">
             <a:avLst/>
@@ -9980,7 +9980,7 @@
                 <a:tab algn="l" pos="0"/>
               </a:tabLst>
             </a:pPr>
-            <a:fld id="{A4DF6CD2-9CF6-4EA8-BCAD-10DAE8EE3C22}" type="slidenum">
+            <a:fld id="{51459178-A0A8-49C3-A987-2BA1EADCFE6B}" type="slidenum">
               <a:rPr b="0" lang="de-DE" sz="1800" spc="-1" strike="noStrike">
                 <a:solidFill>
                   <a:srgbClr val="000000"/>
@@ -9988,7 +9988,7 @@
                 <a:latin typeface="+mn-lt"/>
                 <a:ea typeface="+mn-ea"/>
               </a:rPr>
-              <a:t>76</a:t>
+              <a:t>&lt;number&gt;</a:t>
             </a:fld>
             <a:endParaRPr b="0" lang="en-US" sz="1800" spc="-1" strike="noStrike">
               <a:solidFill>
@@ -10034,7 +10034,7 @@
         <p:spPr>
           <a:xfrm>
             <a:off x="533520" y="763560"/>
-            <a:ext cx="6698160" cy="3766320"/>
+            <a:ext cx="6697800" cy="3765960"/>
           </a:xfrm>
           <a:prstGeom prst="rect">
             <a:avLst/>
@@ -10057,7 +10057,7 @@
         <p:spPr>
           <a:xfrm>
             <a:off x="777240" y="4777560"/>
-            <a:ext cx="6211800" cy="4520160"/>
+            <a:ext cx="6211440" cy="4519800"/>
           </a:xfrm>
           <a:prstGeom prst="rect">
             <a:avLst/>
@@ -10097,7 +10097,7 @@
         <p:spPr>
           <a:xfrm>
             <a:off x="4399200" y="9555480"/>
-            <a:ext cx="3367080" cy="496800"/>
+            <a:ext cx="3366720" cy="496440"/>
           </a:xfrm>
           <a:prstGeom prst="rect">
             <a:avLst/>
@@ -10139,7 +10139,7 @@
                 <a:tab algn="l" pos="0"/>
               </a:tabLst>
             </a:pPr>
-            <a:fld id="{7A267A44-190A-432F-B10D-363599A79DAA}" type="slidenum">
+            <a:fld id="{7FF3BDA9-2E7C-4134-B5F9-F096F487CED1}" type="slidenum">
               <a:rPr b="0" lang="de-DE" sz="1800" spc="-1" strike="noStrike">
                 <a:solidFill>
                   <a:srgbClr val="000000"/>
@@ -10147,7 +10147,7 @@
                 <a:latin typeface="+mn-lt"/>
                 <a:ea typeface="+mn-ea"/>
               </a:rPr>
-              <a:t>76</a:t>
+              <a:t>&lt;number&gt;</a:t>
             </a:fld>
             <a:endParaRPr b="0" lang="en-US" sz="1800" spc="-1" strike="noStrike">
               <a:solidFill>
@@ -10193,7 +10193,7 @@
         <p:spPr>
           <a:xfrm>
             <a:off x="533520" y="763560"/>
-            <a:ext cx="6698160" cy="3766320"/>
+            <a:ext cx="6697800" cy="3765960"/>
           </a:xfrm>
           <a:prstGeom prst="rect">
             <a:avLst/>
@@ -10216,7 +10216,7 @@
         <p:spPr>
           <a:xfrm>
             <a:off x="777240" y="4777560"/>
-            <a:ext cx="6211800" cy="4520160"/>
+            <a:ext cx="6211440" cy="4519800"/>
           </a:xfrm>
           <a:prstGeom prst="rect">
             <a:avLst/>
@@ -10256,7 +10256,7 @@
         <p:spPr>
           <a:xfrm>
             <a:off x="4399200" y="9555480"/>
-            <a:ext cx="3367080" cy="496800"/>
+            <a:ext cx="3366720" cy="496440"/>
           </a:xfrm>
           <a:prstGeom prst="rect">
             <a:avLst/>
@@ -10298,7 +10298,7 @@
                 <a:tab algn="l" pos="0"/>
               </a:tabLst>
             </a:pPr>
-            <a:fld id="{71D1DEDF-3A07-4D73-A536-EF3A4C6C6428}" type="slidenum">
+            <a:fld id="{6530B56F-D326-4FD5-B4A2-BE59C6874A5F}" type="slidenum">
               <a:rPr b="0" lang="de-DE" sz="1800" spc="-1" strike="noStrike">
                 <a:solidFill>
                   <a:srgbClr val="000000"/>
@@ -10306,7 +10306,7 @@
                 <a:latin typeface="+mn-lt"/>
                 <a:ea typeface="+mn-ea"/>
               </a:rPr>
-              <a:t>76</a:t>
+              <a:t>&lt;number&gt;</a:t>
             </a:fld>
             <a:endParaRPr b="0" lang="en-US" sz="1800" spc="-1" strike="noStrike">
               <a:solidFill>
@@ -10352,7 +10352,7 @@
         <p:spPr>
           <a:xfrm>
             <a:off x="533520" y="763560"/>
-            <a:ext cx="6698520" cy="3766320"/>
+            <a:ext cx="6698160" cy="3765960"/>
           </a:xfrm>
           <a:prstGeom prst="rect">
             <a:avLst/>
@@ -10375,7 +10375,7 @@
         <p:spPr>
           <a:xfrm>
             <a:off x="777240" y="4777560"/>
-            <a:ext cx="6211800" cy="4520160"/>
+            <a:ext cx="6211440" cy="4519800"/>
           </a:xfrm>
           <a:prstGeom prst="rect">
             <a:avLst/>
@@ -10415,7 +10415,7 @@
         <p:spPr>
           <a:xfrm>
             <a:off x="4399200" y="9555480"/>
-            <a:ext cx="3367080" cy="496800"/>
+            <a:ext cx="3366720" cy="496440"/>
           </a:xfrm>
           <a:prstGeom prst="rect">
             <a:avLst/>
@@ -10457,7 +10457,7 @@
                 <a:tab algn="l" pos="0"/>
               </a:tabLst>
             </a:pPr>
-            <a:fld id="{6F8C70BF-C9AD-470A-9035-79E7B4538162}" type="slidenum">
+            <a:fld id="{8CB2A729-3813-4B0C-BE1F-E188DCDD975C}" type="slidenum">
               <a:rPr b="0" lang="de-DE" sz="1800" spc="-1" strike="noStrike">
                 <a:solidFill>
                   <a:srgbClr val="000000"/>
@@ -10511,7 +10511,7 @@
         <p:spPr>
           <a:xfrm>
             <a:off x="533520" y="763560"/>
-            <a:ext cx="6698520" cy="3766320"/>
+            <a:ext cx="6698160" cy="3765960"/>
           </a:xfrm>
           <a:prstGeom prst="rect">
             <a:avLst/>
@@ -10534,7 +10534,7 @@
         <p:spPr>
           <a:xfrm>
             <a:off x="777240" y="4777560"/>
-            <a:ext cx="6211800" cy="4520160"/>
+            <a:ext cx="6211440" cy="4519800"/>
           </a:xfrm>
           <a:prstGeom prst="rect">
             <a:avLst/>
@@ -10574,7 +10574,7 @@
         <p:spPr>
           <a:xfrm>
             <a:off x="4399200" y="9555480"/>
-            <a:ext cx="3367080" cy="496800"/>
+            <a:ext cx="3366720" cy="496440"/>
           </a:xfrm>
           <a:prstGeom prst="rect">
             <a:avLst/>
@@ -10616,7 +10616,7 @@
                 <a:tab algn="l" pos="0"/>
               </a:tabLst>
             </a:pPr>
-            <a:fld id="{9A490C5C-F490-4FFB-AE58-EED08F2C97BC}" type="slidenum">
+            <a:fld id="{367B2BF2-4CCC-4F73-B8BB-CBC6633E041B}" type="slidenum">
               <a:rPr b="0" lang="de-DE" sz="1800" spc="-1" strike="noStrike">
                 <a:solidFill>
                   <a:srgbClr val="000000"/>
@@ -10670,7 +10670,7 @@
         <p:spPr>
           <a:xfrm>
             <a:off x="533520" y="763560"/>
-            <a:ext cx="6698160" cy="3766320"/>
+            <a:ext cx="6697800" cy="3765960"/>
           </a:xfrm>
           <a:prstGeom prst="rect">
             <a:avLst/>
@@ -10693,7 +10693,7 @@
         <p:spPr>
           <a:xfrm>
             <a:off x="777240" y="4777560"/>
-            <a:ext cx="6211800" cy="4520160"/>
+            <a:ext cx="6211440" cy="4519800"/>
           </a:xfrm>
           <a:prstGeom prst="rect">
             <a:avLst/>
@@ -10733,7 +10733,7 @@
         <p:spPr>
           <a:xfrm>
             <a:off x="4399200" y="9555480"/>
-            <a:ext cx="3367080" cy="496800"/>
+            <a:ext cx="3366720" cy="496440"/>
           </a:xfrm>
           <a:prstGeom prst="rect">
             <a:avLst/>
@@ -10775,7 +10775,7 @@
                 <a:tab algn="l" pos="0"/>
               </a:tabLst>
             </a:pPr>
-            <a:fld id="{03711879-6A4F-417E-A4CE-7E91F80530A0}" type="slidenum">
+            <a:fld id="{B332FCDC-3C65-4E02-874B-E103FF75C183}" type="slidenum">
               <a:rPr b="0" lang="de-DE" sz="1800" spc="-1" strike="noStrike">
                 <a:solidFill>
                   <a:srgbClr val="000000"/>
@@ -10783,7 +10783,7 @@
                 <a:latin typeface="+mn-lt"/>
                 <a:ea typeface="+mn-ea"/>
               </a:rPr>
-              <a:t>76</a:t>
+              <a:t>&lt;number&gt;</a:t>
             </a:fld>
             <a:endParaRPr b="0" lang="en-US" sz="1800" spc="-1" strike="noStrike">
               <a:solidFill>
@@ -10829,7 +10829,7 @@
         <p:spPr>
           <a:xfrm>
             <a:off x="533520" y="763560"/>
-            <a:ext cx="6698160" cy="3766320"/>
+            <a:ext cx="6697800" cy="3765960"/>
           </a:xfrm>
           <a:prstGeom prst="rect">
             <a:avLst/>
@@ -10852,7 +10852,7 @@
         <p:spPr>
           <a:xfrm>
             <a:off x="777240" y="4777560"/>
-            <a:ext cx="6211800" cy="4520160"/>
+            <a:ext cx="6211440" cy="4519800"/>
           </a:xfrm>
           <a:prstGeom prst="rect">
             <a:avLst/>
@@ -10892,7 +10892,7 @@
         <p:spPr>
           <a:xfrm>
             <a:off x="4399200" y="9555480"/>
-            <a:ext cx="3367080" cy="496800"/>
+            <a:ext cx="3366720" cy="496440"/>
           </a:xfrm>
           <a:prstGeom prst="rect">
             <a:avLst/>
@@ -10934,7 +10934,7 @@
                 <a:tab algn="l" pos="0"/>
               </a:tabLst>
             </a:pPr>
-            <a:fld id="{A85746CD-54D3-4683-B6DA-F83B615C962B}" type="slidenum">
+            <a:fld id="{873FB491-9DE3-488C-89B3-1D3509753117}" type="slidenum">
               <a:rPr b="0" lang="de-DE" sz="1800" spc="-1" strike="noStrike">
                 <a:solidFill>
                   <a:srgbClr val="000000"/>
@@ -10942,7 +10942,7 @@
                 <a:latin typeface="+mn-lt"/>
                 <a:ea typeface="+mn-ea"/>
               </a:rPr>
-              <a:t>76</a:t>
+              <a:t>&lt;number&gt;</a:t>
             </a:fld>
             <a:endParaRPr b="0" lang="en-US" sz="1800" spc="-1" strike="noStrike">
               <a:solidFill>
@@ -18087,7 +18087,7 @@
         <p:spPr>
           <a:xfrm>
             <a:off x="11444760" y="0"/>
-            <a:ext cx="740520" cy="6849360"/>
+            <a:ext cx="740160" cy="6849000"/>
           </a:xfrm>
           <a:prstGeom prst="rect">
             <a:avLst/>
@@ -18136,7 +18136,7 @@
         <p:spPr>
           <a:xfrm>
             <a:off x="11438640" y="6453360"/>
-            <a:ext cx="757440" cy="363960"/>
+            <a:ext cx="757080" cy="363960"/>
           </a:xfrm>
           <a:prstGeom prst="rect">
             <a:avLst/>
@@ -18162,7 +18162,7 @@
                 <a:spcPct val="100000"/>
               </a:lnSpc>
             </a:pPr>
-            <a:fld id="{289369F3-7833-4D54-B9FF-3410533D1518}" type="slidenum">
+            <a:fld id="{7187BDCF-FA7A-47D5-B8D8-A2F7E539018F}" type="slidenum">
               <a:rPr b="0" lang="en-US" sz="1800" spc="-1" strike="noStrike">
                 <a:solidFill>
                   <a:srgbClr val="808080"/>
@@ -18190,7 +18190,7 @@
         <p:spPr>
           <a:xfrm>
             <a:off x="912240" y="1268280"/>
-            <a:ext cx="9207360" cy="360720"/>
+            <a:ext cx="9207000" cy="360360"/>
           </a:xfrm>
           <a:prstGeom prst="rect">
             <a:avLst/>
@@ -18239,7 +18239,7 @@
         <p:spPr>
           <a:xfrm>
             <a:off x="0" y="0"/>
-            <a:ext cx="3051360" cy="561240"/>
+            <a:ext cx="3051000" cy="560880"/>
           </a:xfrm>
           <a:prstGeom prst="rect">
             <a:avLst/>
@@ -18262,7 +18262,7 @@
         <p:spPr>
           <a:xfrm>
             <a:off x="7430400" y="134640"/>
-            <a:ext cx="3697200" cy="513360"/>
+            <a:ext cx="3696840" cy="513000"/>
           </a:xfrm>
           <a:prstGeom prst="rect">
             <a:avLst/>
@@ -18281,7 +18281,7 @@
         <p:spPr>
           <a:xfrm>
             <a:off x="912240" y="1268280"/>
-            <a:ext cx="9207360" cy="360720"/>
+            <a:ext cx="9207000" cy="360360"/>
           </a:xfrm>
           <a:prstGeom prst="rect">
             <a:avLst/>
@@ -18326,7 +18326,7 @@
         <p:spPr>
           <a:xfrm>
             <a:off x="11444760" y="0"/>
-            <a:ext cx="740520" cy="6849360"/>
+            <a:ext cx="740160" cy="6849000"/>
           </a:xfrm>
           <a:prstGeom prst="rect">
             <a:avLst/>
@@ -18375,7 +18375,7 @@
         <p:spPr>
           <a:xfrm>
             <a:off x="0" y="6646680"/>
-            <a:ext cx="12184920" cy="211320"/>
+            <a:ext cx="12184560" cy="211320"/>
           </a:xfrm>
           <a:prstGeom prst="rect">
             <a:avLst/>
@@ -18458,7 +18458,25 @@
                 </a:solidFill>
                 <a:latin typeface="Arial"/>
               </a:rPr>
-              <a:t>Click to edit the title text format</a:t>
+              <a:t>Click to edit </a:t>
+            </a:r>
+            <a:r>
+              <a:rPr b="0" lang="en-US" sz="4400" spc="-1" strike="noStrike">
+                <a:solidFill>
+                  <a:srgbClr val="000000"/>
+                </a:solidFill>
+                <a:latin typeface="Arial"/>
+              </a:rPr>
+              <a:t>the title text </a:t>
+            </a:r>
+            <a:r>
+              <a:rPr b="0" lang="en-US" sz="4400" spc="-1" strike="noStrike">
+                <a:solidFill>
+                  <a:srgbClr val="000000"/>
+                </a:solidFill>
+                <a:latin typeface="Arial"/>
+              </a:rPr>
+              <a:t>format</a:t>
             </a:r>
             <a:endParaRPr b="0" lang="en-US" sz="4400" spc="-1" strike="noStrike">
               <a:solidFill>
@@ -18747,7 +18765,7 @@
         <p:spPr>
           <a:xfrm>
             <a:off x="11444760" y="0"/>
-            <a:ext cx="740520" cy="6849360"/>
+            <a:ext cx="740160" cy="6849000"/>
           </a:xfrm>
           <a:prstGeom prst="rect">
             <a:avLst/>
@@ -18796,7 +18814,7 @@
         <p:spPr>
           <a:xfrm>
             <a:off x="11438640" y="6453360"/>
-            <a:ext cx="757440" cy="363960"/>
+            <a:ext cx="757080" cy="363960"/>
           </a:xfrm>
           <a:prstGeom prst="rect">
             <a:avLst/>
@@ -18822,7 +18840,7 @@
                 <a:spcPct val="100000"/>
               </a:lnSpc>
             </a:pPr>
-            <a:fld id="{8FF97685-28D7-46FF-BCD1-B61E6C1A487A}" type="slidenum">
+            <a:fld id="{C2AB634E-0C1C-4F9C-B6A7-1BC504022C38}" type="slidenum">
               <a:rPr b="0" lang="en-US" sz="1800" spc="-1" strike="noStrike">
                 <a:solidFill>
                   <a:srgbClr val="808080"/>
@@ -18850,7 +18868,7 @@
         <p:spPr>
           <a:xfrm>
             <a:off x="912240" y="1268280"/>
-            <a:ext cx="9207360" cy="360720"/>
+            <a:ext cx="9207000" cy="360360"/>
           </a:xfrm>
           <a:prstGeom prst="rect">
             <a:avLst/>
@@ -18899,7 +18917,7 @@
         <p:spPr>
           <a:xfrm>
             <a:off x="0" y="0"/>
-            <a:ext cx="3051360" cy="561240"/>
+            <a:ext cx="3051000" cy="560880"/>
           </a:xfrm>
           <a:prstGeom prst="rect">
             <a:avLst/>
@@ -18922,7 +18940,7 @@
         <p:spPr>
           <a:xfrm>
             <a:off x="7430400" y="134640"/>
-            <a:ext cx="3697200" cy="513360"/>
+            <a:ext cx="3696840" cy="513000"/>
           </a:xfrm>
           <a:prstGeom prst="rect">
             <a:avLst/>
@@ -18941,7 +18959,7 @@
         <p:spPr>
           <a:xfrm>
             <a:off x="912240" y="1268280"/>
-            <a:ext cx="9207360" cy="360720"/>
+            <a:ext cx="9207000" cy="360360"/>
           </a:xfrm>
           <a:prstGeom prst="rect">
             <a:avLst/>
@@ -18986,7 +19004,7 @@
         <p:spPr>
           <a:xfrm>
             <a:off x="11444760" y="0"/>
-            <a:ext cx="740520" cy="6849360"/>
+            <a:ext cx="740160" cy="6849000"/>
           </a:xfrm>
           <a:prstGeom prst="rect">
             <a:avLst/>
@@ -19035,7 +19053,7 @@
         <p:spPr>
           <a:xfrm>
             <a:off x="0" y="6646680"/>
-            <a:ext cx="12184920" cy="211320"/>
+            <a:ext cx="12184560" cy="211320"/>
           </a:xfrm>
           <a:prstGeom prst="rect">
             <a:avLst/>
@@ -19407,7 +19425,7 @@
         <p:spPr>
           <a:xfrm>
             <a:off x="11444760" y="0"/>
-            <a:ext cx="740520" cy="6849360"/>
+            <a:ext cx="740160" cy="6849000"/>
           </a:xfrm>
           <a:prstGeom prst="rect">
             <a:avLst/>
@@ -19456,7 +19474,7 @@
         <p:spPr>
           <a:xfrm>
             <a:off x="11438640" y="6453360"/>
-            <a:ext cx="757440" cy="363960"/>
+            <a:ext cx="757080" cy="363960"/>
           </a:xfrm>
           <a:prstGeom prst="rect">
             <a:avLst/>
@@ -19482,7 +19500,7 @@
                 <a:spcPct val="100000"/>
               </a:lnSpc>
             </a:pPr>
-            <a:fld id="{18ED30ED-7815-4BD6-8FAB-21A15263B408}" type="slidenum">
+            <a:fld id="{588F0832-92A8-49FB-939E-601FB7DE12E8}" type="slidenum">
               <a:rPr b="0" lang="en-US" sz="1800" spc="-1" strike="noStrike">
                 <a:solidFill>
                   <a:srgbClr val="808080"/>
@@ -19510,7 +19528,7 @@
         <p:spPr>
           <a:xfrm>
             <a:off x="912240" y="1268280"/>
-            <a:ext cx="9207360" cy="360720"/>
+            <a:ext cx="9207000" cy="360360"/>
           </a:xfrm>
           <a:prstGeom prst="rect">
             <a:avLst/>
@@ -19559,7 +19577,7 @@
         <p:spPr>
           <a:xfrm>
             <a:off x="0" y="0"/>
-            <a:ext cx="3051360" cy="561240"/>
+            <a:ext cx="3051000" cy="560880"/>
           </a:xfrm>
           <a:prstGeom prst="rect">
             <a:avLst/>
@@ -19582,7 +19600,7 @@
         <p:spPr>
           <a:xfrm>
             <a:off x="7430400" y="134640"/>
-            <a:ext cx="3697200" cy="513360"/>
+            <a:ext cx="3696840" cy="513000"/>
           </a:xfrm>
           <a:prstGeom prst="rect">
             <a:avLst/>
@@ -19601,7 +19619,7 @@
         <p:spPr>
           <a:xfrm>
             <a:off x="11444760" y="1440"/>
-            <a:ext cx="740520" cy="6849360"/>
+            <a:ext cx="740160" cy="6849000"/>
           </a:xfrm>
           <a:prstGeom prst="rect">
             <a:avLst/>
@@ -19650,7 +19668,7 @@
         <p:spPr>
           <a:xfrm>
             <a:off x="11427480" y="6453360"/>
-            <a:ext cx="757440" cy="363960"/>
+            <a:ext cx="757080" cy="363960"/>
           </a:xfrm>
           <a:prstGeom prst="rect">
             <a:avLst/>
@@ -19676,7 +19694,7 @@
                 <a:spcPct val="100000"/>
               </a:lnSpc>
             </a:pPr>
-            <a:fld id="{E5FAABF7-5D9A-41B6-885B-B0B9DB2D58CD}" type="slidenum">
+            <a:fld id="{A406BDBD-3AAE-4E9F-939A-E81C811C098C}" type="slidenum">
               <a:rPr b="0" lang="en-US" sz="1800" spc="-1" strike="noStrike">
                 <a:solidFill>
                   <a:srgbClr val="808080"/>
@@ -19704,7 +19722,7 @@
         <p:spPr>
           <a:xfrm>
             <a:off x="0" y="6646680"/>
-            <a:ext cx="12184920" cy="211320"/>
+            <a:ext cx="12184560" cy="211320"/>
           </a:xfrm>
           <a:prstGeom prst="rect">
             <a:avLst/>
@@ -20076,7 +20094,7 @@
         <p:spPr>
           <a:xfrm>
             <a:off x="11444760" y="0"/>
-            <a:ext cx="740520" cy="6849360"/>
+            <a:ext cx="740160" cy="6849000"/>
           </a:xfrm>
           <a:prstGeom prst="rect">
             <a:avLst/>
@@ -20125,7 +20143,7 @@
         <p:spPr>
           <a:xfrm>
             <a:off x="11438640" y="6453360"/>
-            <a:ext cx="757440" cy="363960"/>
+            <a:ext cx="757080" cy="363960"/>
           </a:xfrm>
           <a:prstGeom prst="rect">
             <a:avLst/>
@@ -20151,7 +20169,7 @@
                 <a:spcPct val="100000"/>
               </a:lnSpc>
             </a:pPr>
-            <a:fld id="{77CDD7F7-CA70-4414-A056-94CDD983C71A}" type="slidenum">
+            <a:fld id="{9D0A6F92-32A7-49C5-B7FA-D61652E1050F}" type="slidenum">
               <a:rPr b="0" lang="en-US" sz="1800" spc="-1" strike="noStrike">
                 <a:solidFill>
                   <a:srgbClr val="808080"/>
@@ -20179,7 +20197,7 @@
         <p:spPr>
           <a:xfrm>
             <a:off x="912240" y="1268280"/>
-            <a:ext cx="9207360" cy="360720"/>
+            <a:ext cx="9207000" cy="360360"/>
           </a:xfrm>
           <a:prstGeom prst="rect">
             <a:avLst/>
@@ -20228,7 +20246,7 @@
         <p:spPr>
           <a:xfrm>
             <a:off x="0" y="0"/>
-            <a:ext cx="3051360" cy="561240"/>
+            <a:ext cx="3051000" cy="560880"/>
           </a:xfrm>
           <a:prstGeom prst="rect">
             <a:avLst/>
@@ -20251,7 +20269,7 @@
         <p:spPr>
           <a:xfrm>
             <a:off x="7430400" y="134640"/>
-            <a:ext cx="3697200" cy="513360"/>
+            <a:ext cx="3696840" cy="513000"/>
           </a:xfrm>
           <a:prstGeom prst="rect">
             <a:avLst/>
@@ -20270,7 +20288,7 @@
         <p:spPr>
           <a:xfrm>
             <a:off x="11444760" y="1440"/>
-            <a:ext cx="740520" cy="6849360"/>
+            <a:ext cx="740160" cy="6849000"/>
           </a:xfrm>
           <a:prstGeom prst="rect">
             <a:avLst/>
@@ -20319,7 +20337,7 @@
         <p:spPr>
           <a:xfrm>
             <a:off x="11427480" y="6453360"/>
-            <a:ext cx="757440" cy="363960"/>
+            <a:ext cx="757080" cy="363960"/>
           </a:xfrm>
           <a:prstGeom prst="rect">
             <a:avLst/>
@@ -20345,7 +20363,7 @@
                 <a:spcPct val="100000"/>
               </a:lnSpc>
             </a:pPr>
-            <a:fld id="{B7FC7A7D-2443-4B82-9704-144C88A5F8E1}" type="slidenum">
+            <a:fld id="{646D0CFE-3CE2-415D-B6C5-AA5993699F2E}" type="slidenum">
               <a:rPr b="0" lang="en-US" sz="1800" spc="-1" strike="noStrike">
                 <a:solidFill>
                   <a:srgbClr val="808080"/>
@@ -20373,7 +20391,7 @@
         <p:spPr>
           <a:xfrm>
             <a:off x="0" y="6646680"/>
-            <a:ext cx="12184920" cy="211320"/>
+            <a:ext cx="12184560" cy="211320"/>
           </a:xfrm>
           <a:prstGeom prst="rect">
             <a:avLst/>
@@ -20738,7 +20756,7 @@
         <p:spPr>
           <a:xfrm>
             <a:off x="527400" y="1412640"/>
-            <a:ext cx="10360440" cy="1146960"/>
+            <a:ext cx="10360080" cy="1146600"/>
           </a:xfrm>
           <a:prstGeom prst="rect">
             <a:avLst/>
@@ -20792,7 +20810,7 @@
         <p:spPr>
           <a:xfrm>
             <a:off x="527400" y="2852640"/>
-            <a:ext cx="10360440" cy="2367720"/>
+            <a:ext cx="10360080" cy="2367360"/>
           </a:xfrm>
           <a:prstGeom prst="rect">
             <a:avLst/>
@@ -21007,7 +21025,7 @@
         <p:spPr>
           <a:xfrm>
             <a:off x="542880" y="721800"/>
-            <a:ext cx="10355040" cy="495720"/>
+            <a:ext cx="10354680" cy="495360"/>
           </a:xfrm>
           <a:prstGeom prst="rect">
             <a:avLst/>
@@ -21061,7 +21079,7 @@
         <p:spPr>
           <a:xfrm>
             <a:off x="542880" y="1267200"/>
-            <a:ext cx="10355040" cy="495720"/>
+            <a:ext cx="10354680" cy="495360"/>
           </a:xfrm>
           <a:prstGeom prst="rect">
             <a:avLst/>
@@ -21115,7 +21133,7 @@
         <p:spPr>
           <a:xfrm>
             <a:off x="451800" y="1709280"/>
-            <a:ext cx="8222400" cy="4350600"/>
+            <a:ext cx="8222040" cy="4350240"/>
           </a:xfrm>
           <a:prstGeom prst="rect">
             <a:avLst/>
@@ -21164,7 +21182,7 @@
         <p:spPr>
           <a:xfrm>
             <a:off x="557640" y="1769400"/>
-            <a:ext cx="10585440" cy="4853520"/>
+            <a:ext cx="10585080" cy="4853160"/>
           </a:xfrm>
           <a:prstGeom prst="rect">
             <a:avLst/>
@@ -21568,7 +21586,7 @@
         <p:spPr>
           <a:xfrm>
             <a:off x="542880" y="721800"/>
-            <a:ext cx="10355040" cy="495720"/>
+            <a:ext cx="10354680" cy="495360"/>
           </a:xfrm>
           <a:prstGeom prst="rect">
             <a:avLst/>
@@ -21622,7 +21640,7 @@
         <p:spPr>
           <a:xfrm>
             <a:off x="542880" y="1267200"/>
-            <a:ext cx="10355040" cy="495720"/>
+            <a:ext cx="10354680" cy="495360"/>
           </a:xfrm>
           <a:prstGeom prst="rect">
             <a:avLst/>
@@ -21676,7 +21694,7 @@
         <p:spPr>
           <a:xfrm>
             <a:off x="451800" y="1709280"/>
-            <a:ext cx="8222400" cy="4350600"/>
+            <a:ext cx="8222040" cy="4350240"/>
           </a:xfrm>
           <a:prstGeom prst="rect">
             <a:avLst/>
@@ -21725,7 +21743,7 @@
         <p:spPr>
           <a:xfrm>
             <a:off x="609480" y="1769400"/>
-            <a:ext cx="5550120" cy="4853520"/>
+            <a:ext cx="5549760" cy="4853160"/>
           </a:xfrm>
           <a:prstGeom prst="rect">
             <a:avLst/>
@@ -21917,15 +21935,15 @@
         <p:spPr>
           <a:xfrm>
             <a:off x="6400800" y="2178000"/>
-            <a:ext cx="4566240" cy="3194640"/>
+            <a:ext cx="4565880" cy="3194280"/>
           </a:xfrm>
           <a:custGeom>
             <a:avLst/>
             <a:gdLst>
-              <a:gd name="textAreaLeft" fmla="*/ 0 w 4566240"/>
-              <a:gd name="textAreaRight" fmla="*/ 4567680 w 4566240"/>
-              <a:gd name="textAreaTop" fmla="*/ 0 h 3194640"/>
-              <a:gd name="textAreaBottom" fmla="*/ 3196080 h 3194640"/>
+              <a:gd name="textAreaLeft" fmla="*/ 0 w 4565880"/>
+              <a:gd name="textAreaRight" fmla="*/ 4567680 w 4565880"/>
+              <a:gd name="textAreaTop" fmla="*/ 0 h 3194280"/>
+              <a:gd name="textAreaBottom" fmla="*/ 3196080 h 3194280"/>
             </a:gdLst>
             <a:ahLst/>
             <a:rect l="textAreaLeft" t="textAreaTop" r="textAreaRight" b="textAreaBottom"/>
@@ -22068,15 +22086,15 @@
         <p:spPr>
           <a:xfrm>
             <a:off x="6858000" y="2514600"/>
-            <a:ext cx="3651840" cy="2051640"/>
+            <a:ext cx="3651480" cy="2051280"/>
           </a:xfrm>
           <a:custGeom>
             <a:avLst/>
             <a:gdLst>
-              <a:gd name="textAreaLeft" fmla="*/ 0 w 3651840"/>
-              <a:gd name="textAreaRight" fmla="*/ 3653280 w 3651840"/>
-              <a:gd name="textAreaTop" fmla="*/ 0 h 2051640"/>
-              <a:gd name="textAreaBottom" fmla="*/ 2053080 h 2051640"/>
+              <a:gd name="textAreaLeft" fmla="*/ 0 w 3651480"/>
+              <a:gd name="textAreaRight" fmla="*/ 3653280 w 3651480"/>
+              <a:gd name="textAreaTop" fmla="*/ 0 h 2051280"/>
+              <a:gd name="textAreaBottom" fmla="*/ 2053080 h 2051280"/>
             </a:gdLst>
             <a:ahLst/>
             <a:rect l="textAreaLeft" t="textAreaTop" r="textAreaRight" b="textAreaBottom"/>
@@ -22219,15 +22237,15 @@
         <p:spPr>
           <a:xfrm>
             <a:off x="7315200" y="2971800"/>
-            <a:ext cx="2737440" cy="908640"/>
+            <a:ext cx="2737080" cy="908280"/>
           </a:xfrm>
           <a:custGeom>
             <a:avLst/>
             <a:gdLst>
-              <a:gd name="textAreaLeft" fmla="*/ 0 w 2737440"/>
-              <a:gd name="textAreaRight" fmla="*/ 2738880 w 2737440"/>
-              <a:gd name="textAreaTop" fmla="*/ 0 h 908640"/>
-              <a:gd name="textAreaBottom" fmla="*/ 910080 h 908640"/>
+              <a:gd name="textAreaLeft" fmla="*/ 0 w 2737080"/>
+              <a:gd name="textAreaRight" fmla="*/ 2738880 w 2737080"/>
+              <a:gd name="textAreaTop" fmla="*/ 0 h 908280"/>
+              <a:gd name="textAreaBottom" fmla="*/ 910080 h 908280"/>
             </a:gdLst>
             <a:ahLst/>
             <a:rect l="textAreaLeft" t="textAreaTop" r="textAreaRight" b="textAreaBottom"/>
@@ -22370,7 +22388,7 @@
         <p:spPr>
           <a:xfrm>
             <a:off x="7543800" y="3200400"/>
-            <a:ext cx="2280240" cy="349920"/>
+            <a:ext cx="2279880" cy="349560"/>
           </a:xfrm>
           <a:prstGeom prst="rect">
             <a:avLst/>
@@ -22424,7 +22442,7 @@
         <p:spPr>
           <a:xfrm>
             <a:off x="7543800" y="4800600"/>
-            <a:ext cx="2280240" cy="349920"/>
+            <a:ext cx="2279880" cy="349560"/>
           </a:xfrm>
           <a:prstGeom prst="rect">
             <a:avLst/>
@@ -22478,7 +22496,7 @@
         <p:spPr>
           <a:xfrm>
             <a:off x="7543800" y="3987720"/>
-            <a:ext cx="2280240" cy="349920"/>
+            <a:ext cx="2279880" cy="349560"/>
           </a:xfrm>
           <a:prstGeom prst="rect">
             <a:avLst/>
@@ -22562,7 +22580,7 @@
         <p:spPr>
           <a:xfrm>
             <a:off x="542880" y="721800"/>
-            <a:ext cx="10355040" cy="495720"/>
+            <a:ext cx="10354680" cy="495360"/>
           </a:xfrm>
           <a:prstGeom prst="rect">
             <a:avLst/>
@@ -22616,7 +22634,7 @@
         <p:spPr>
           <a:xfrm>
             <a:off x="542880" y="1267200"/>
-            <a:ext cx="10355040" cy="495720"/>
+            <a:ext cx="10354680" cy="495360"/>
           </a:xfrm>
           <a:prstGeom prst="rect">
             <a:avLst/>
@@ -22670,7 +22688,7 @@
         <p:spPr>
           <a:xfrm>
             <a:off x="451800" y="1709280"/>
-            <a:ext cx="8222400" cy="4350600"/>
+            <a:ext cx="8222040" cy="4350240"/>
           </a:xfrm>
           <a:prstGeom prst="rect">
             <a:avLst/>
@@ -22719,7 +22737,7 @@
         <p:spPr>
           <a:xfrm>
             <a:off x="1168560" y="1912320"/>
-            <a:ext cx="8659800" cy="4258440"/>
+            <a:ext cx="8659440" cy="4258080"/>
           </a:xfrm>
           <a:prstGeom prst="rect">
             <a:avLst/>
@@ -22768,7 +22786,7 @@
         <p:spPr>
           <a:xfrm>
             <a:off x="542880" y="721800"/>
-            <a:ext cx="10355040" cy="495720"/>
+            <a:ext cx="10354680" cy="495360"/>
           </a:xfrm>
           <a:prstGeom prst="rect">
             <a:avLst/>
@@ -22822,7 +22840,7 @@
         <p:spPr>
           <a:xfrm>
             <a:off x="542880" y="1267200"/>
-            <a:ext cx="10355040" cy="495720"/>
+            <a:ext cx="10354680" cy="495360"/>
           </a:xfrm>
           <a:prstGeom prst="rect">
             <a:avLst/>
@@ -22876,7 +22894,7 @@
         <p:spPr>
           <a:xfrm>
             <a:off x="451800" y="1709280"/>
-            <a:ext cx="8222400" cy="4350600"/>
+            <a:ext cx="8222040" cy="4350240"/>
           </a:xfrm>
           <a:prstGeom prst="rect">
             <a:avLst/>
@@ -22925,7 +22943,7 @@
         <p:spPr>
           <a:xfrm>
             <a:off x="609480" y="1769400"/>
-            <a:ext cx="10585440" cy="4853520"/>
+            <a:ext cx="10585080" cy="4853160"/>
           </a:xfrm>
           <a:prstGeom prst="rect">
             <a:avLst/>
@@ -23155,7 +23173,7 @@
         <p:spPr>
           <a:xfrm>
             <a:off x="542880" y="721800"/>
-            <a:ext cx="10355040" cy="495720"/>
+            <a:ext cx="10354680" cy="495360"/>
           </a:xfrm>
           <a:prstGeom prst="rect">
             <a:avLst/>
@@ -23209,7 +23227,7 @@
         <p:spPr>
           <a:xfrm>
             <a:off x="542880" y="1267200"/>
-            <a:ext cx="10355040" cy="495720"/>
+            <a:ext cx="10354680" cy="495360"/>
           </a:xfrm>
           <a:prstGeom prst="rect">
             <a:avLst/>
@@ -23263,7 +23281,7 @@
         <p:spPr>
           <a:xfrm>
             <a:off x="451800" y="1709280"/>
-            <a:ext cx="8222400" cy="4350600"/>
+            <a:ext cx="8222040" cy="4350240"/>
           </a:xfrm>
           <a:prstGeom prst="rect">
             <a:avLst/>
@@ -23312,7 +23330,7 @@
         <p:spPr>
           <a:xfrm>
             <a:off x="609480" y="1769400"/>
-            <a:ext cx="10585440" cy="4853520"/>
+            <a:ext cx="10585080" cy="4853160"/>
           </a:xfrm>
           <a:prstGeom prst="rect">
             <a:avLst/>
@@ -23595,7 +23613,7 @@
         <p:spPr>
           <a:xfrm>
             <a:off x="542880" y="721800"/>
-            <a:ext cx="10355040" cy="495720"/>
+            <a:ext cx="10354680" cy="495360"/>
           </a:xfrm>
           <a:prstGeom prst="rect">
             <a:avLst/>
@@ -23649,7 +23667,7 @@
         <p:spPr>
           <a:xfrm>
             <a:off x="542880" y="1267200"/>
-            <a:ext cx="10355040" cy="495720"/>
+            <a:ext cx="10354680" cy="495360"/>
           </a:xfrm>
           <a:prstGeom prst="rect">
             <a:avLst/>
@@ -23703,7 +23721,7 @@
         <p:spPr>
           <a:xfrm>
             <a:off x="451800" y="1709280"/>
-            <a:ext cx="8222400" cy="4350600"/>
+            <a:ext cx="8222040" cy="4350240"/>
           </a:xfrm>
           <a:prstGeom prst="rect">
             <a:avLst/>
@@ -23752,7 +23770,7 @@
         <p:spPr>
           <a:xfrm>
             <a:off x="609480" y="1769400"/>
-            <a:ext cx="10585440" cy="4853520"/>
+            <a:ext cx="10585080" cy="4853160"/>
           </a:xfrm>
           <a:prstGeom prst="rect">
             <a:avLst/>
@@ -24169,7 +24187,7 @@
         <p:spPr>
           <a:xfrm>
             <a:off x="542880" y="721800"/>
-            <a:ext cx="10355040" cy="495720"/>
+            <a:ext cx="10354680" cy="495360"/>
           </a:xfrm>
           <a:prstGeom prst="rect">
             <a:avLst/>
@@ -24223,7 +24241,7 @@
         <p:spPr>
           <a:xfrm>
             <a:off x="542880" y="1267200"/>
-            <a:ext cx="10355040" cy="495720"/>
+            <a:ext cx="10354680" cy="495360"/>
           </a:xfrm>
           <a:prstGeom prst="rect">
             <a:avLst/>
@@ -24277,7 +24295,7 @@
         <p:spPr>
           <a:xfrm>
             <a:off x="451800" y="1709280"/>
-            <a:ext cx="8222400" cy="4350600"/>
+            <a:ext cx="8222040" cy="4350240"/>
           </a:xfrm>
           <a:prstGeom prst="rect">
             <a:avLst/>
@@ -24326,7 +24344,7 @@
         <p:spPr>
           <a:xfrm>
             <a:off x="609480" y="1769400"/>
-            <a:ext cx="10585440" cy="4853520"/>
+            <a:ext cx="10585080" cy="4853160"/>
           </a:xfrm>
           <a:prstGeom prst="rect">
             <a:avLst/>
@@ -24718,7 +24736,7 @@
         <p:spPr>
           <a:xfrm>
             <a:off x="542880" y="721800"/>
-            <a:ext cx="10355040" cy="495720"/>
+            <a:ext cx="10354680" cy="495360"/>
           </a:xfrm>
           <a:prstGeom prst="rect">
             <a:avLst/>
@@ -24772,7 +24790,7 @@
         <p:spPr>
           <a:xfrm>
             <a:off x="542880" y="1267200"/>
-            <a:ext cx="10355040" cy="495720"/>
+            <a:ext cx="10354680" cy="495360"/>
           </a:xfrm>
           <a:prstGeom prst="rect">
             <a:avLst/>
@@ -24826,7 +24844,7 @@
         <p:spPr>
           <a:xfrm>
             <a:off x="451800" y="1709280"/>
-            <a:ext cx="8222400" cy="4350600"/>
+            <a:ext cx="8222040" cy="4350240"/>
           </a:xfrm>
           <a:prstGeom prst="rect">
             <a:avLst/>
@@ -24875,7 +24893,7 @@
         <p:spPr>
           <a:xfrm>
             <a:off x="609480" y="1769400"/>
-            <a:ext cx="10585440" cy="4853520"/>
+            <a:ext cx="10585080" cy="4853160"/>
           </a:xfrm>
           <a:prstGeom prst="rect">
             <a:avLst/>
@@ -25348,7 +25366,7 @@
         <p:spPr>
           <a:xfrm>
             <a:off x="542880" y="721800"/>
-            <a:ext cx="10355040" cy="495720"/>
+            <a:ext cx="10354680" cy="495360"/>
           </a:xfrm>
           <a:prstGeom prst="rect">
             <a:avLst/>
@@ -25402,7 +25420,7 @@
         <p:spPr>
           <a:xfrm>
             <a:off x="542880" y="1267200"/>
-            <a:ext cx="10355040" cy="495720"/>
+            <a:ext cx="10354680" cy="495360"/>
           </a:xfrm>
           <a:prstGeom prst="rect">
             <a:avLst/>
@@ -25456,7 +25474,7 @@
         <p:spPr>
           <a:xfrm>
             <a:off x="451800" y="1709280"/>
-            <a:ext cx="8222400" cy="4350600"/>
+            <a:ext cx="8222040" cy="4350240"/>
           </a:xfrm>
           <a:prstGeom prst="rect">
             <a:avLst/>
@@ -25505,7 +25523,7 @@
         <p:spPr>
           <a:xfrm>
             <a:off x="609480" y="1769400"/>
-            <a:ext cx="10585440" cy="4853520"/>
+            <a:ext cx="10585080" cy="4853160"/>
           </a:xfrm>
           <a:prstGeom prst="rect">
             <a:avLst/>
@@ -25960,7 +25978,7 @@
         <p:spPr>
           <a:xfrm>
             <a:off x="542880" y="721800"/>
-            <a:ext cx="10355040" cy="495720"/>
+            <a:ext cx="10354680" cy="495360"/>
           </a:xfrm>
           <a:prstGeom prst="rect">
             <a:avLst/>
@@ -26014,7 +26032,7 @@
         <p:spPr>
           <a:xfrm>
             <a:off x="542880" y="1267200"/>
-            <a:ext cx="10355040" cy="495720"/>
+            <a:ext cx="10354680" cy="495360"/>
           </a:xfrm>
           <a:prstGeom prst="rect">
             <a:avLst/>
@@ -26068,7 +26086,7 @@
         <p:spPr>
           <a:xfrm>
             <a:off x="263520" y="6411600"/>
-            <a:ext cx="10918080" cy="226800"/>
+            <a:ext cx="10917720" cy="226800"/>
           </a:xfrm>
           <a:prstGeom prst="rect">
             <a:avLst/>
@@ -26136,7 +26154,7 @@
         <p:spPr>
           <a:xfrm>
             <a:off x="3778560" y="3278520"/>
-            <a:ext cx="7074720" cy="3128400"/>
+            <a:ext cx="7074360" cy="3128040"/>
           </a:xfrm>
           <a:prstGeom prst="rect">
             <a:avLst/>
@@ -26155,7 +26173,7 @@
         <p:spPr>
           <a:xfrm>
             <a:off x="609480" y="1769400"/>
-            <a:ext cx="10585440" cy="1578600"/>
+            <a:ext cx="10585080" cy="1578240"/>
           </a:xfrm>
           <a:prstGeom prst="rect">
             <a:avLst/>
@@ -26331,7 +26349,7 @@
         <p:spPr>
           <a:xfrm>
             <a:off x="542880" y="721800"/>
-            <a:ext cx="10355040" cy="495720"/>
+            <a:ext cx="10354680" cy="495360"/>
           </a:xfrm>
           <a:prstGeom prst="rect">
             <a:avLst/>
@@ -26385,7 +26403,7 @@
         <p:spPr>
           <a:xfrm>
             <a:off x="542880" y="1267200"/>
-            <a:ext cx="10355040" cy="495720"/>
+            <a:ext cx="10354680" cy="495360"/>
           </a:xfrm>
           <a:prstGeom prst="rect">
             <a:avLst/>
@@ -26439,7 +26457,7 @@
         <p:spPr>
           <a:xfrm>
             <a:off x="609840" y="2266920"/>
-            <a:ext cx="10585440" cy="3196440"/>
+            <a:ext cx="10585080" cy="3196080"/>
           </a:xfrm>
           <a:prstGeom prst="rect">
             <a:avLst/>
@@ -26605,7 +26623,7 @@
         <p:spPr>
           <a:xfrm>
             <a:off x="542880" y="721800"/>
-            <a:ext cx="10355040" cy="495720"/>
+            <a:ext cx="10354680" cy="495360"/>
           </a:xfrm>
           <a:prstGeom prst="rect">
             <a:avLst/>
@@ -26659,7 +26677,7 @@
         <p:spPr>
           <a:xfrm>
             <a:off x="542880" y="1267200"/>
-            <a:ext cx="10355040" cy="495720"/>
+            <a:ext cx="10354680" cy="495360"/>
           </a:xfrm>
           <a:prstGeom prst="rect">
             <a:avLst/>
@@ -26713,7 +26731,7 @@
         <p:spPr>
           <a:xfrm>
             <a:off x="451800" y="1709280"/>
-            <a:ext cx="8222400" cy="4350600"/>
+            <a:ext cx="8222040" cy="4350240"/>
           </a:xfrm>
           <a:prstGeom prst="rect">
             <a:avLst/>
@@ -26758,7 +26776,7 @@
         <p:spPr>
           <a:xfrm>
             <a:off x="263520" y="6411600"/>
-            <a:ext cx="10918080" cy="226800"/>
+            <a:ext cx="10917720" cy="226800"/>
           </a:xfrm>
           <a:prstGeom prst="rect">
             <a:avLst/>
@@ -26822,7 +26840,7 @@
         <p:spPr>
           <a:xfrm>
             <a:off x="609480" y="1769400"/>
-            <a:ext cx="10585440" cy="1578600"/>
+            <a:ext cx="10585080" cy="1578240"/>
           </a:xfrm>
           <a:prstGeom prst="rect">
             <a:avLst/>
@@ -26972,7 +26990,7 @@
         <p:spPr>
           <a:xfrm>
             <a:off x="3270960" y="3299760"/>
-            <a:ext cx="5645520" cy="3107160"/>
+            <a:ext cx="5645160" cy="3106800"/>
           </a:xfrm>
           <a:prstGeom prst="rect">
             <a:avLst/>
@@ -27021,7 +27039,7 @@
         <p:spPr>
           <a:xfrm>
             <a:off x="542880" y="721800"/>
-            <a:ext cx="10355040" cy="495720"/>
+            <a:ext cx="10354680" cy="495360"/>
           </a:xfrm>
           <a:prstGeom prst="rect">
             <a:avLst/>
@@ -27075,7 +27093,7 @@
         <p:spPr>
           <a:xfrm>
             <a:off x="542880" y="1267200"/>
-            <a:ext cx="10355040" cy="495720"/>
+            <a:ext cx="10354680" cy="495360"/>
           </a:xfrm>
           <a:prstGeom prst="rect">
             <a:avLst/>
@@ -27129,7 +27147,7 @@
         <p:spPr>
           <a:xfrm>
             <a:off x="451800" y="1709280"/>
-            <a:ext cx="8222400" cy="4350600"/>
+            <a:ext cx="8222040" cy="4350240"/>
           </a:xfrm>
           <a:prstGeom prst="rect">
             <a:avLst/>
@@ -27174,7 +27192,7 @@
         <p:spPr>
           <a:xfrm>
             <a:off x="609480" y="1769400"/>
-            <a:ext cx="5087880" cy="2842560"/>
+            <a:ext cx="5087520" cy="2842200"/>
           </a:xfrm>
           <a:prstGeom prst="rect">
             <a:avLst/>
@@ -27330,7 +27348,7 @@
         <p:spPr>
           <a:xfrm>
             <a:off x="263520" y="6411600"/>
-            <a:ext cx="10918080" cy="226800"/>
+            <a:ext cx="10917720" cy="226800"/>
           </a:xfrm>
           <a:prstGeom prst="rect">
             <a:avLst/>
@@ -27398,7 +27416,7 @@
         <p:spPr>
           <a:xfrm>
             <a:off x="8055000" y="1709280"/>
-            <a:ext cx="2721960" cy="5040720"/>
+            <a:ext cx="2721600" cy="5040360"/>
           </a:xfrm>
           <a:prstGeom prst="rect">
             <a:avLst/>
@@ -27447,7 +27465,7 @@
         <p:spPr>
           <a:xfrm>
             <a:off x="542880" y="721800"/>
-            <a:ext cx="10355040" cy="495720"/>
+            <a:ext cx="10354680" cy="495360"/>
           </a:xfrm>
           <a:prstGeom prst="rect">
             <a:avLst/>
@@ -27501,7 +27519,7 @@
         <p:spPr>
           <a:xfrm>
             <a:off x="542880" y="1267200"/>
-            <a:ext cx="10355040" cy="495720"/>
+            <a:ext cx="10354680" cy="495360"/>
           </a:xfrm>
           <a:prstGeom prst="rect">
             <a:avLst/>
@@ -27555,7 +27573,7 @@
         <p:spPr>
           <a:xfrm>
             <a:off x="451800" y="1709280"/>
-            <a:ext cx="8222400" cy="4350600"/>
+            <a:ext cx="8222040" cy="4350240"/>
           </a:xfrm>
           <a:prstGeom prst="rect">
             <a:avLst/>
@@ -27600,7 +27618,7 @@
         <p:spPr>
           <a:xfrm>
             <a:off x="263520" y="6411600"/>
-            <a:ext cx="10918080" cy="226800"/>
+            <a:ext cx="10917720" cy="226800"/>
           </a:xfrm>
           <a:prstGeom prst="rect">
             <a:avLst/>
@@ -27664,7 +27682,7 @@
         <p:spPr>
           <a:xfrm>
             <a:off x="609480" y="1769400"/>
-            <a:ext cx="10585440" cy="1578600"/>
+            <a:ext cx="10585080" cy="1578240"/>
           </a:xfrm>
           <a:prstGeom prst="rect">
             <a:avLst/>
@@ -27776,7 +27794,7 @@
         <p:spPr>
           <a:xfrm>
             <a:off x="1234080" y="3342240"/>
-            <a:ext cx="8497800" cy="2930760"/>
+            <a:ext cx="8497440" cy="2930400"/>
           </a:xfrm>
           <a:prstGeom prst="rect">
             <a:avLst/>
@@ -27825,7 +27843,7 @@
         <p:spPr>
           <a:xfrm>
             <a:off x="542880" y="721800"/>
-            <a:ext cx="10355040" cy="495720"/>
+            <a:ext cx="10354680" cy="495360"/>
           </a:xfrm>
           <a:prstGeom prst="rect">
             <a:avLst/>
@@ -27879,7 +27897,7 @@
         <p:spPr>
           <a:xfrm>
             <a:off x="542880" y="1267200"/>
-            <a:ext cx="10355040" cy="495720"/>
+            <a:ext cx="10354680" cy="495360"/>
           </a:xfrm>
           <a:prstGeom prst="rect">
             <a:avLst/>
@@ -27933,7 +27951,7 @@
         <p:spPr>
           <a:xfrm>
             <a:off x="451800" y="1709280"/>
-            <a:ext cx="8222400" cy="4350600"/>
+            <a:ext cx="8222040" cy="4350240"/>
           </a:xfrm>
           <a:prstGeom prst="rect">
             <a:avLst/>
@@ -27982,7 +28000,7 @@
         <p:spPr>
           <a:xfrm>
             <a:off x="609480" y="1769400"/>
-            <a:ext cx="10585440" cy="4853520"/>
+            <a:ext cx="10585080" cy="4853160"/>
           </a:xfrm>
           <a:prstGeom prst="rect">
             <a:avLst/>
@@ -28381,7 +28399,7 @@
         <p:spPr>
           <a:xfrm>
             <a:off x="335520" y="4406760"/>
-            <a:ext cx="10746720" cy="1355760"/>
+            <a:ext cx="10746360" cy="1355400"/>
           </a:xfrm>
           <a:prstGeom prst="rect">
             <a:avLst/>
@@ -28435,7 +28453,7 @@
         <p:spPr>
           <a:xfrm>
             <a:off x="335520" y="2906640"/>
-            <a:ext cx="10746720" cy="1493640"/>
+            <a:ext cx="10746360" cy="1493280"/>
           </a:xfrm>
           <a:prstGeom prst="rect">
             <a:avLst/>
@@ -28510,7 +28528,7 @@
         <p:spPr>
           <a:xfrm>
             <a:off x="542880" y="721800"/>
-            <a:ext cx="10355040" cy="495720"/>
+            <a:ext cx="10354680" cy="495360"/>
           </a:xfrm>
           <a:prstGeom prst="rect">
             <a:avLst/>
@@ -28564,7 +28582,7 @@
         <p:spPr>
           <a:xfrm>
             <a:off x="542880" y="1267200"/>
-            <a:ext cx="10355040" cy="495720"/>
+            <a:ext cx="10354680" cy="495360"/>
           </a:xfrm>
           <a:prstGeom prst="rect">
             <a:avLst/>
@@ -28618,7 +28636,7 @@
         <p:spPr>
           <a:xfrm>
             <a:off x="451800" y="1709280"/>
-            <a:ext cx="8222400" cy="4350600"/>
+            <a:ext cx="8222040" cy="4350240"/>
           </a:xfrm>
           <a:prstGeom prst="rect">
             <a:avLst/>
@@ -28667,7 +28685,7 @@
         <p:spPr>
           <a:xfrm>
             <a:off x="609480" y="1769400"/>
-            <a:ext cx="10359360" cy="4638240"/>
+            <a:ext cx="10359000" cy="4637880"/>
           </a:xfrm>
           <a:prstGeom prst="rect">
             <a:avLst/>
@@ -29012,7 +29030,7 @@
         <p:spPr>
           <a:xfrm>
             <a:off x="263520" y="6411600"/>
-            <a:ext cx="10917360" cy="226800"/>
+            <a:ext cx="10917000" cy="226800"/>
           </a:xfrm>
           <a:prstGeom prst="rect">
             <a:avLst/>
@@ -29096,7 +29114,7 @@
         <p:spPr>
           <a:xfrm>
             <a:off x="542880" y="721800"/>
-            <a:ext cx="10355040" cy="495720"/>
+            <a:ext cx="10354680" cy="495360"/>
           </a:xfrm>
           <a:prstGeom prst="rect">
             <a:avLst/>
@@ -29150,7 +29168,7 @@
         <p:spPr>
           <a:xfrm>
             <a:off x="542880" y="1267200"/>
-            <a:ext cx="10355040" cy="495720"/>
+            <a:ext cx="10354680" cy="495360"/>
           </a:xfrm>
           <a:prstGeom prst="rect">
             <a:avLst/>
@@ -29204,7 +29222,7 @@
         <p:spPr>
           <a:xfrm>
             <a:off x="451800" y="1709280"/>
-            <a:ext cx="8222400" cy="4350600"/>
+            <a:ext cx="8222040" cy="4350240"/>
           </a:xfrm>
           <a:prstGeom prst="rect">
             <a:avLst/>
@@ -29253,7 +29271,7 @@
         <p:spPr>
           <a:xfrm>
             <a:off x="609480" y="1769400"/>
-            <a:ext cx="10585440" cy="4627440"/>
+            <a:ext cx="10585080" cy="4627080"/>
           </a:xfrm>
           <a:prstGeom prst="rect">
             <a:avLst/>
@@ -29470,7 +29488,7 @@
         <p:spPr>
           <a:xfrm>
             <a:off x="263520" y="6411600"/>
-            <a:ext cx="10917360" cy="226800"/>
+            <a:ext cx="10917000" cy="226800"/>
           </a:xfrm>
           <a:prstGeom prst="rect">
             <a:avLst/>
@@ -29554,7 +29572,7 @@
         <p:spPr>
           <a:xfrm>
             <a:off x="542880" y="721800"/>
-            <a:ext cx="10355040" cy="495720"/>
+            <a:ext cx="10354680" cy="495360"/>
           </a:xfrm>
           <a:prstGeom prst="rect">
             <a:avLst/>
@@ -29608,7 +29626,7 @@
         <p:spPr>
           <a:xfrm>
             <a:off x="542880" y="1267200"/>
-            <a:ext cx="10355040" cy="495720"/>
+            <a:ext cx="10354680" cy="495360"/>
           </a:xfrm>
           <a:prstGeom prst="rect">
             <a:avLst/>
@@ -29662,7 +29680,7 @@
         <p:spPr>
           <a:xfrm>
             <a:off x="451800" y="1709280"/>
-            <a:ext cx="8222400" cy="4350600"/>
+            <a:ext cx="8222040" cy="4350240"/>
           </a:xfrm>
           <a:prstGeom prst="rect">
             <a:avLst/>
@@ -29711,7 +29729,7 @@
         <p:spPr>
           <a:xfrm>
             <a:off x="609480" y="1769400"/>
-            <a:ext cx="10585440" cy="4627440"/>
+            <a:ext cx="10585080" cy="4627080"/>
           </a:xfrm>
           <a:prstGeom prst="rect">
             <a:avLst/>
@@ -30091,7 +30109,7 @@
         <p:spPr>
           <a:xfrm>
             <a:off x="263520" y="6411600"/>
-            <a:ext cx="10917360" cy="226800"/>
+            <a:ext cx="10917000" cy="226800"/>
           </a:xfrm>
           <a:prstGeom prst="rect">
             <a:avLst/>
@@ -30175,7 +30193,7 @@
         <p:spPr>
           <a:xfrm>
             <a:off x="542880" y="721800"/>
-            <a:ext cx="10355040" cy="495720"/>
+            <a:ext cx="10354680" cy="495360"/>
           </a:xfrm>
           <a:prstGeom prst="rect">
             <a:avLst/>
@@ -30229,7 +30247,7 @@
         <p:spPr>
           <a:xfrm>
             <a:off x="542880" y="1267200"/>
-            <a:ext cx="10355040" cy="495720"/>
+            <a:ext cx="10354680" cy="495360"/>
           </a:xfrm>
           <a:prstGeom prst="rect">
             <a:avLst/>
@@ -30283,7 +30301,7 @@
         <p:spPr>
           <a:xfrm>
             <a:off x="451800" y="1709280"/>
-            <a:ext cx="8222400" cy="4350600"/>
+            <a:ext cx="8222040" cy="4350240"/>
           </a:xfrm>
           <a:prstGeom prst="rect">
             <a:avLst/>
@@ -30332,7 +30350,7 @@
         <p:spPr>
           <a:xfrm>
             <a:off x="595440" y="1780920"/>
-            <a:ext cx="10585440" cy="4626720"/>
+            <a:ext cx="10585080" cy="4626360"/>
           </a:xfrm>
           <a:prstGeom prst="rect">
             <a:avLst/>
@@ -30552,7 +30570,7 @@
         <p:spPr>
           <a:xfrm>
             <a:off x="263520" y="6411600"/>
-            <a:ext cx="10917360" cy="226800"/>
+            <a:ext cx="10917000" cy="226800"/>
           </a:xfrm>
           <a:prstGeom prst="rect">
             <a:avLst/>
@@ -30636,7 +30654,7 @@
         <p:spPr>
           <a:xfrm>
             <a:off x="542880" y="721800"/>
-            <a:ext cx="10355040" cy="495720"/>
+            <a:ext cx="10354680" cy="495360"/>
           </a:xfrm>
           <a:prstGeom prst="rect">
             <a:avLst/>
@@ -30690,7 +30708,7 @@
         <p:spPr>
           <a:xfrm>
             <a:off x="542880" y="1267200"/>
-            <a:ext cx="10355040" cy="495720"/>
+            <a:ext cx="10354680" cy="495360"/>
           </a:xfrm>
           <a:prstGeom prst="rect">
             <a:avLst/>
@@ -30744,7 +30762,7 @@
         <p:spPr>
           <a:xfrm>
             <a:off x="451800" y="1709280"/>
-            <a:ext cx="8222400" cy="4350600"/>
+            <a:ext cx="8222040" cy="4350240"/>
           </a:xfrm>
           <a:prstGeom prst="rect">
             <a:avLst/>
@@ -30793,7 +30811,7 @@
         <p:spPr>
           <a:xfrm>
             <a:off x="609480" y="1769400"/>
-            <a:ext cx="10585440" cy="4853520"/>
+            <a:ext cx="10585080" cy="4853160"/>
           </a:xfrm>
           <a:prstGeom prst="rect">
             <a:avLst/>
@@ -30903,7 +30921,7 @@
         <p:spPr>
           <a:xfrm>
             <a:off x="542880" y="721800"/>
-            <a:ext cx="10355040" cy="495720"/>
+            <a:ext cx="10354680" cy="495360"/>
           </a:xfrm>
           <a:prstGeom prst="rect">
             <a:avLst/>
@@ -30957,7 +30975,7 @@
         <p:spPr>
           <a:xfrm>
             <a:off x="542880" y="1267200"/>
-            <a:ext cx="10355040" cy="495720"/>
+            <a:ext cx="10354680" cy="495360"/>
           </a:xfrm>
           <a:prstGeom prst="rect">
             <a:avLst/>
@@ -31015,7 +31033,7 @@
         <p:spPr>
           <a:xfrm>
             <a:off x="542880" y="2387520"/>
-            <a:ext cx="10100160" cy="2077560"/>
+            <a:ext cx="10099800" cy="2077200"/>
           </a:xfrm>
           <a:prstGeom prst="rect">
             <a:avLst/>
@@ -31034,7 +31052,7 @@
         <p:spPr>
           <a:xfrm>
             <a:off x="3846240" y="2297880"/>
-            <a:ext cx="1816200" cy="2256480"/>
+            <a:ext cx="1815840" cy="2256120"/>
           </a:xfrm>
           <a:prstGeom prst="frame">
             <a:avLst>
@@ -31070,6 +31088,11 @@
             <a:noAutofit/>
           </a:bodyPr>
           <a:p>
+            <a:pPr>
+              <a:lnSpc>
+                <a:spcPct val="100000"/>
+              </a:lnSpc>
+            </a:pPr>
             <a:endParaRPr b="0" lang="en-US" sz="1800" spc="-1" strike="noStrike">
               <a:solidFill>
                 <a:srgbClr val="000000"/>
@@ -31123,7 +31146,7 @@
         <p:spPr>
           <a:xfrm>
             <a:off x="465840" y="1519200"/>
-            <a:ext cx="10729800" cy="4190760"/>
+            <a:ext cx="10729440" cy="4190400"/>
           </a:xfrm>
           <a:prstGeom prst="rect">
             <a:avLst/>
@@ -31221,7 +31244,7 @@
         <p:spPr>
           <a:xfrm>
             <a:off x="727920" y="2957400"/>
-            <a:ext cx="9222480" cy="1004040"/>
+            <a:ext cx="9222120" cy="1004040"/>
           </a:xfrm>
           <a:prstGeom prst="rect">
             <a:avLst/>
@@ -31281,7 +31304,7 @@
         <p:spPr>
           <a:xfrm>
             <a:off x="711000" y="4102560"/>
-            <a:ext cx="9222480" cy="699120"/>
+            <a:ext cx="9222120" cy="699120"/>
           </a:xfrm>
           <a:prstGeom prst="rect">
             <a:avLst/>
@@ -31351,7 +31374,7 @@
         <p:spPr>
           <a:xfrm>
             <a:off x="542880" y="690480"/>
-            <a:ext cx="10356120" cy="496800"/>
+            <a:ext cx="10355760" cy="496440"/>
           </a:xfrm>
           <a:prstGeom prst="rect">
             <a:avLst/>
@@ -31405,7 +31428,7 @@
         <p:spPr>
           <a:xfrm>
             <a:off x="542880" y="1267200"/>
-            <a:ext cx="10355040" cy="495720"/>
+            <a:ext cx="10354680" cy="495360"/>
           </a:xfrm>
           <a:prstGeom prst="rect">
             <a:avLst/>
@@ -31599,7 +31622,7 @@
         <p:spPr>
           <a:xfrm>
             <a:off x="465840" y="1339200"/>
-            <a:ext cx="11519280" cy="4857480"/>
+            <a:ext cx="11518920" cy="4857120"/>
           </a:xfrm>
           <a:prstGeom prst="rect">
             <a:avLst/>
@@ -31817,7 +31840,7 @@
         <p:spPr>
           <a:xfrm>
             <a:off x="727920" y="3399840"/>
-            <a:ext cx="9222480" cy="699480"/>
+            <a:ext cx="9222120" cy="699480"/>
           </a:xfrm>
           <a:prstGeom prst="rect">
             <a:avLst/>
@@ -31887,7 +31910,7 @@
         <p:spPr>
           <a:xfrm>
             <a:off x="542880" y="690480"/>
-            <a:ext cx="10356120" cy="496800"/>
+            <a:ext cx="10355760" cy="496440"/>
           </a:xfrm>
           <a:prstGeom prst="rect">
             <a:avLst/>
@@ -31941,7 +31964,7 @@
         <p:spPr>
           <a:xfrm>
             <a:off x="542880" y="1267200"/>
-            <a:ext cx="10355040" cy="495720"/>
+            <a:ext cx="10354680" cy="495360"/>
           </a:xfrm>
           <a:prstGeom prst="rect">
             <a:avLst/>
@@ -32025,7 +32048,7 @@
         <p:spPr>
           <a:xfrm>
             <a:off x="335520" y="4406760"/>
-            <a:ext cx="10746720" cy="1355760"/>
+            <a:ext cx="10746360" cy="1355400"/>
           </a:xfrm>
           <a:prstGeom prst="rect">
             <a:avLst/>
@@ -32079,7 +32102,7 @@
         <p:spPr>
           <a:xfrm>
             <a:off x="335520" y="2906640"/>
-            <a:ext cx="10746720" cy="1493640"/>
+            <a:ext cx="10746360" cy="1493280"/>
           </a:xfrm>
           <a:prstGeom prst="rect">
             <a:avLst/>
@@ -32154,7 +32177,7 @@
         <p:spPr>
           <a:xfrm>
             <a:off x="542880" y="721800"/>
-            <a:ext cx="10355040" cy="495720"/>
+            <a:ext cx="10354680" cy="495360"/>
           </a:xfrm>
           <a:prstGeom prst="rect">
             <a:avLst/>
@@ -32208,7 +32231,7 @@
         <p:spPr>
           <a:xfrm>
             <a:off x="542880" y="1267200"/>
-            <a:ext cx="10355040" cy="495720"/>
+            <a:ext cx="10354680" cy="495360"/>
           </a:xfrm>
           <a:prstGeom prst="rect">
             <a:avLst/>
@@ -32262,7 +32285,7 @@
         <p:spPr>
           <a:xfrm>
             <a:off x="451800" y="1709280"/>
-            <a:ext cx="8222400" cy="4350600"/>
+            <a:ext cx="8222040" cy="4350240"/>
           </a:xfrm>
           <a:prstGeom prst="rect">
             <a:avLst/>
@@ -32311,7 +32334,7 @@
         <p:spPr>
           <a:xfrm>
             <a:off x="609480" y="1769400"/>
-            <a:ext cx="10585440" cy="4853520"/>
+            <a:ext cx="10585080" cy="4853160"/>
           </a:xfrm>
           <a:prstGeom prst="rect">
             <a:avLst/>
@@ -32557,7 +32580,7 @@
         <p:spPr>
           <a:xfrm>
             <a:off x="263520" y="6411600"/>
-            <a:ext cx="10917360" cy="226800"/>
+            <a:ext cx="10917000" cy="226800"/>
           </a:xfrm>
           <a:prstGeom prst="rect">
             <a:avLst/>
@@ -32641,7 +32664,7 @@
         <p:spPr>
           <a:xfrm>
             <a:off x="542880" y="721800"/>
-            <a:ext cx="10355040" cy="495720"/>
+            <a:ext cx="10354680" cy="495360"/>
           </a:xfrm>
           <a:prstGeom prst="rect">
             <a:avLst/>
@@ -32695,7 +32718,7 @@
         <p:spPr>
           <a:xfrm>
             <a:off x="542880" y="1267200"/>
-            <a:ext cx="10355040" cy="495720"/>
+            <a:ext cx="10354680" cy="495360"/>
           </a:xfrm>
           <a:prstGeom prst="rect">
             <a:avLst/>
@@ -32749,7 +32772,7 @@
         <p:spPr>
           <a:xfrm>
             <a:off x="451800" y="1709280"/>
-            <a:ext cx="8222400" cy="4350600"/>
+            <a:ext cx="8222040" cy="4350240"/>
           </a:xfrm>
           <a:prstGeom prst="rect">
             <a:avLst/>
@@ -32798,7 +32821,7 @@
         <p:spPr>
           <a:xfrm>
             <a:off x="609480" y="1769400"/>
-            <a:ext cx="10361160" cy="4627440"/>
+            <a:ext cx="10360800" cy="4627080"/>
           </a:xfrm>
           <a:prstGeom prst="rect">
             <a:avLst/>
@@ -32971,7 +32994,7 @@
         <p:spPr>
           <a:xfrm>
             <a:off x="261720" y="6496920"/>
-            <a:ext cx="10917360" cy="226800"/>
+            <a:ext cx="10917000" cy="226800"/>
           </a:xfrm>
           <a:prstGeom prst="rect">
             <a:avLst/>
@@ -33055,7 +33078,7 @@
         <p:spPr>
           <a:xfrm>
             <a:off x="542880" y="721800"/>
-            <a:ext cx="10355040" cy="495720"/>
+            <a:ext cx="10354680" cy="495360"/>
           </a:xfrm>
           <a:prstGeom prst="rect">
             <a:avLst/>
@@ -33109,7 +33132,7 @@
         <p:spPr>
           <a:xfrm>
             <a:off x="542880" y="1267200"/>
-            <a:ext cx="10355040" cy="495720"/>
+            <a:ext cx="10354680" cy="495360"/>
           </a:xfrm>
           <a:prstGeom prst="rect">
             <a:avLst/>
@@ -33163,7 +33186,7 @@
         <p:spPr>
           <a:xfrm>
             <a:off x="451800" y="1709280"/>
-            <a:ext cx="8222400" cy="4350600"/>
+            <a:ext cx="8222040" cy="4350240"/>
           </a:xfrm>
           <a:prstGeom prst="rect">
             <a:avLst/>
@@ -33212,7 +33235,7 @@
         <p:spPr>
           <a:xfrm>
             <a:off x="609480" y="1769400"/>
-            <a:ext cx="10361160" cy="4627440"/>
+            <a:ext cx="10360800" cy="4627080"/>
           </a:xfrm>
           <a:prstGeom prst="rect">
             <a:avLst/>
@@ -33572,7 +33595,7 @@
         <p:spPr>
           <a:xfrm>
             <a:off x="261720" y="6496920"/>
-            <a:ext cx="10917360" cy="226800"/>
+            <a:ext cx="10917000" cy="226800"/>
           </a:xfrm>
           <a:prstGeom prst="rect">
             <a:avLst/>
@@ -33656,7 +33679,7 @@
         <p:spPr>
           <a:xfrm>
             <a:off x="542880" y="721800"/>
-            <a:ext cx="10355040" cy="495720"/>
+            <a:ext cx="10354680" cy="495360"/>
           </a:xfrm>
           <a:prstGeom prst="rect">
             <a:avLst/>
@@ -33710,7 +33733,7 @@
         <p:spPr>
           <a:xfrm>
             <a:off x="542880" y="1267200"/>
-            <a:ext cx="10355040" cy="495720"/>
+            <a:ext cx="10354680" cy="495360"/>
           </a:xfrm>
           <a:prstGeom prst="rect">
             <a:avLst/>
@@ -33764,7 +33787,7 @@
         <p:spPr>
           <a:xfrm>
             <a:off x="451800" y="1709280"/>
-            <a:ext cx="8222400" cy="4350600"/>
+            <a:ext cx="8222040" cy="4350240"/>
           </a:xfrm>
           <a:prstGeom prst="rect">
             <a:avLst/>
@@ -33813,7 +33836,7 @@
         <p:spPr>
           <a:xfrm>
             <a:off x="609480" y="1766880"/>
-            <a:ext cx="10585440" cy="4853520"/>
+            <a:ext cx="10585080" cy="4853160"/>
           </a:xfrm>
           <a:prstGeom prst="rect">
             <a:avLst/>
@@ -34059,7 +34082,7 @@
         <p:spPr>
           <a:xfrm>
             <a:off x="263520" y="6411600"/>
-            <a:ext cx="10917360" cy="226800"/>
+            <a:ext cx="10917000" cy="226800"/>
           </a:xfrm>
           <a:prstGeom prst="rect">
             <a:avLst/>
@@ -34143,7 +34166,7 @@
         <p:spPr>
           <a:xfrm>
             <a:off x="542880" y="721800"/>
-            <a:ext cx="10355040" cy="495720"/>
+            <a:ext cx="10354680" cy="495360"/>
           </a:xfrm>
           <a:prstGeom prst="rect">
             <a:avLst/>
@@ -34197,7 +34220,7 @@
         <p:spPr>
           <a:xfrm>
             <a:off x="542880" y="1267200"/>
-            <a:ext cx="10355040" cy="495720"/>
+            <a:ext cx="10354680" cy="495360"/>
           </a:xfrm>
           <a:prstGeom prst="rect">
             <a:avLst/>
@@ -34251,7 +34274,7 @@
         <p:spPr>
           <a:xfrm>
             <a:off x="451800" y="1709280"/>
-            <a:ext cx="8222400" cy="4350600"/>
+            <a:ext cx="8222040" cy="4350240"/>
           </a:xfrm>
           <a:prstGeom prst="rect">
             <a:avLst/>
@@ -34300,7 +34323,7 @@
         <p:spPr>
           <a:xfrm>
             <a:off x="609480" y="2286000"/>
-            <a:ext cx="10132560" cy="4112640"/>
+            <a:ext cx="10132200" cy="4112280"/>
           </a:xfrm>
           <a:prstGeom prst="rect">
             <a:avLst/>
@@ -34503,7 +34526,7 @@
         <p:spPr>
           <a:xfrm>
             <a:off x="542880" y="721800"/>
-            <a:ext cx="10355040" cy="495720"/>
+            <a:ext cx="10354680" cy="495360"/>
           </a:xfrm>
           <a:prstGeom prst="rect">
             <a:avLst/>
@@ -34557,7 +34580,7 @@
         <p:spPr>
           <a:xfrm>
             <a:off x="542880" y="1267200"/>
-            <a:ext cx="10355040" cy="495720"/>
+            <a:ext cx="10354680" cy="495360"/>
           </a:xfrm>
           <a:prstGeom prst="rect">
             <a:avLst/>
@@ -34611,7 +34634,7 @@
         <p:spPr>
           <a:xfrm>
             <a:off x="451800" y="1709280"/>
-            <a:ext cx="8222400" cy="4350600"/>
+            <a:ext cx="8222040" cy="4350240"/>
           </a:xfrm>
           <a:prstGeom prst="rect">
             <a:avLst/>
@@ -34656,7 +34679,7 @@
         <p:spPr>
           <a:xfrm>
             <a:off x="613800" y="2286000"/>
-            <a:ext cx="10618560" cy="4112640"/>
+            <a:ext cx="10618200" cy="4112280"/>
           </a:xfrm>
           <a:prstGeom prst="rect">
             <a:avLst/>
@@ -34821,7 +34844,7 @@
         <p:spPr>
           <a:xfrm>
             <a:off x="539640" y="5486400"/>
-            <a:ext cx="10658160" cy="677880"/>
+            <a:ext cx="10657800" cy="677520"/>
           </a:xfrm>
           <a:prstGeom prst="rect">
             <a:avLst/>
@@ -34911,7 +34934,7 @@
         <p:spPr>
           <a:xfrm>
             <a:off x="542880" y="721800"/>
-            <a:ext cx="10355040" cy="495720"/>
+            <a:ext cx="10354680" cy="495360"/>
           </a:xfrm>
           <a:prstGeom prst="rect">
             <a:avLst/>
@@ -34965,7 +34988,7 @@
         <p:spPr>
           <a:xfrm>
             <a:off x="542880" y="1267200"/>
-            <a:ext cx="10355040" cy="495720"/>
+            <a:ext cx="10354680" cy="495360"/>
           </a:xfrm>
           <a:prstGeom prst="rect">
             <a:avLst/>
@@ -35019,7 +35042,7 @@
         <p:spPr>
           <a:xfrm>
             <a:off x="451800" y="1709280"/>
-            <a:ext cx="8222400" cy="4350600"/>
+            <a:ext cx="8222040" cy="4350240"/>
           </a:xfrm>
           <a:prstGeom prst="rect">
             <a:avLst/>
@@ -35068,7 +35091,7 @@
         <p:spPr>
           <a:xfrm>
             <a:off x="609480" y="2286360"/>
-            <a:ext cx="5330520" cy="2968200"/>
+            <a:ext cx="5330160" cy="2967840"/>
           </a:xfrm>
           <a:prstGeom prst="rect">
             <a:avLst/>
@@ -35189,7 +35212,7 @@
         <p:spPr>
           <a:xfrm>
             <a:off x="5973840" y="2286360"/>
-            <a:ext cx="5330520" cy="2968200"/>
+            <a:ext cx="5330160" cy="2967840"/>
           </a:xfrm>
           <a:prstGeom prst="rect">
             <a:avLst/>
@@ -35367,7 +35390,7 @@
         <p:spPr>
           <a:xfrm>
             <a:off x="685800" y="5258160"/>
-            <a:ext cx="10512000" cy="1202040"/>
+            <a:ext cx="10511640" cy="1201680"/>
           </a:xfrm>
           <a:prstGeom prst="rect">
             <a:avLst/>
@@ -35475,7 +35498,7 @@
         <p:spPr>
           <a:xfrm>
             <a:off x="542880" y="721800"/>
-            <a:ext cx="10356120" cy="496800"/>
+            <a:ext cx="10355760" cy="496440"/>
           </a:xfrm>
           <a:prstGeom prst="rect">
             <a:avLst/>
@@ -35529,7 +35552,7 @@
         <p:spPr>
           <a:xfrm>
             <a:off x="542880" y="1267200"/>
-            <a:ext cx="10356120" cy="496800"/>
+            <a:ext cx="10355760" cy="496440"/>
           </a:xfrm>
           <a:prstGeom prst="rect">
             <a:avLst/>
@@ -35583,7 +35606,7 @@
         <p:spPr>
           <a:xfrm>
             <a:off x="451800" y="1709280"/>
-            <a:ext cx="8223480" cy="4351680"/>
+            <a:ext cx="8223120" cy="4351320"/>
           </a:xfrm>
           <a:prstGeom prst="rect">
             <a:avLst/>
@@ -35780,7 +35803,7 @@
         <p:spPr>
           <a:xfrm>
             <a:off x="542880" y="721800"/>
-            <a:ext cx="10355040" cy="495720"/>
+            <a:ext cx="10354680" cy="495360"/>
           </a:xfrm>
           <a:prstGeom prst="rect">
             <a:avLst/>
@@ -35834,7 +35857,7 @@
         <p:spPr>
           <a:xfrm>
             <a:off x="542880" y="1267200"/>
-            <a:ext cx="10355040" cy="495720"/>
+            <a:ext cx="10354680" cy="495360"/>
           </a:xfrm>
           <a:prstGeom prst="rect">
             <a:avLst/>
@@ -35888,7 +35911,7 @@
         <p:spPr>
           <a:xfrm>
             <a:off x="451800" y="1709280"/>
-            <a:ext cx="8222400" cy="4350600"/>
+            <a:ext cx="8222040" cy="4350240"/>
           </a:xfrm>
           <a:prstGeom prst="rect">
             <a:avLst/>
@@ -35937,7 +35960,7 @@
         <p:spPr>
           <a:xfrm>
             <a:off x="609480" y="1769400"/>
-            <a:ext cx="10585440" cy="4853520"/>
+            <a:ext cx="10585080" cy="4853160"/>
           </a:xfrm>
           <a:prstGeom prst="rect">
             <a:avLst/>
@@ -36239,7 +36262,7 @@
         <p:spPr>
           <a:xfrm>
             <a:off x="542880" y="721800"/>
-            <a:ext cx="10355040" cy="495720"/>
+            <a:ext cx="10354680" cy="495360"/>
           </a:xfrm>
           <a:prstGeom prst="rect">
             <a:avLst/>
@@ -36293,7 +36316,7 @@
         <p:spPr>
           <a:xfrm>
             <a:off x="542880" y="1267200"/>
-            <a:ext cx="10355040" cy="495720"/>
+            <a:ext cx="10354680" cy="495360"/>
           </a:xfrm>
           <a:prstGeom prst="rect">
             <a:avLst/>
@@ -36347,7 +36370,7 @@
         <p:spPr>
           <a:xfrm>
             <a:off x="451800" y="1709280"/>
-            <a:ext cx="8222400" cy="4350600"/>
+            <a:ext cx="8222040" cy="4350240"/>
           </a:xfrm>
           <a:prstGeom prst="rect">
             <a:avLst/>
@@ -36396,7 +36419,7 @@
         <p:spPr>
           <a:xfrm>
             <a:off x="609480" y="1769400"/>
-            <a:ext cx="10585440" cy="4853520"/>
+            <a:ext cx="10585080" cy="4853160"/>
           </a:xfrm>
           <a:prstGeom prst="rect">
             <a:avLst/>
@@ -36643,7 +36666,7 @@
         <p:spPr>
           <a:xfrm>
             <a:off x="542880" y="721800"/>
-            <a:ext cx="10355040" cy="495720"/>
+            <a:ext cx="10354680" cy="495360"/>
           </a:xfrm>
           <a:prstGeom prst="rect">
             <a:avLst/>
@@ -36697,7 +36720,7 @@
         <p:spPr>
           <a:xfrm>
             <a:off x="542880" y="1267200"/>
-            <a:ext cx="10355040" cy="495720"/>
+            <a:ext cx="10354680" cy="495360"/>
           </a:xfrm>
           <a:prstGeom prst="rect">
             <a:avLst/>
@@ -36751,7 +36774,7 @@
         <p:spPr>
           <a:xfrm>
             <a:off x="451800" y="1709280"/>
-            <a:ext cx="8222400" cy="4350600"/>
+            <a:ext cx="8222040" cy="4350240"/>
           </a:xfrm>
           <a:prstGeom prst="rect">
             <a:avLst/>
@@ -36800,7 +36823,7 @@
         <p:spPr>
           <a:xfrm>
             <a:off x="609480" y="1769400"/>
-            <a:ext cx="10585440" cy="4853520"/>
+            <a:ext cx="10585080" cy="4853160"/>
           </a:xfrm>
           <a:prstGeom prst="rect">
             <a:avLst/>
@@ -37090,7 +37113,7 @@
         <p:spPr>
           <a:xfrm>
             <a:off x="542880" y="721800"/>
-            <a:ext cx="10355040" cy="495720"/>
+            <a:ext cx="10354680" cy="495360"/>
           </a:xfrm>
           <a:prstGeom prst="rect">
             <a:avLst/>
@@ -37144,7 +37167,7 @@
         <p:spPr>
           <a:xfrm>
             <a:off x="542880" y="1267200"/>
-            <a:ext cx="10355040" cy="495720"/>
+            <a:ext cx="10354680" cy="495360"/>
           </a:xfrm>
           <a:prstGeom prst="rect">
             <a:avLst/>
@@ -37198,7 +37221,7 @@
         <p:spPr>
           <a:xfrm>
             <a:off x="451800" y="1709280"/>
-            <a:ext cx="8222400" cy="4350600"/>
+            <a:ext cx="8222040" cy="4350240"/>
           </a:xfrm>
           <a:prstGeom prst="rect">
             <a:avLst/>
@@ -37247,7 +37270,7 @@
         <p:spPr>
           <a:xfrm>
             <a:off x="609480" y="1769400"/>
-            <a:ext cx="10585440" cy="4853520"/>
+            <a:ext cx="10585080" cy="4853160"/>
           </a:xfrm>
           <a:prstGeom prst="rect">
             <a:avLst/>
@@ -37622,7 +37645,7 @@
         <p:spPr>
           <a:xfrm>
             <a:off x="542880" y="721800"/>
-            <a:ext cx="10355040" cy="495720"/>
+            <a:ext cx="10354680" cy="495360"/>
           </a:xfrm>
           <a:prstGeom prst="rect">
             <a:avLst/>
@@ -37676,7 +37699,7 @@
         <p:spPr>
           <a:xfrm>
             <a:off x="542880" y="1267200"/>
-            <a:ext cx="10355040" cy="495720"/>
+            <a:ext cx="10354680" cy="495360"/>
           </a:xfrm>
           <a:prstGeom prst="rect">
             <a:avLst/>
@@ -37730,7 +37753,7 @@
         <p:spPr>
           <a:xfrm>
             <a:off x="451800" y="1709280"/>
-            <a:ext cx="8222400" cy="4350600"/>
+            <a:ext cx="8222040" cy="4350240"/>
           </a:xfrm>
           <a:prstGeom prst="rect">
             <a:avLst/>
@@ -37779,7 +37802,7 @@
         <p:spPr>
           <a:xfrm>
             <a:off x="609480" y="1769400"/>
-            <a:ext cx="10585440" cy="4853520"/>
+            <a:ext cx="10585080" cy="4853160"/>
           </a:xfrm>
           <a:prstGeom prst="rect">
             <a:avLst/>
@@ -38182,7 +38205,7 @@
         <p:spPr>
           <a:xfrm>
             <a:off x="542880" y="721800"/>
-            <a:ext cx="10355040" cy="495720"/>
+            <a:ext cx="10354680" cy="495360"/>
           </a:xfrm>
           <a:prstGeom prst="rect">
             <a:avLst/>
@@ -38236,7 +38259,7 @@
         <p:spPr>
           <a:xfrm>
             <a:off x="542880" y="1267200"/>
-            <a:ext cx="10355040" cy="495720"/>
+            <a:ext cx="10354680" cy="495360"/>
           </a:xfrm>
           <a:prstGeom prst="rect">
             <a:avLst/>
@@ -38290,7 +38313,7 @@
         <p:spPr>
           <a:xfrm>
             <a:off x="451800" y="1709280"/>
-            <a:ext cx="8222400" cy="4350600"/>
+            <a:ext cx="8222040" cy="4350240"/>
           </a:xfrm>
           <a:prstGeom prst="rect">
             <a:avLst/>
@@ -38339,7 +38362,7 @@
         <p:spPr>
           <a:xfrm>
             <a:off x="609480" y="1769400"/>
-            <a:ext cx="10585440" cy="4853520"/>
+            <a:ext cx="10585080" cy="4853160"/>
           </a:xfrm>
           <a:prstGeom prst="rect">
             <a:avLst/>
@@ -38650,7 +38673,7 @@
         <p:spPr>
           <a:xfrm>
             <a:off x="542880" y="721800"/>
-            <a:ext cx="10355040" cy="495720"/>
+            <a:ext cx="10354680" cy="495360"/>
           </a:xfrm>
           <a:prstGeom prst="rect">
             <a:avLst/>
@@ -38704,7 +38727,7 @@
         <p:spPr>
           <a:xfrm>
             <a:off x="542880" y="1267200"/>
-            <a:ext cx="10355040" cy="495720"/>
+            <a:ext cx="10354680" cy="495360"/>
           </a:xfrm>
           <a:prstGeom prst="rect">
             <a:avLst/>
@@ -38758,7 +38781,7 @@
         <p:spPr>
           <a:xfrm>
             <a:off x="451800" y="1709280"/>
-            <a:ext cx="8222400" cy="4350600"/>
+            <a:ext cx="8222040" cy="4350240"/>
           </a:xfrm>
           <a:prstGeom prst="rect">
             <a:avLst/>
@@ -38807,7 +38830,7 @@
         <p:spPr>
           <a:xfrm>
             <a:off x="609480" y="1769400"/>
-            <a:ext cx="10585440" cy="4853520"/>
+            <a:ext cx="10585080" cy="4853160"/>
           </a:xfrm>
           <a:prstGeom prst="rect">
             <a:avLst/>
@@ -39189,7 +39212,7 @@
         <p:spPr>
           <a:xfrm>
             <a:off x="9950040" y="915480"/>
-            <a:ext cx="515880" cy="495720"/>
+            <a:ext cx="515520" cy="495360"/>
           </a:xfrm>
           <a:prstGeom prst="star5">
             <a:avLst>
@@ -39280,7 +39303,7 @@
         <p:spPr>
           <a:xfrm>
             <a:off x="542880" y="721800"/>
-            <a:ext cx="10355040" cy="495720"/>
+            <a:ext cx="10354680" cy="495360"/>
           </a:xfrm>
           <a:prstGeom prst="rect">
             <a:avLst/>
@@ -39334,7 +39357,7 @@
         <p:spPr>
           <a:xfrm>
             <a:off x="542880" y="1267200"/>
-            <a:ext cx="10355040" cy="495720"/>
+            <a:ext cx="10354680" cy="495360"/>
           </a:xfrm>
           <a:prstGeom prst="rect">
             <a:avLst/>
@@ -39388,7 +39411,7 @@
         <p:spPr>
           <a:xfrm>
             <a:off x="451800" y="1709280"/>
-            <a:ext cx="8222400" cy="4350600"/>
+            <a:ext cx="8222040" cy="4350240"/>
           </a:xfrm>
           <a:prstGeom prst="rect">
             <a:avLst/>
@@ -39437,7 +39460,7 @@
         <p:spPr>
           <a:xfrm>
             <a:off x="609480" y="1769400"/>
-            <a:ext cx="10585440" cy="4853520"/>
+            <a:ext cx="10585080" cy="4853160"/>
           </a:xfrm>
           <a:prstGeom prst="rect">
             <a:avLst/>
@@ -39651,7 +39674,7 @@
         <p:spPr>
           <a:xfrm>
             <a:off x="9950040" y="935640"/>
-            <a:ext cx="515880" cy="495720"/>
+            <a:ext cx="515520" cy="495360"/>
           </a:xfrm>
           <a:prstGeom prst="star5">
             <a:avLst>
@@ -39742,7 +39765,7 @@
         <p:spPr>
           <a:xfrm>
             <a:off x="542880" y="721800"/>
-            <a:ext cx="10355040" cy="495720"/>
+            <a:ext cx="10354680" cy="495360"/>
           </a:xfrm>
           <a:prstGeom prst="rect">
             <a:avLst/>
@@ -39796,7 +39819,7 @@
         <p:spPr>
           <a:xfrm>
             <a:off x="542880" y="1267200"/>
-            <a:ext cx="10355040" cy="495720"/>
+            <a:ext cx="10354680" cy="495360"/>
           </a:xfrm>
           <a:prstGeom prst="rect">
             <a:avLst/>
@@ -39850,7 +39873,7 @@
         <p:spPr>
           <a:xfrm>
             <a:off x="451800" y="1709280"/>
-            <a:ext cx="8222400" cy="4350600"/>
+            <a:ext cx="8222040" cy="4350240"/>
           </a:xfrm>
           <a:prstGeom prst="rect">
             <a:avLst/>
@@ -39899,7 +39922,7 @@
         <p:spPr>
           <a:xfrm>
             <a:off x="609480" y="1769400"/>
-            <a:ext cx="10585440" cy="4853520"/>
+            <a:ext cx="10585080" cy="4853160"/>
           </a:xfrm>
           <a:prstGeom prst="rect">
             <a:avLst/>
@@ -40168,7 +40191,7 @@
         <p:spPr>
           <a:xfrm>
             <a:off x="9950040" y="915480"/>
-            <a:ext cx="515880" cy="495720"/>
+            <a:ext cx="515520" cy="495360"/>
           </a:xfrm>
           <a:prstGeom prst="star5">
             <a:avLst>
@@ -40259,7 +40282,7 @@
         <p:spPr>
           <a:xfrm>
             <a:off x="542880" y="721800"/>
-            <a:ext cx="10355040" cy="495720"/>
+            <a:ext cx="10354680" cy="495360"/>
           </a:xfrm>
           <a:prstGeom prst="rect">
             <a:avLst/>
@@ -40313,7 +40336,7 @@
         <p:spPr>
           <a:xfrm>
             <a:off x="542880" y="1267200"/>
-            <a:ext cx="10355040" cy="495720"/>
+            <a:ext cx="10354680" cy="495360"/>
           </a:xfrm>
           <a:prstGeom prst="rect">
             <a:avLst/>
@@ -40367,7 +40390,7 @@
         <p:spPr>
           <a:xfrm>
             <a:off x="451800" y="1709280"/>
-            <a:ext cx="8222400" cy="4350600"/>
+            <a:ext cx="8222040" cy="4350240"/>
           </a:xfrm>
           <a:prstGeom prst="rect">
             <a:avLst/>
@@ -40416,7 +40439,7 @@
         <p:spPr>
           <a:xfrm>
             <a:off x="609480" y="1769400"/>
-            <a:ext cx="10585440" cy="4853520"/>
+            <a:ext cx="10585080" cy="4853160"/>
           </a:xfrm>
           <a:prstGeom prst="rect">
             <a:avLst/>
@@ -40631,7 +40654,7 @@
         <p:spPr>
           <a:xfrm>
             <a:off x="609480" y="3384720"/>
-            <a:ext cx="10578240" cy="1622880"/>
+            <a:ext cx="10577880" cy="1622520"/>
           </a:xfrm>
           <a:prstGeom prst="roundRect">
             <a:avLst>
@@ -40712,7 +40735,7 @@
         <p:spPr>
           <a:xfrm>
             <a:off x="263520" y="6411600"/>
-            <a:ext cx="10917360" cy="226800"/>
+            <a:ext cx="10917000" cy="226800"/>
           </a:xfrm>
           <a:prstGeom prst="rect">
             <a:avLst/>
@@ -40776,7 +40799,7 @@
         <p:spPr>
           <a:xfrm>
             <a:off x="9950040" y="915480"/>
-            <a:ext cx="515880" cy="495720"/>
+            <a:ext cx="515520" cy="495360"/>
           </a:xfrm>
           <a:prstGeom prst="star5">
             <a:avLst>
@@ -40867,7 +40890,7 @@
         <p:spPr>
           <a:xfrm>
             <a:off x="335520" y="4406760"/>
-            <a:ext cx="10746720" cy="1355760"/>
+            <a:ext cx="10746360" cy="1355400"/>
           </a:xfrm>
           <a:prstGeom prst="rect">
             <a:avLst/>
@@ -40921,7 +40944,7 @@
         <p:spPr>
           <a:xfrm>
             <a:off x="335520" y="2906640"/>
-            <a:ext cx="10746720" cy="1493640"/>
+            <a:ext cx="10746360" cy="1493280"/>
           </a:xfrm>
           <a:prstGeom prst="rect">
             <a:avLst/>
@@ -40996,7 +41019,7 @@
         <p:spPr>
           <a:xfrm>
             <a:off x="542880" y="721800"/>
-            <a:ext cx="10355040" cy="495720"/>
+            <a:ext cx="10354680" cy="495360"/>
           </a:xfrm>
           <a:prstGeom prst="rect">
             <a:avLst/>
@@ -41050,7 +41073,7 @@
         <p:spPr>
           <a:xfrm>
             <a:off x="542880" y="1267200"/>
-            <a:ext cx="10355040" cy="495720"/>
+            <a:ext cx="10354680" cy="495360"/>
           </a:xfrm>
           <a:prstGeom prst="rect">
             <a:avLst/>
@@ -41104,7 +41127,7 @@
         <p:spPr>
           <a:xfrm>
             <a:off x="451800" y="1709280"/>
-            <a:ext cx="8222400" cy="4350600"/>
+            <a:ext cx="8222040" cy="4350240"/>
           </a:xfrm>
           <a:prstGeom prst="rect">
             <a:avLst/>
@@ -41153,7 +41176,7 @@
         <p:spPr>
           <a:xfrm>
             <a:off x="609480" y="1769400"/>
-            <a:ext cx="10585440" cy="4853520"/>
+            <a:ext cx="10585080" cy="4853160"/>
           </a:xfrm>
           <a:prstGeom prst="rect">
             <a:avLst/>
@@ -41402,7 +41425,7 @@
         <p:spPr>
           <a:xfrm>
             <a:off x="9950040" y="915480"/>
-            <a:ext cx="515880" cy="495720"/>
+            <a:ext cx="515520" cy="495360"/>
           </a:xfrm>
           <a:prstGeom prst="star5">
             <a:avLst>
@@ -41493,7 +41516,7 @@
         <p:spPr>
           <a:xfrm>
             <a:off x="542880" y="721800"/>
-            <a:ext cx="10355040" cy="495720"/>
+            <a:ext cx="10354680" cy="495360"/>
           </a:xfrm>
           <a:prstGeom prst="rect">
             <a:avLst/>
@@ -41547,7 +41570,7 @@
         <p:spPr>
           <a:xfrm>
             <a:off x="542880" y="1267200"/>
-            <a:ext cx="10355040" cy="495720"/>
+            <a:ext cx="10354680" cy="495360"/>
           </a:xfrm>
           <a:prstGeom prst="rect">
             <a:avLst/>
@@ -41601,7 +41624,7 @@
         <p:spPr>
           <a:xfrm>
             <a:off x="451800" y="1709280"/>
-            <a:ext cx="8222400" cy="4350600"/>
+            <a:ext cx="8222040" cy="4350240"/>
           </a:xfrm>
           <a:prstGeom prst="rect">
             <a:avLst/>
@@ -41650,7 +41673,7 @@
         <p:spPr>
           <a:xfrm>
             <a:off x="609480" y="1769400"/>
-            <a:ext cx="10585440" cy="4853520"/>
+            <a:ext cx="10585080" cy="4853160"/>
           </a:xfrm>
           <a:prstGeom prst="rect">
             <a:avLst/>
@@ -41995,7 +42018,7 @@
         <p:spPr>
           <a:xfrm>
             <a:off x="9950040" y="915480"/>
-            <a:ext cx="515880" cy="495720"/>
+            <a:ext cx="515520" cy="495360"/>
           </a:xfrm>
           <a:prstGeom prst="star5">
             <a:avLst>
@@ -42086,7 +42109,7 @@
         <p:spPr>
           <a:xfrm>
             <a:off x="542880" y="721800"/>
-            <a:ext cx="10355040" cy="495720"/>
+            <a:ext cx="10354680" cy="495360"/>
           </a:xfrm>
           <a:prstGeom prst="rect">
             <a:avLst/>
@@ -42140,7 +42163,7 @@
         <p:spPr>
           <a:xfrm>
             <a:off x="542880" y="1267200"/>
-            <a:ext cx="10355040" cy="495720"/>
+            <a:ext cx="10354680" cy="495360"/>
           </a:xfrm>
           <a:prstGeom prst="rect">
             <a:avLst/>
@@ -42194,7 +42217,7 @@
         <p:spPr>
           <a:xfrm>
             <a:off x="451800" y="1709280"/>
-            <a:ext cx="8222400" cy="4350600"/>
+            <a:ext cx="8222040" cy="4350240"/>
           </a:xfrm>
           <a:prstGeom prst="rect">
             <a:avLst/>
@@ -42243,7 +42266,7 @@
         <p:spPr>
           <a:xfrm>
             <a:off x="609480" y="1769400"/>
-            <a:ext cx="10585440" cy="4853520"/>
+            <a:ext cx="10585080" cy="4853160"/>
           </a:xfrm>
           <a:prstGeom prst="rect">
             <a:avLst/>
@@ -42588,7 +42611,7 @@
         <p:spPr>
           <a:xfrm>
             <a:off x="9950040" y="915480"/>
-            <a:ext cx="515880" cy="495720"/>
+            <a:ext cx="515520" cy="495360"/>
           </a:xfrm>
           <a:prstGeom prst="star5">
             <a:avLst>
@@ -42679,7 +42702,7 @@
         <p:spPr>
           <a:xfrm>
             <a:off x="542880" y="721800"/>
-            <a:ext cx="10355040" cy="495720"/>
+            <a:ext cx="10354680" cy="495360"/>
           </a:xfrm>
           <a:prstGeom prst="rect">
             <a:avLst/>
@@ -42733,7 +42756,7 @@
         <p:spPr>
           <a:xfrm>
             <a:off x="542880" y="1267200"/>
-            <a:ext cx="10355040" cy="495720"/>
+            <a:ext cx="10354680" cy="495360"/>
           </a:xfrm>
           <a:prstGeom prst="rect">
             <a:avLst/>
@@ -42787,7 +42810,7 @@
         <p:spPr>
           <a:xfrm>
             <a:off x="451800" y="1709280"/>
-            <a:ext cx="8222400" cy="4350600"/>
+            <a:ext cx="8222040" cy="4350240"/>
           </a:xfrm>
           <a:prstGeom prst="rect">
             <a:avLst/>
@@ -42836,7 +42859,7 @@
         <p:spPr>
           <a:xfrm>
             <a:off x="609480" y="1769400"/>
-            <a:ext cx="10585440" cy="4853520"/>
+            <a:ext cx="10585080" cy="4853160"/>
           </a:xfrm>
           <a:prstGeom prst="rect">
             <a:avLst/>
@@ -43085,7 +43108,7 @@
         <p:spPr>
           <a:xfrm>
             <a:off x="9950040" y="915480"/>
-            <a:ext cx="515880" cy="495720"/>
+            <a:ext cx="515520" cy="495360"/>
           </a:xfrm>
           <a:prstGeom prst="star5">
             <a:avLst>
@@ -43176,7 +43199,7 @@
         <p:spPr>
           <a:xfrm>
             <a:off x="542880" y="721800"/>
-            <a:ext cx="10355040" cy="495720"/>
+            <a:ext cx="10354680" cy="495360"/>
           </a:xfrm>
           <a:prstGeom prst="rect">
             <a:avLst/>
@@ -43230,7 +43253,7 @@
         <p:spPr>
           <a:xfrm>
             <a:off x="542880" y="1267200"/>
-            <a:ext cx="10355040" cy="495720"/>
+            <a:ext cx="10354680" cy="495360"/>
           </a:xfrm>
           <a:prstGeom prst="rect">
             <a:avLst/>
@@ -43284,7 +43307,7 @@
         <p:spPr>
           <a:xfrm>
             <a:off x="451800" y="1709280"/>
-            <a:ext cx="8222400" cy="4350600"/>
+            <a:ext cx="8222040" cy="4350240"/>
           </a:xfrm>
           <a:prstGeom prst="rect">
             <a:avLst/>
@@ -43333,7 +43356,7 @@
         <p:spPr>
           <a:xfrm>
             <a:off x="609480" y="1769400"/>
-            <a:ext cx="10585440" cy="4853520"/>
+            <a:ext cx="10585080" cy="4853160"/>
           </a:xfrm>
           <a:prstGeom prst="rect">
             <a:avLst/>
@@ -43468,7 +43491,7 @@
         <p:spPr>
           <a:xfrm>
             <a:off x="9950040" y="915480"/>
-            <a:ext cx="515880" cy="495720"/>
+            <a:ext cx="515520" cy="495360"/>
           </a:xfrm>
           <a:prstGeom prst="star5">
             <a:avLst>
@@ -43573,21 +43596,25 @@
                       <a:solidFill>
                         <a:srgbClr val="ffffff"/>
                       </a:solidFill>
+                      <a:prstDash val="solid"/>
                     </a:lnL>
                     <a:lnR w="720">
                       <a:solidFill>
                         <a:srgbClr val="ffffff"/>
                       </a:solidFill>
+                      <a:prstDash val="solid"/>
                     </a:lnR>
                     <a:lnT w="720">
                       <a:solidFill>
                         <a:srgbClr val="ffffff"/>
                       </a:solidFill>
+                      <a:prstDash val="solid"/>
                     </a:lnT>
                     <a:lnB w="720">
                       <a:solidFill>
                         <a:srgbClr val="ffffff"/>
                       </a:solidFill>
+                      <a:prstDash val="solid"/>
                     </a:lnB>
                     <a:solidFill>
                       <a:srgbClr val="b3b3b3"/>
@@ -43628,21 +43655,25 @@
                       <a:solidFill>
                         <a:srgbClr val="ffffff"/>
                       </a:solidFill>
+                      <a:prstDash val="solid"/>
                     </a:lnL>
                     <a:lnR w="720">
                       <a:solidFill>
                         <a:srgbClr val="ffffff"/>
                       </a:solidFill>
+                      <a:prstDash val="solid"/>
                     </a:lnR>
                     <a:lnT w="720">
                       <a:solidFill>
                         <a:srgbClr val="ffffff"/>
                       </a:solidFill>
+                      <a:prstDash val="solid"/>
                     </a:lnT>
                     <a:lnB w="720">
                       <a:solidFill>
                         <a:srgbClr val="ffffff"/>
                       </a:solidFill>
+                      <a:prstDash val="solid"/>
                     </a:lnB>
                     <a:solidFill>
                       <a:srgbClr val="b3b3b3"/>
@@ -43685,21 +43716,25 @@
                       <a:solidFill>
                         <a:srgbClr val="ffffff"/>
                       </a:solidFill>
+                      <a:prstDash val="solid"/>
                     </a:lnL>
                     <a:lnR w="720">
                       <a:solidFill>
                         <a:srgbClr val="ffffff"/>
                       </a:solidFill>
+                      <a:prstDash val="solid"/>
                     </a:lnR>
                     <a:lnT w="720">
                       <a:solidFill>
                         <a:srgbClr val="ffffff"/>
                       </a:solidFill>
+                      <a:prstDash val="solid"/>
                     </a:lnT>
                     <a:lnB w="720">
                       <a:solidFill>
                         <a:srgbClr val="ffffff"/>
                       </a:solidFill>
+                      <a:prstDash val="solid"/>
                     </a:lnB>
                     <a:solidFill>
                       <a:srgbClr val="cccccc"/>
@@ -43740,21 +43775,25 @@
                       <a:solidFill>
                         <a:srgbClr val="ffffff"/>
                       </a:solidFill>
+                      <a:prstDash val="solid"/>
                     </a:lnL>
                     <a:lnR w="720">
                       <a:solidFill>
                         <a:srgbClr val="ffffff"/>
                       </a:solidFill>
+                      <a:prstDash val="solid"/>
                     </a:lnR>
                     <a:lnT w="720">
                       <a:solidFill>
                         <a:srgbClr val="ffffff"/>
                       </a:solidFill>
+                      <a:prstDash val="solid"/>
                     </a:lnT>
                     <a:lnB w="720">
                       <a:solidFill>
                         <a:srgbClr val="ffffff"/>
                       </a:solidFill>
+                      <a:prstDash val="solid"/>
                     </a:lnB>
                     <a:solidFill>
                       <a:srgbClr val="cccccc"/>
@@ -43797,21 +43836,25 @@
                       <a:solidFill>
                         <a:srgbClr val="ffffff"/>
                       </a:solidFill>
+                      <a:prstDash val="solid"/>
                     </a:lnL>
                     <a:lnR w="720">
                       <a:solidFill>
                         <a:srgbClr val="ffffff"/>
                       </a:solidFill>
+                      <a:prstDash val="solid"/>
                     </a:lnR>
                     <a:lnT w="720">
                       <a:solidFill>
                         <a:srgbClr val="ffffff"/>
                       </a:solidFill>
+                      <a:prstDash val="solid"/>
                     </a:lnT>
                     <a:lnB w="720">
                       <a:solidFill>
                         <a:srgbClr val="ffffff"/>
                       </a:solidFill>
+                      <a:prstDash val="solid"/>
                     </a:lnB>
                     <a:solidFill>
                       <a:srgbClr val="e6e6e6"/>
@@ -43852,21 +43895,25 @@
                       <a:solidFill>
                         <a:srgbClr val="ffffff"/>
                       </a:solidFill>
+                      <a:prstDash val="solid"/>
                     </a:lnL>
                     <a:lnR w="720">
                       <a:solidFill>
                         <a:srgbClr val="ffffff"/>
                       </a:solidFill>
+                      <a:prstDash val="solid"/>
                     </a:lnR>
                     <a:lnT w="720">
                       <a:solidFill>
                         <a:srgbClr val="ffffff"/>
                       </a:solidFill>
+                      <a:prstDash val="solid"/>
                     </a:lnT>
                     <a:lnB w="720">
                       <a:solidFill>
                         <a:srgbClr val="ffffff"/>
                       </a:solidFill>
+                      <a:prstDash val="solid"/>
                     </a:lnB>
                     <a:solidFill>
                       <a:srgbClr val="e6e6e6"/>
@@ -43909,21 +43956,25 @@
                       <a:solidFill>
                         <a:srgbClr val="ffffff"/>
                       </a:solidFill>
+                      <a:prstDash val="solid"/>
                     </a:lnL>
                     <a:lnR w="720">
                       <a:solidFill>
                         <a:srgbClr val="ffffff"/>
                       </a:solidFill>
+                      <a:prstDash val="solid"/>
                     </a:lnR>
                     <a:lnT w="720">
                       <a:solidFill>
                         <a:srgbClr val="ffffff"/>
                       </a:solidFill>
+                      <a:prstDash val="solid"/>
                     </a:lnT>
                     <a:lnB w="720">
                       <a:solidFill>
                         <a:srgbClr val="ffffff"/>
                       </a:solidFill>
+                      <a:prstDash val="solid"/>
                     </a:lnB>
                     <a:solidFill>
                       <a:srgbClr val="cccccc"/>
@@ -43964,21 +44015,25 @@
                       <a:solidFill>
                         <a:srgbClr val="ffffff"/>
                       </a:solidFill>
+                      <a:prstDash val="solid"/>
                     </a:lnL>
                     <a:lnR w="720">
                       <a:solidFill>
                         <a:srgbClr val="ffffff"/>
                       </a:solidFill>
+                      <a:prstDash val="solid"/>
                     </a:lnR>
                     <a:lnT w="720">
                       <a:solidFill>
                         <a:srgbClr val="ffffff"/>
                       </a:solidFill>
+                      <a:prstDash val="solid"/>
                     </a:lnT>
                     <a:lnB w="720">
                       <a:solidFill>
                         <a:srgbClr val="ffffff"/>
                       </a:solidFill>
+                      <a:prstDash val="solid"/>
                     </a:lnB>
                     <a:solidFill>
                       <a:srgbClr val="cccccc"/>
@@ -44021,21 +44076,25 @@
                       <a:solidFill>
                         <a:srgbClr val="ffffff"/>
                       </a:solidFill>
+                      <a:prstDash val="solid"/>
                     </a:lnL>
                     <a:lnR w="720">
                       <a:solidFill>
                         <a:srgbClr val="ffffff"/>
                       </a:solidFill>
+                      <a:prstDash val="solid"/>
                     </a:lnR>
                     <a:lnT w="720">
                       <a:solidFill>
                         <a:srgbClr val="ffffff"/>
                       </a:solidFill>
+                      <a:prstDash val="solid"/>
                     </a:lnT>
                     <a:lnB w="720">
                       <a:solidFill>
                         <a:srgbClr val="ffffff"/>
                       </a:solidFill>
+                      <a:prstDash val="solid"/>
                     </a:lnB>
                     <a:solidFill>
                       <a:srgbClr val="e6e6e6"/>
@@ -44076,21 +44135,25 @@
                       <a:solidFill>
                         <a:srgbClr val="ffffff"/>
                       </a:solidFill>
+                      <a:prstDash val="solid"/>
                     </a:lnL>
                     <a:lnR w="720">
                       <a:solidFill>
                         <a:srgbClr val="ffffff"/>
                       </a:solidFill>
+                      <a:prstDash val="solid"/>
                     </a:lnR>
                     <a:lnT w="720">
                       <a:solidFill>
                         <a:srgbClr val="ffffff"/>
                       </a:solidFill>
+                      <a:prstDash val="solid"/>
                     </a:lnT>
                     <a:lnB w="720">
                       <a:solidFill>
                         <a:srgbClr val="ffffff"/>
                       </a:solidFill>
+                      <a:prstDash val="solid"/>
                     </a:lnB>
                     <a:solidFill>
                       <a:srgbClr val="e6e6e6"/>
@@ -44141,7 +44204,7 @@
         <p:spPr>
           <a:xfrm>
             <a:off x="542880" y="721800"/>
-            <a:ext cx="10355040" cy="495720"/>
+            <a:ext cx="10354680" cy="495360"/>
           </a:xfrm>
           <a:prstGeom prst="rect">
             <a:avLst/>
@@ -44195,7 +44258,7 @@
         <p:spPr>
           <a:xfrm>
             <a:off x="542880" y="1267200"/>
-            <a:ext cx="10355040" cy="495720"/>
+            <a:ext cx="10354680" cy="495360"/>
           </a:xfrm>
           <a:prstGeom prst="rect">
             <a:avLst/>
@@ -44249,7 +44312,7 @@
         <p:spPr>
           <a:xfrm>
             <a:off x="451800" y="1709280"/>
-            <a:ext cx="8222400" cy="4350600"/>
+            <a:ext cx="8222040" cy="4350240"/>
           </a:xfrm>
           <a:prstGeom prst="rect">
             <a:avLst/>
@@ -44298,7 +44361,7 @@
         <p:spPr>
           <a:xfrm>
             <a:off x="609480" y="1769400"/>
-            <a:ext cx="10585440" cy="4853520"/>
+            <a:ext cx="10585080" cy="4853160"/>
           </a:xfrm>
           <a:prstGeom prst="rect">
             <a:avLst/>
@@ -44611,7 +44674,7 @@
         <p:spPr>
           <a:xfrm>
             <a:off x="9950040" y="915480"/>
-            <a:ext cx="515880" cy="495720"/>
+            <a:ext cx="515520" cy="495360"/>
           </a:xfrm>
           <a:prstGeom prst="star5">
             <a:avLst>
@@ -44702,7 +44765,7 @@
         <p:spPr>
           <a:xfrm>
             <a:off x="335520" y="4406760"/>
-            <a:ext cx="10746720" cy="1355760"/>
+            <a:ext cx="10746360" cy="1355400"/>
           </a:xfrm>
           <a:prstGeom prst="rect">
             <a:avLst/>
@@ -44756,7 +44819,7 @@
         <p:spPr>
           <a:xfrm>
             <a:off x="335520" y="2906640"/>
-            <a:ext cx="10746720" cy="1493640"/>
+            <a:ext cx="10746360" cy="1493280"/>
           </a:xfrm>
           <a:prstGeom prst="rect">
             <a:avLst/>
@@ -44831,7 +44894,7 @@
         <p:spPr>
           <a:xfrm>
             <a:off x="542880" y="721800"/>
-            <a:ext cx="10355040" cy="495720"/>
+            <a:ext cx="10354680" cy="495360"/>
           </a:xfrm>
           <a:prstGeom prst="rect">
             <a:avLst/>
@@ -44885,7 +44948,7 @@
         <p:spPr>
           <a:xfrm>
             <a:off x="542880" y="1267200"/>
-            <a:ext cx="10355040" cy="495720"/>
+            <a:ext cx="10354680" cy="495360"/>
           </a:xfrm>
           <a:prstGeom prst="rect">
             <a:avLst/>
@@ -44939,7 +45002,7 @@
         <p:spPr>
           <a:xfrm>
             <a:off x="451800" y="1709280"/>
-            <a:ext cx="8222400" cy="4350600"/>
+            <a:ext cx="8222040" cy="4350240"/>
           </a:xfrm>
           <a:prstGeom prst="rect">
             <a:avLst/>
@@ -44988,7 +45051,7 @@
         <p:spPr>
           <a:xfrm>
             <a:off x="609480" y="1769400"/>
-            <a:ext cx="10585440" cy="4853520"/>
+            <a:ext cx="10585080" cy="4853160"/>
           </a:xfrm>
           <a:prstGeom prst="rect">
             <a:avLst/>
@@ -45275,7 +45338,7 @@
         <p:spPr>
           <a:xfrm>
             <a:off x="2668680" y="5590800"/>
-            <a:ext cx="6598080" cy="539640"/>
+            <a:ext cx="6597720" cy="539280"/>
           </a:xfrm>
           <a:prstGeom prst="roundRect">
             <a:avLst>
@@ -45370,7 +45433,7 @@
         <p:spPr>
           <a:xfrm>
             <a:off x="542880" y="721800"/>
-            <a:ext cx="10355040" cy="495720"/>
+            <a:ext cx="10354680" cy="495360"/>
           </a:xfrm>
           <a:prstGeom prst="rect">
             <a:avLst/>
@@ -45424,7 +45487,7 @@
         <p:spPr>
           <a:xfrm>
             <a:off x="542880" y="1267200"/>
-            <a:ext cx="10355040" cy="495720"/>
+            <a:ext cx="10354680" cy="495360"/>
           </a:xfrm>
           <a:prstGeom prst="rect">
             <a:avLst/>
@@ -45478,7 +45541,7 @@
         <p:spPr>
           <a:xfrm>
             <a:off x="451800" y="1709280"/>
-            <a:ext cx="8222400" cy="4350600"/>
+            <a:ext cx="8222040" cy="4350240"/>
           </a:xfrm>
           <a:prstGeom prst="rect">
             <a:avLst/>
@@ -45527,7 +45590,7 @@
         <p:spPr>
           <a:xfrm>
             <a:off x="609480" y="1769400"/>
-            <a:ext cx="10585440" cy="4853520"/>
+            <a:ext cx="10585080" cy="4853160"/>
           </a:xfrm>
           <a:prstGeom prst="rect">
             <a:avLst/>
@@ -45809,7 +45872,7 @@
         <p:spPr>
           <a:xfrm>
             <a:off x="542880" y="721800"/>
-            <a:ext cx="10355040" cy="495720"/>
+            <a:ext cx="10354680" cy="495360"/>
           </a:xfrm>
           <a:prstGeom prst="rect">
             <a:avLst/>
@@ -45863,7 +45926,7 @@
         <p:spPr>
           <a:xfrm>
             <a:off x="542880" y="1267200"/>
-            <a:ext cx="10355040" cy="495720"/>
+            <a:ext cx="10354680" cy="495360"/>
           </a:xfrm>
           <a:prstGeom prst="rect">
             <a:avLst/>
@@ -45917,7 +45980,7 @@
         <p:spPr>
           <a:xfrm>
             <a:off x="451800" y="1709280"/>
-            <a:ext cx="8222400" cy="4350600"/>
+            <a:ext cx="8222040" cy="4350240"/>
           </a:xfrm>
           <a:prstGeom prst="rect">
             <a:avLst/>
@@ -45966,7 +46029,7 @@
         <p:spPr>
           <a:xfrm>
             <a:off x="609480" y="1769400"/>
-            <a:ext cx="10585440" cy="4853520"/>
+            <a:ext cx="10585080" cy="4853160"/>
           </a:xfrm>
           <a:prstGeom prst="rect">
             <a:avLst/>
@@ -46149,7 +46212,7 @@
         <p:spPr>
           <a:xfrm>
             <a:off x="542880" y="721800"/>
-            <a:ext cx="10355040" cy="495720"/>
+            <a:ext cx="10354680" cy="495360"/>
           </a:xfrm>
           <a:prstGeom prst="rect">
             <a:avLst/>
@@ -46203,7 +46266,7 @@
         <p:spPr>
           <a:xfrm>
             <a:off x="542880" y="1267200"/>
-            <a:ext cx="10355040" cy="495720"/>
+            <a:ext cx="10354680" cy="495360"/>
           </a:xfrm>
           <a:prstGeom prst="rect">
             <a:avLst/>
@@ -46257,7 +46320,7 @@
         <p:spPr>
           <a:xfrm>
             <a:off x="451800" y="1709280"/>
-            <a:ext cx="8222400" cy="4350600"/>
+            <a:ext cx="8222040" cy="4350240"/>
           </a:xfrm>
           <a:prstGeom prst="rect">
             <a:avLst/>
@@ -46302,7 +46365,7 @@
         <p:spPr>
           <a:xfrm>
             <a:off x="609840" y="2261520"/>
-            <a:ext cx="10585440" cy="3196440"/>
+            <a:ext cx="10585080" cy="3196080"/>
           </a:xfrm>
           <a:prstGeom prst="rect">
             <a:avLst/>
@@ -46736,7 +46799,7 @@
         <p:spPr>
           <a:xfrm>
             <a:off x="542880" y="721800"/>
-            <a:ext cx="10355040" cy="495720"/>
+            <a:ext cx="10354680" cy="495360"/>
           </a:xfrm>
           <a:prstGeom prst="rect">
             <a:avLst/>
@@ -46790,7 +46853,7 @@
         <p:spPr>
           <a:xfrm>
             <a:off x="542880" y="1267200"/>
-            <a:ext cx="10355040" cy="495720"/>
+            <a:ext cx="10354680" cy="495360"/>
           </a:xfrm>
           <a:prstGeom prst="rect">
             <a:avLst/>
@@ -46844,7 +46907,7 @@
         <p:spPr>
           <a:xfrm>
             <a:off x="451800" y="1709280"/>
-            <a:ext cx="8222400" cy="4350600"/>
+            <a:ext cx="8222040" cy="4350240"/>
           </a:xfrm>
           <a:prstGeom prst="rect">
             <a:avLst/>
@@ -46893,7 +46956,7 @@
         <p:spPr>
           <a:xfrm>
             <a:off x="609480" y="1769400"/>
-            <a:ext cx="10585440" cy="4853520"/>
+            <a:ext cx="10585080" cy="4853160"/>
           </a:xfrm>
           <a:prstGeom prst="rect">
             <a:avLst/>
@@ -47172,7 +47235,7 @@
         <p:spPr>
           <a:xfrm>
             <a:off x="542880" y="721800"/>
-            <a:ext cx="10355040" cy="495720"/>
+            <a:ext cx="10354680" cy="495360"/>
           </a:xfrm>
           <a:prstGeom prst="rect">
             <a:avLst/>
@@ -47226,7 +47289,7 @@
         <p:spPr>
           <a:xfrm>
             <a:off x="542880" y="1267200"/>
-            <a:ext cx="10355040" cy="495720"/>
+            <a:ext cx="10354680" cy="495360"/>
           </a:xfrm>
           <a:prstGeom prst="rect">
             <a:avLst/>
@@ -47280,7 +47343,7 @@
         <p:spPr>
           <a:xfrm>
             <a:off x="451800" y="1709280"/>
-            <a:ext cx="8222400" cy="4350600"/>
+            <a:ext cx="8222040" cy="4350240"/>
           </a:xfrm>
           <a:prstGeom prst="rect">
             <a:avLst/>
@@ -47329,7 +47392,7 @@
         <p:spPr>
           <a:xfrm>
             <a:off x="609480" y="1805400"/>
-            <a:ext cx="10132560" cy="4565520"/>
+            <a:ext cx="10132200" cy="4565160"/>
           </a:xfrm>
           <a:prstGeom prst="rect">
             <a:avLst/>
@@ -47514,7 +47577,7 @@
         <p:spPr>
           <a:xfrm>
             <a:off x="9950040" y="915480"/>
-            <a:ext cx="515880" cy="495720"/>
+            <a:ext cx="515520" cy="495360"/>
           </a:xfrm>
           <a:prstGeom prst="star5">
             <a:avLst>
@@ -47605,7 +47668,7 @@
         <p:spPr>
           <a:xfrm>
             <a:off x="542880" y="721800"/>
-            <a:ext cx="10355040" cy="495720"/>
+            <a:ext cx="10354680" cy="495360"/>
           </a:xfrm>
           <a:prstGeom prst="rect">
             <a:avLst/>
@@ -47659,7 +47722,7 @@
         <p:spPr>
           <a:xfrm>
             <a:off x="542880" y="1267200"/>
-            <a:ext cx="10355040" cy="495720"/>
+            <a:ext cx="10354680" cy="495360"/>
           </a:xfrm>
           <a:prstGeom prst="rect">
             <a:avLst/>
@@ -47713,7 +47776,7 @@
         <p:spPr>
           <a:xfrm>
             <a:off x="451800" y="1709280"/>
-            <a:ext cx="8222400" cy="4350600"/>
+            <a:ext cx="8222040" cy="4350240"/>
           </a:xfrm>
           <a:prstGeom prst="rect">
             <a:avLst/>
@@ -47758,7 +47821,7 @@
         <p:spPr>
           <a:xfrm>
             <a:off x="9950040" y="915480"/>
-            <a:ext cx="515880" cy="495720"/>
+            <a:ext cx="515520" cy="495360"/>
           </a:xfrm>
           <a:prstGeom prst="star5">
             <a:avLst>
@@ -47819,7 +47882,7 @@
         <p:spPr>
           <a:xfrm>
             <a:off x="577800" y="2514600"/>
-            <a:ext cx="10392840" cy="3884040"/>
+            <a:ext cx="10392480" cy="3883680"/>
           </a:xfrm>
           <a:prstGeom prst="rect">
             <a:avLst/>
@@ -47837,10 +47900,10 @@
         </p:style>
         <p:txBody>
           <a:bodyPr numCol="2" spcCol="0" lIns="0" rIns="0" tIns="0" bIns="0" anchor="ctr">
-            <a:normAutofit fontScale="74000"/>
-          </a:bodyPr>
-          <a:p>
-            <a:pPr marL="216000" indent="-216000">
+            <a:normAutofit fontScale="76000"/>
+          </a:bodyPr>
+          <a:p>
+            <a:pPr marL="221400" indent="-221400">
               <a:lnSpc>
                 <a:spcPct val="100000"/>
               </a:lnSpc>
@@ -47872,7 +47935,7 @@
             </a:endParaRPr>
           </a:p>
           <a:p>
-            <a:pPr lvl="1" marL="432000" indent="-216000">
+            <a:pPr lvl="1" marL="443160" indent="-221400">
               <a:lnSpc>
                 <a:spcPct val="100000"/>
               </a:lnSpc>
@@ -47904,7 +47967,7 @@
             </a:endParaRPr>
           </a:p>
           <a:p>
-            <a:pPr lvl="2" marL="648000" indent="-216000">
+            <a:pPr lvl="2" marL="665280" indent="-221400">
               <a:lnSpc>
                 <a:spcPct val="100000"/>
               </a:lnSpc>
@@ -47936,7 +47999,7 @@
             </a:endParaRPr>
           </a:p>
           <a:p>
-            <a:pPr lvl="2" marL="648000" indent="-216000">
+            <a:pPr lvl="2" marL="665280" indent="-221400">
               <a:lnSpc>
                 <a:spcPct val="100000"/>
               </a:lnSpc>
@@ -47968,7 +48031,7 @@
             </a:endParaRPr>
           </a:p>
           <a:p>
-            <a:pPr lvl="2" marL="648000" indent="-216000">
+            <a:pPr lvl="2" marL="665280" indent="-221400">
               <a:lnSpc>
                 <a:spcPct val="100000"/>
               </a:lnSpc>
@@ -48000,7 +48063,7 @@
             </a:endParaRPr>
           </a:p>
           <a:p>
-            <a:pPr lvl="2" marL="648000" indent="-216000">
+            <a:pPr lvl="2" marL="665280" indent="-221400">
               <a:lnSpc>
                 <a:spcPct val="100000"/>
               </a:lnSpc>
@@ -48032,7 +48095,7 @@
             </a:endParaRPr>
           </a:p>
           <a:p>
-            <a:pPr lvl="2" marL="648000" indent="-216000">
+            <a:pPr lvl="2" marL="665280" indent="-221400">
               <a:lnSpc>
                 <a:spcPct val="100000"/>
               </a:lnSpc>
@@ -48064,7 +48127,7 @@
             </a:endParaRPr>
           </a:p>
           <a:p>
-            <a:pPr lvl="2" marL="648000" indent="-216000">
+            <a:pPr lvl="2" marL="665280" indent="-221400">
               <a:lnSpc>
                 <a:spcPct val="100000"/>
               </a:lnSpc>
@@ -48096,7 +48159,7 @@
             </a:endParaRPr>
           </a:p>
           <a:p>
-            <a:pPr lvl="2" marL="648000" indent="-216000">
+            <a:pPr lvl="2" marL="665280" indent="-221400">
               <a:lnSpc>
                 <a:spcPct val="100000"/>
               </a:lnSpc>
@@ -48128,7 +48191,7 @@
             </a:endParaRPr>
           </a:p>
           <a:p>
-            <a:pPr lvl="2" marL="648000" indent="-216000">
+            <a:pPr lvl="2" marL="665280" indent="-221400">
               <a:lnSpc>
                 <a:spcPct val="100000"/>
               </a:lnSpc>
@@ -48208,7 +48271,7 @@
             </a:endParaRPr>
           </a:p>
           <a:p>
-            <a:pPr lvl="1" marL="432000" indent="-216000">
+            <a:pPr lvl="1" marL="443160" indent="-221400">
               <a:lnSpc>
                 <a:spcPct val="100000"/>
               </a:lnSpc>
@@ -48240,7 +48303,7 @@
             </a:endParaRPr>
           </a:p>
           <a:p>
-            <a:pPr lvl="2" marL="648000" indent="-216000">
+            <a:pPr lvl="2" marL="665280" indent="-221400">
               <a:lnSpc>
                 <a:spcPct val="100000"/>
               </a:lnSpc>
@@ -48272,7 +48335,7 @@
             </a:endParaRPr>
           </a:p>
           <a:p>
-            <a:pPr lvl="2" marL="648000" indent="-216000">
+            <a:pPr lvl="2" marL="665280" indent="-221400">
               <a:lnSpc>
                 <a:spcPct val="100000"/>
               </a:lnSpc>
@@ -48344,7 +48407,7 @@
         <p:spPr>
           <a:xfrm>
             <a:off x="542880" y="721800"/>
-            <a:ext cx="10355040" cy="495720"/>
+            <a:ext cx="10354680" cy="495360"/>
           </a:xfrm>
           <a:prstGeom prst="rect">
             <a:avLst/>
@@ -48398,7 +48461,7 @@
         <p:spPr>
           <a:xfrm>
             <a:off x="542880" y="1267200"/>
-            <a:ext cx="10355040" cy="495720"/>
+            <a:ext cx="10354680" cy="495360"/>
           </a:xfrm>
           <a:prstGeom prst="rect">
             <a:avLst/>
@@ -48452,7 +48515,7 @@
         <p:spPr>
           <a:xfrm>
             <a:off x="451800" y="1709280"/>
-            <a:ext cx="8222400" cy="4350600"/>
+            <a:ext cx="8222040" cy="4350240"/>
           </a:xfrm>
           <a:prstGeom prst="rect">
             <a:avLst/>
@@ -48497,7 +48560,7 @@
         <p:spPr>
           <a:xfrm>
             <a:off x="9950040" y="915480"/>
-            <a:ext cx="515880" cy="495720"/>
+            <a:ext cx="515520" cy="495360"/>
           </a:xfrm>
           <a:prstGeom prst="star5">
             <a:avLst>
@@ -48558,7 +48621,7 @@
         <p:spPr>
           <a:xfrm>
             <a:off x="575640" y="1758600"/>
-            <a:ext cx="10969920" cy="4151520"/>
+            <a:ext cx="10969560" cy="4151160"/>
           </a:xfrm>
           <a:prstGeom prst="rect">
             <a:avLst/>
@@ -48813,7 +48876,7 @@
         <p:spPr>
           <a:xfrm>
             <a:off x="5879880" y="1801800"/>
-            <a:ext cx="4971960" cy="4612320"/>
+            <a:ext cx="4971600" cy="4611960"/>
           </a:xfrm>
           <a:prstGeom prst="rect">
             <a:avLst/>
@@ -49146,7 +49209,7 @@
         <p:spPr>
           <a:xfrm>
             <a:off x="542880" y="721800"/>
-            <a:ext cx="10355040" cy="495720"/>
+            <a:ext cx="10354680" cy="495360"/>
           </a:xfrm>
           <a:prstGeom prst="rect">
             <a:avLst/>
@@ -49200,7 +49263,7 @@
         <p:spPr>
           <a:xfrm>
             <a:off x="542880" y="1267200"/>
-            <a:ext cx="10355040" cy="495720"/>
+            <a:ext cx="10354680" cy="495360"/>
           </a:xfrm>
           <a:prstGeom prst="rect">
             <a:avLst/>
@@ -49254,7 +49317,7 @@
         <p:spPr>
           <a:xfrm>
             <a:off x="451800" y="1709280"/>
-            <a:ext cx="8222400" cy="4350600"/>
+            <a:ext cx="8222040" cy="4350240"/>
           </a:xfrm>
           <a:prstGeom prst="rect">
             <a:avLst/>
@@ -49303,7 +49366,7 @@
         <p:spPr>
           <a:xfrm>
             <a:off x="609480" y="1769400"/>
-            <a:ext cx="4640760" cy="4853520"/>
+            <a:ext cx="4640400" cy="4853160"/>
           </a:xfrm>
           <a:prstGeom prst="rect">
             <a:avLst/>
@@ -49315,10 +49378,10 @@
         </p:spPr>
         <p:txBody>
           <a:bodyPr lIns="0" rIns="0" tIns="0" bIns="0" anchor="ctr">
-            <a:normAutofit fontScale="78000"/>
-          </a:bodyPr>
-          <a:p>
-            <a:pPr marL="216000" indent="-216000">
+            <a:normAutofit fontScale="80000"/>
+          </a:bodyPr>
+          <a:p>
+            <a:pPr marL="221400" indent="-221400">
               <a:lnSpc>
                 <a:spcPct val="100000"/>
               </a:lnSpc>
@@ -49350,7 +49413,7 @@
             </a:endParaRPr>
           </a:p>
           <a:p>
-            <a:pPr lvl="1" marL="432000" indent="-216000">
+            <a:pPr lvl="1" marL="442800" indent="-221400">
               <a:lnSpc>
                 <a:spcPct val="100000"/>
               </a:lnSpc>
@@ -49382,7 +49445,7 @@
             </a:endParaRPr>
           </a:p>
           <a:p>
-            <a:pPr lvl="1" marL="432000" indent="-216000">
+            <a:pPr lvl="1" marL="442800" indent="-221400">
               <a:lnSpc>
                 <a:spcPct val="100000"/>
               </a:lnSpc>
@@ -49414,7 +49477,7 @@
             </a:endParaRPr>
           </a:p>
           <a:p>
-            <a:pPr lvl="1" marL="432000" indent="-216000">
+            <a:pPr lvl="1" marL="442800" indent="-221400">
               <a:lnSpc>
                 <a:spcPct val="100000"/>
               </a:lnSpc>
@@ -49446,7 +49509,7 @@
             </a:endParaRPr>
           </a:p>
           <a:p>
-            <a:pPr lvl="1" marL="432000" indent="-216000">
+            <a:pPr lvl="1" marL="442800" indent="-221400">
               <a:lnSpc>
                 <a:spcPct val="100000"/>
               </a:lnSpc>
@@ -49478,7 +49541,7 @@
             </a:endParaRPr>
           </a:p>
           <a:p>
-            <a:pPr marL="216000" indent="-216000">
+            <a:pPr marL="221400" indent="-221400">
               <a:lnSpc>
                 <a:spcPct val="100000"/>
               </a:lnSpc>
@@ -49510,7 +49573,7 @@
             </a:endParaRPr>
           </a:p>
           <a:p>
-            <a:pPr lvl="1" marL="432000" indent="-216000">
+            <a:pPr lvl="1" marL="442800" indent="-221400">
               <a:lnSpc>
                 <a:spcPct val="100000"/>
               </a:lnSpc>
@@ -49542,7 +49605,7 @@
             </a:endParaRPr>
           </a:p>
           <a:p>
-            <a:pPr lvl="2" marL="648000" indent="-216000">
+            <a:pPr lvl="2" marL="664200" indent="-221400">
               <a:lnSpc>
                 <a:spcPct val="100000"/>
               </a:lnSpc>
@@ -49574,7 +49637,7 @@
             </a:endParaRPr>
           </a:p>
           <a:p>
-            <a:pPr lvl="2" marL="648000" indent="-216000">
+            <a:pPr lvl="2" marL="664200" indent="-221400">
               <a:lnSpc>
                 <a:spcPct val="100000"/>
               </a:lnSpc>
@@ -49606,7 +49669,7 @@
             </a:endParaRPr>
           </a:p>
           <a:p>
-            <a:pPr lvl="2" marL="648000" indent="-216000">
+            <a:pPr lvl="2" marL="664200" indent="-221400">
               <a:lnSpc>
                 <a:spcPct val="100000"/>
               </a:lnSpc>
@@ -49638,7 +49701,7 @@
             </a:endParaRPr>
           </a:p>
           <a:p>
-            <a:pPr lvl="2" marL="648000" indent="-216000">
+            <a:pPr lvl="2" marL="664200" indent="-221400">
               <a:lnSpc>
                 <a:spcPct val="100000"/>
               </a:lnSpc>
@@ -49670,7 +49733,7 @@
             </a:endParaRPr>
           </a:p>
           <a:p>
-            <a:pPr lvl="2" marL="648000" indent="-216000">
+            <a:pPr lvl="2" marL="664200" indent="-221400">
               <a:lnSpc>
                 <a:spcPct val="100000"/>
               </a:lnSpc>
@@ -49702,7 +49765,7 @@
             </a:endParaRPr>
           </a:p>
           <a:p>
-            <a:pPr lvl="2" marL="648000" indent="-216000">
+            <a:pPr lvl="2" marL="664200" indent="-221400">
               <a:lnSpc>
                 <a:spcPct val="100000"/>
               </a:lnSpc>
@@ -49734,7 +49797,7 @@
             </a:endParaRPr>
           </a:p>
           <a:p>
-            <a:pPr lvl="2" marL="648000" indent="-216000">
+            <a:pPr lvl="2" marL="664200" indent="-221400">
               <a:lnSpc>
                 <a:spcPct val="100000"/>
               </a:lnSpc>
@@ -49766,7 +49829,7 @@
             </a:endParaRPr>
           </a:p>
           <a:p>
-            <a:pPr lvl="2" marL="648000" indent="-216000">
+            <a:pPr lvl="2" marL="664200" indent="-221400">
               <a:lnSpc>
                 <a:spcPct val="100000"/>
               </a:lnSpc>
@@ -49798,7 +49861,7 @@
             </a:endParaRPr>
           </a:p>
           <a:p>
-            <a:pPr lvl="1" marL="432000" indent="-216000">
+            <a:pPr lvl="1" marL="442800" indent="-221400">
               <a:lnSpc>
                 <a:spcPct val="100000"/>
               </a:lnSpc>
@@ -49840,7 +49903,7 @@
         <p:spPr>
           <a:xfrm>
             <a:off x="6095880" y="1812600"/>
-            <a:ext cx="4640760" cy="4853520"/>
+            <a:ext cx="4640400" cy="4853160"/>
           </a:xfrm>
           <a:prstGeom prst="rect">
             <a:avLst/>
@@ -49858,10 +49921,10 @@
         </p:style>
         <p:txBody>
           <a:bodyPr lIns="0" rIns="0" tIns="0" bIns="0" anchor="ctr">
-            <a:normAutofit fontScale="97000"/>
-          </a:bodyPr>
-          <a:p>
-            <a:pPr lvl="1" marL="432000" indent="-216000">
+            <a:normAutofit/>
+          </a:bodyPr>
+          <a:p>
+            <a:pPr lvl="1" marL="445320" indent="-222480">
               <a:lnSpc>
                 <a:spcPct val="100000"/>
               </a:lnSpc>
@@ -49893,7 +49956,7 @@
             </a:endParaRPr>
           </a:p>
           <a:p>
-            <a:pPr lvl="1" marL="432000" indent="-216000">
+            <a:pPr lvl="1" marL="445320" indent="-222480">
               <a:lnSpc>
                 <a:spcPct val="100000"/>
               </a:lnSpc>
@@ -49925,7 +49988,7 @@
             </a:endParaRPr>
           </a:p>
           <a:p>
-            <a:pPr marL="216000" indent="-216000">
+            <a:pPr marL="222480" indent="-222480">
               <a:lnSpc>
                 <a:spcPct val="100000"/>
               </a:lnSpc>
@@ -49957,7 +50020,7 @@
             </a:endParaRPr>
           </a:p>
           <a:p>
-            <a:pPr lvl="1" marL="432000" indent="-216000">
+            <a:pPr lvl="1" marL="445320" indent="-222480">
               <a:lnSpc>
                 <a:spcPct val="100000"/>
               </a:lnSpc>
@@ -49989,7 +50052,7 @@
             </a:endParaRPr>
           </a:p>
           <a:p>
-            <a:pPr lvl="1" marL="432000" indent="-216000">
+            <a:pPr lvl="1" marL="445320" indent="-222480">
               <a:lnSpc>
                 <a:spcPct val="100000"/>
               </a:lnSpc>
@@ -50021,7 +50084,7 @@
             </a:endParaRPr>
           </a:p>
           <a:p>
-            <a:pPr lvl="1" marL="432000" indent="-216000">
+            <a:pPr lvl="1" marL="445320" indent="-222480">
               <a:lnSpc>
                 <a:spcPct val="100000"/>
               </a:lnSpc>
@@ -50053,7 +50116,7 @@
             </a:endParaRPr>
           </a:p>
           <a:p>
-            <a:pPr lvl="2" marL="648000" indent="-216000">
+            <a:pPr lvl="2" marL="667800" indent="-222480">
               <a:lnSpc>
                 <a:spcPct val="100000"/>
               </a:lnSpc>
@@ -50085,7 +50148,7 @@
             </a:endParaRPr>
           </a:p>
           <a:p>
-            <a:pPr lvl="1" marL="432000" indent="-216000">
+            <a:pPr lvl="1" marL="445320" indent="-222480">
               <a:lnSpc>
                 <a:spcPct val="100000"/>
               </a:lnSpc>
@@ -50117,7 +50180,7 @@
             </a:endParaRPr>
           </a:p>
           <a:p>
-            <a:pPr lvl="1" marL="432000" indent="-216000">
+            <a:pPr lvl="1" marL="445320" indent="-222480">
               <a:lnSpc>
                 <a:spcPct val="100000"/>
               </a:lnSpc>
@@ -50149,7 +50212,7 @@
             </a:endParaRPr>
           </a:p>
           <a:p>
-            <a:pPr lvl="2" marL="648000" indent="-216000">
+            <a:pPr lvl="2" marL="667800" indent="-222480">
               <a:lnSpc>
                 <a:spcPct val="100000"/>
               </a:lnSpc>
@@ -50181,7 +50244,7 @@
             </a:endParaRPr>
           </a:p>
           <a:p>
-            <a:pPr lvl="2" marL="648000" indent="-216000">
+            <a:pPr lvl="2" marL="667800" indent="-222480">
               <a:lnSpc>
                 <a:spcPct val="100000"/>
               </a:lnSpc>
@@ -50213,7 +50276,7 @@
             </a:endParaRPr>
           </a:p>
           <a:p>
-            <a:pPr lvl="2" marL="648000" indent="-216000">
+            <a:pPr lvl="2" marL="667800" indent="-222480">
               <a:lnSpc>
                 <a:spcPct val="100000"/>
               </a:lnSpc>
@@ -50245,7 +50308,7 @@
             </a:endParaRPr>
           </a:p>
           <a:p>
-            <a:pPr lvl="2" marL="648000" indent="-216000">
+            <a:pPr lvl="2" marL="667800" indent="-222480">
               <a:lnSpc>
                 <a:spcPct val="100000"/>
               </a:lnSpc>
@@ -50277,7 +50340,7 @@
             </a:endParaRPr>
           </a:p>
           <a:p>
-            <a:pPr lvl="2" marL="648000" indent="-216000">
+            <a:pPr lvl="2" marL="667800" indent="-222480">
               <a:lnSpc>
                 <a:spcPct val="100000"/>
               </a:lnSpc>
@@ -50309,7 +50372,7 @@
             </a:endParaRPr>
           </a:p>
           <a:p>
-            <a:pPr lvl="1" marL="432000" indent="-216000">
+            <a:pPr lvl="1" marL="445320" indent="-222480">
               <a:lnSpc>
                 <a:spcPct val="100000"/>
               </a:lnSpc>
@@ -50351,7 +50414,7 @@
         <p:spPr>
           <a:xfrm>
             <a:off x="9950040" y="915480"/>
-            <a:ext cx="515880" cy="495720"/>
+            <a:ext cx="515520" cy="495360"/>
           </a:xfrm>
           <a:prstGeom prst="star5">
             <a:avLst>
@@ -50442,7 +50505,7 @@
         <p:spPr>
           <a:xfrm>
             <a:off x="542880" y="721800"/>
-            <a:ext cx="10355040" cy="495720"/>
+            <a:ext cx="10354680" cy="495360"/>
           </a:xfrm>
           <a:prstGeom prst="rect">
             <a:avLst/>
@@ -50496,7 +50559,7 @@
         <p:spPr>
           <a:xfrm>
             <a:off x="542880" y="1267200"/>
-            <a:ext cx="10355040" cy="495720"/>
+            <a:ext cx="10354680" cy="495360"/>
           </a:xfrm>
           <a:prstGeom prst="rect">
             <a:avLst/>
@@ -50550,7 +50613,7 @@
         <p:spPr>
           <a:xfrm>
             <a:off x="451800" y="1709280"/>
-            <a:ext cx="8222400" cy="4350600"/>
+            <a:ext cx="8222040" cy="4350240"/>
           </a:xfrm>
           <a:prstGeom prst="rect">
             <a:avLst/>
@@ -50599,7 +50662,7 @@
         <p:spPr>
           <a:xfrm>
             <a:off x="609480" y="1769400"/>
-            <a:ext cx="10585440" cy="4853520"/>
+            <a:ext cx="10585080" cy="4853160"/>
           </a:xfrm>
           <a:prstGeom prst="rect">
             <a:avLst/>
@@ -50878,7 +50941,7 @@
         <p:spPr>
           <a:xfrm>
             <a:off x="542880" y="721800"/>
-            <a:ext cx="10355040" cy="495720"/>
+            <a:ext cx="10354680" cy="495360"/>
           </a:xfrm>
           <a:prstGeom prst="rect">
             <a:avLst/>
@@ -50932,7 +50995,7 @@
         <p:spPr>
           <a:xfrm>
             <a:off x="542880" y="1267200"/>
-            <a:ext cx="10355040" cy="495720"/>
+            <a:ext cx="10354680" cy="495360"/>
           </a:xfrm>
           <a:prstGeom prst="rect">
             <a:avLst/>
@@ -50986,7 +51049,7 @@
         <p:spPr>
           <a:xfrm>
             <a:off x="451800" y="1709280"/>
-            <a:ext cx="8222400" cy="4350600"/>
+            <a:ext cx="8222040" cy="4350240"/>
           </a:xfrm>
           <a:prstGeom prst="rect">
             <a:avLst/>
@@ -51035,7 +51098,7 @@
         <p:spPr>
           <a:xfrm>
             <a:off x="542880" y="1763280"/>
-            <a:ext cx="10585440" cy="4853520"/>
+            <a:ext cx="10585080" cy="4853160"/>
           </a:xfrm>
           <a:prstGeom prst="rect">
             <a:avLst/>
@@ -51130,7 +51193,7 @@
                 <a:latin typeface="DejaVu Sans"/>
                 <a:ea typeface="DejaVu Sans"/>
               </a:rPr>
-              <a:t>Based on the Costumer Requirements Specification</a:t>
+              <a:t>Based on the Customer Requirements Specification</a:t>
             </a:r>
             <a:endParaRPr b="0" lang="en-US" sz="1800" spc="-1" strike="noStrike">
               <a:solidFill>
@@ -51215,7 +51278,7 @@
         <p:spPr>
           <a:xfrm>
             <a:off x="542880" y="721800"/>
-            <a:ext cx="10355040" cy="495720"/>
+            <a:ext cx="10354680" cy="495360"/>
           </a:xfrm>
           <a:prstGeom prst="rect">
             <a:avLst/>
@@ -51269,7 +51332,7 @@
         <p:spPr>
           <a:xfrm>
             <a:off x="542880" y="1267200"/>
-            <a:ext cx="10355040" cy="495720"/>
+            <a:ext cx="10354680" cy="495360"/>
           </a:xfrm>
           <a:prstGeom prst="rect">
             <a:avLst/>
@@ -51323,7 +51386,7 @@
         <p:spPr>
           <a:xfrm>
             <a:off x="451800" y="1709280"/>
-            <a:ext cx="8222400" cy="4350600"/>
+            <a:ext cx="8222040" cy="4350240"/>
           </a:xfrm>
           <a:prstGeom prst="rect">
             <a:avLst/>
@@ -51372,7 +51435,7 @@
         <p:spPr>
           <a:xfrm>
             <a:off x="609480" y="1769400"/>
-            <a:ext cx="10585440" cy="4853520"/>
+            <a:ext cx="10585080" cy="4853160"/>
           </a:xfrm>
           <a:prstGeom prst="rect">
             <a:avLst/>
@@ -51747,7 +51810,7 @@
         <p:spPr>
           <a:xfrm>
             <a:off x="542880" y="721800"/>
-            <a:ext cx="10355040" cy="495720"/>
+            <a:ext cx="10354680" cy="495360"/>
           </a:xfrm>
           <a:prstGeom prst="rect">
             <a:avLst/>
@@ -51801,7 +51864,7 @@
         <p:spPr>
           <a:xfrm>
             <a:off x="542880" y="1267200"/>
-            <a:ext cx="10355040" cy="495720"/>
+            <a:ext cx="10354680" cy="495360"/>
           </a:xfrm>
           <a:prstGeom prst="rect">
             <a:avLst/>
@@ -51855,7 +51918,7 @@
         <p:spPr>
           <a:xfrm>
             <a:off x="451800" y="1709280"/>
-            <a:ext cx="8222400" cy="4350600"/>
+            <a:ext cx="8222040" cy="4350240"/>
           </a:xfrm>
           <a:prstGeom prst="rect">
             <a:avLst/>
@@ -51904,7 +51967,7 @@
         <p:spPr>
           <a:xfrm>
             <a:off x="609480" y="1769400"/>
-            <a:ext cx="10585440" cy="4853520"/>
+            <a:ext cx="10585080" cy="4853160"/>
           </a:xfrm>
           <a:prstGeom prst="rect">
             <a:avLst/>
@@ -52240,7 +52303,7 @@
         <p:spPr>
           <a:xfrm>
             <a:off x="542880" y="721800"/>
-            <a:ext cx="10355040" cy="495720"/>
+            <a:ext cx="10354680" cy="495360"/>
           </a:xfrm>
           <a:prstGeom prst="rect">
             <a:avLst/>
@@ -52294,7 +52357,7 @@
         <p:spPr>
           <a:xfrm>
             <a:off x="542880" y="1267200"/>
-            <a:ext cx="10355040" cy="495720"/>
+            <a:ext cx="10354680" cy="495360"/>
           </a:xfrm>
           <a:prstGeom prst="rect">
             <a:avLst/>
@@ -52352,7 +52415,7 @@
         <p:spPr>
           <a:xfrm>
             <a:off x="1881720" y="1812600"/>
-            <a:ext cx="8422560" cy="4604760"/>
+            <a:ext cx="8422200" cy="4604400"/>
           </a:xfrm>
           <a:prstGeom prst="rect">
             <a:avLst/>
@@ -52401,7 +52464,7 @@
         <p:spPr>
           <a:xfrm>
             <a:off x="542880" y="721800"/>
-            <a:ext cx="10355040" cy="495720"/>
+            <a:ext cx="10354680" cy="495360"/>
           </a:xfrm>
           <a:prstGeom prst="rect">
             <a:avLst/>
@@ -52455,7 +52518,7 @@
         <p:spPr>
           <a:xfrm>
             <a:off x="542880" y="1267200"/>
-            <a:ext cx="10355040" cy="495720"/>
+            <a:ext cx="10354680" cy="495360"/>
           </a:xfrm>
           <a:prstGeom prst="rect">
             <a:avLst/>
@@ -52509,7 +52572,7 @@
         <p:spPr>
           <a:xfrm>
             <a:off x="451800" y="1709280"/>
-            <a:ext cx="8222400" cy="4350600"/>
+            <a:ext cx="8222040" cy="4350240"/>
           </a:xfrm>
           <a:prstGeom prst="rect">
             <a:avLst/>
@@ -52558,7 +52621,7 @@
         <p:spPr>
           <a:xfrm>
             <a:off x="609480" y="2286000"/>
-            <a:ext cx="10585440" cy="3196440"/>
+            <a:ext cx="10585080" cy="3196080"/>
           </a:xfrm>
           <a:prstGeom prst="rect">
             <a:avLst/>
@@ -52948,7 +53011,7 @@
         <p:spPr>
           <a:xfrm>
             <a:off x="2072520" y="5374440"/>
-            <a:ext cx="7627680" cy="1127520"/>
+            <a:ext cx="7627320" cy="1127160"/>
           </a:xfrm>
           <a:prstGeom prst="roundRect">
             <a:avLst>
@@ -53078,7 +53141,7 @@
         <p:spPr>
           <a:xfrm>
             <a:off x="542880" y="721800"/>
-            <a:ext cx="10355040" cy="495720"/>
+            <a:ext cx="10354680" cy="495360"/>
           </a:xfrm>
           <a:prstGeom prst="rect">
             <a:avLst/>
@@ -53132,7 +53195,7 @@
         <p:spPr>
           <a:xfrm>
             <a:off x="542880" y="1267200"/>
-            <a:ext cx="10355040" cy="495720"/>
+            <a:ext cx="10354680" cy="495360"/>
           </a:xfrm>
           <a:prstGeom prst="rect">
             <a:avLst/>
@@ -53186,7 +53249,7 @@
         <p:spPr>
           <a:xfrm>
             <a:off x="451800" y="1709280"/>
-            <a:ext cx="8222400" cy="4350600"/>
+            <a:ext cx="8222040" cy="4350240"/>
           </a:xfrm>
           <a:prstGeom prst="rect">
             <a:avLst/>
@@ -53235,7 +53298,7 @@
         <p:spPr>
           <a:xfrm>
             <a:off x="603360" y="1781640"/>
-            <a:ext cx="10585440" cy="4853520"/>
+            <a:ext cx="10585080" cy="4853160"/>
           </a:xfrm>
           <a:prstGeom prst="rect">
             <a:avLst/>
@@ -53502,7 +53565,7 @@
         <p:spPr>
           <a:xfrm>
             <a:off x="263520" y="6411600"/>
-            <a:ext cx="10917360" cy="226800"/>
+            <a:ext cx="10917000" cy="226800"/>
           </a:xfrm>
           <a:prstGeom prst="rect">
             <a:avLst/>
@@ -53586,7 +53649,7 @@
         <p:spPr>
           <a:xfrm>
             <a:off x="542880" y="721800"/>
-            <a:ext cx="10355040" cy="495720"/>
+            <a:ext cx="10354680" cy="495360"/>
           </a:xfrm>
           <a:prstGeom prst="rect">
             <a:avLst/>
@@ -53640,7 +53703,7 @@
         <p:spPr>
           <a:xfrm>
             <a:off x="542880" y="1267200"/>
-            <a:ext cx="10355040" cy="495720"/>
+            <a:ext cx="10354680" cy="495360"/>
           </a:xfrm>
           <a:prstGeom prst="rect">
             <a:avLst/>
@@ -53694,7 +53757,7 @@
         <p:spPr>
           <a:xfrm>
             <a:off x="451800" y="1709280"/>
-            <a:ext cx="8222400" cy="4350600"/>
+            <a:ext cx="8222040" cy="4350240"/>
           </a:xfrm>
           <a:prstGeom prst="rect">
             <a:avLst/>
@@ -53743,7 +53806,7 @@
         <p:spPr>
           <a:xfrm>
             <a:off x="603360" y="1781640"/>
-            <a:ext cx="10585440" cy="4853520"/>
+            <a:ext cx="10585080" cy="4853160"/>
           </a:xfrm>
           <a:prstGeom prst="rect">
             <a:avLst/>
@@ -54134,7 +54197,7 @@
         <p:spPr>
           <a:xfrm>
             <a:off x="263520" y="6411600"/>
-            <a:ext cx="10917360" cy="226800"/>
+            <a:ext cx="10917000" cy="226800"/>
           </a:xfrm>
           <a:prstGeom prst="rect">
             <a:avLst/>
@@ -54188,7 +54251,7 @@
         <p:spPr>
           <a:xfrm>
             <a:off x="9950040" y="915480"/>
-            <a:ext cx="515880" cy="495720"/>
+            <a:ext cx="515520" cy="495360"/>
           </a:xfrm>
           <a:prstGeom prst="star5">
             <a:avLst>
@@ -54279,7 +54342,7 @@
         <p:spPr>
           <a:xfrm>
             <a:off x="542880" y="721800"/>
-            <a:ext cx="10355040" cy="495720"/>
+            <a:ext cx="10354680" cy="495360"/>
           </a:xfrm>
           <a:prstGeom prst="rect">
             <a:avLst/>
@@ -54333,7 +54396,7 @@
         <p:spPr>
           <a:xfrm>
             <a:off x="542880" y="1267200"/>
-            <a:ext cx="10355040" cy="495720"/>
+            <a:ext cx="10354680" cy="495360"/>
           </a:xfrm>
           <a:prstGeom prst="rect">
             <a:avLst/>
@@ -54387,7 +54450,7 @@
         <p:spPr>
           <a:xfrm>
             <a:off x="451800" y="1709280"/>
-            <a:ext cx="8222400" cy="4350600"/>
+            <a:ext cx="8222040" cy="4350240"/>
           </a:xfrm>
           <a:prstGeom prst="rect">
             <a:avLst/>
@@ -54436,7 +54499,7 @@
         <p:spPr>
           <a:xfrm>
             <a:off x="603360" y="1781640"/>
-            <a:ext cx="10585440" cy="4853520"/>
+            <a:ext cx="10585080" cy="4853160"/>
           </a:xfrm>
           <a:prstGeom prst="rect">
             <a:avLst/>
@@ -54843,7 +54906,7 @@
         <p:spPr>
           <a:xfrm>
             <a:off x="263520" y="6411600"/>
-            <a:ext cx="10917360" cy="226800"/>
+            <a:ext cx="10917000" cy="226800"/>
           </a:xfrm>
           <a:prstGeom prst="rect">
             <a:avLst/>
@@ -54897,7 +54960,7 @@
         <p:spPr>
           <a:xfrm>
             <a:off x="9950040" y="915480"/>
-            <a:ext cx="515880" cy="495720"/>
+            <a:ext cx="515520" cy="495360"/>
           </a:xfrm>
           <a:prstGeom prst="star5">
             <a:avLst>
@@ -54988,7 +55051,7 @@
         <p:spPr>
           <a:xfrm>
             <a:off x="542880" y="721800"/>
-            <a:ext cx="10355040" cy="495720"/>
+            <a:ext cx="10354680" cy="495360"/>
           </a:xfrm>
           <a:prstGeom prst="rect">
             <a:avLst/>
@@ -55042,7 +55105,7 @@
         <p:spPr>
           <a:xfrm>
             <a:off x="542880" y="1267200"/>
-            <a:ext cx="10355040" cy="495720"/>
+            <a:ext cx="10354680" cy="495360"/>
           </a:xfrm>
           <a:prstGeom prst="rect">
             <a:avLst/>
@@ -55096,7 +55159,7 @@
         <p:spPr>
           <a:xfrm>
             <a:off x="451800" y="1709280"/>
-            <a:ext cx="8222400" cy="4350600"/>
+            <a:ext cx="8222040" cy="4350240"/>
           </a:xfrm>
           <a:prstGeom prst="rect">
             <a:avLst/>
@@ -55145,7 +55208,7 @@
         <p:spPr>
           <a:xfrm>
             <a:off x="603360" y="1781640"/>
-            <a:ext cx="10585440" cy="4853520"/>
+            <a:ext cx="10585080" cy="4853160"/>
           </a:xfrm>
           <a:prstGeom prst="rect">
             <a:avLst/>
@@ -55640,7 +55703,7 @@
         <p:spPr>
           <a:xfrm>
             <a:off x="263520" y="6411600"/>
-            <a:ext cx="10917360" cy="226800"/>
+            <a:ext cx="10917000" cy="226800"/>
           </a:xfrm>
           <a:prstGeom prst="rect">
             <a:avLst/>
@@ -55694,7 +55757,7 @@
         <p:spPr>
           <a:xfrm>
             <a:off x="9950040" y="915480"/>
-            <a:ext cx="515880" cy="495720"/>
+            <a:ext cx="515520" cy="495360"/>
           </a:xfrm>
           <a:prstGeom prst="star5">
             <a:avLst>
@@ -55785,7 +55848,7 @@
         <p:spPr>
           <a:xfrm>
             <a:off x="335520" y="4406760"/>
-            <a:ext cx="10746720" cy="1355760"/>
+            <a:ext cx="10746360" cy="1355400"/>
           </a:xfrm>
           <a:prstGeom prst="rect">
             <a:avLst/>
@@ -55839,7 +55902,7 @@
         <p:spPr>
           <a:xfrm>
             <a:off x="335520" y="2906640"/>
-            <a:ext cx="10746720" cy="1493640"/>
+            <a:ext cx="10746360" cy="1493280"/>
           </a:xfrm>
           <a:prstGeom prst="rect">
             <a:avLst/>
@@ -55914,7 +55977,7 @@
         <p:spPr>
           <a:xfrm>
             <a:off x="542880" y="721800"/>
-            <a:ext cx="10355040" cy="495720"/>
+            <a:ext cx="10354680" cy="495360"/>
           </a:xfrm>
           <a:prstGeom prst="rect">
             <a:avLst/>
@@ -55968,7 +56031,7 @@
         <p:spPr>
           <a:xfrm>
             <a:off x="451800" y="1709280"/>
-            <a:ext cx="8222400" cy="4350600"/>
+            <a:ext cx="8222040" cy="4350240"/>
           </a:xfrm>
           <a:prstGeom prst="rect">
             <a:avLst/>
@@ -56017,7 +56080,7 @@
         <p:spPr>
           <a:xfrm>
             <a:off x="609480" y="1661400"/>
-            <a:ext cx="10585440" cy="4853520"/>
+            <a:ext cx="10585080" cy="4853160"/>
           </a:xfrm>
           <a:prstGeom prst="rect">
             <a:avLst/>
@@ -56296,7 +56359,7 @@
         <p:spPr>
           <a:xfrm>
             <a:off x="542880" y="721800"/>
-            <a:ext cx="10355040" cy="495720"/>
+            <a:ext cx="10354680" cy="495360"/>
           </a:xfrm>
           <a:prstGeom prst="rect">
             <a:avLst/>
@@ -56350,7 +56413,7 @@
         <p:spPr>
           <a:xfrm>
             <a:off x="451800" y="1709280"/>
-            <a:ext cx="8222400" cy="4350600"/>
+            <a:ext cx="8222040" cy="4350240"/>
           </a:xfrm>
           <a:prstGeom prst="rect">
             <a:avLst/>
@@ -56399,7 +56462,7 @@
         <p:spPr>
           <a:xfrm>
             <a:off x="609480" y="1661400"/>
-            <a:ext cx="10585440" cy="4853520"/>
+            <a:ext cx="10585080" cy="4853160"/>
           </a:xfrm>
           <a:prstGeom prst="rect">
             <a:avLst/>
@@ -56664,7 +56727,7 @@
         <p:spPr>
           <a:xfrm>
             <a:off x="335520" y="1268640"/>
-            <a:ext cx="10744560" cy="5032080"/>
+            <a:ext cx="10744200" cy="5031720"/>
           </a:xfrm>
           <a:prstGeom prst="rect">
             <a:avLst/>
@@ -56724,7 +56787,7 @@
         <p:spPr>
           <a:xfrm>
             <a:off x="335520" y="764640"/>
-            <a:ext cx="10744560" cy="495360"/>
+            <a:ext cx="10744200" cy="495000"/>
           </a:xfrm>
           <a:prstGeom prst="rect">
             <a:avLst/>
@@ -56803,7 +56866,7 @@
         <p:spPr>
           <a:xfrm>
             <a:off x="542880" y="685800"/>
-            <a:ext cx="10356120" cy="496800"/>
+            <a:ext cx="10355760" cy="496440"/>
           </a:xfrm>
           <a:prstGeom prst="rect">
             <a:avLst/>
@@ -56890,7 +56953,7 @@
         <p:spPr>
           <a:xfrm>
             <a:off x="542880" y="721800"/>
-            <a:ext cx="10355040" cy="495720"/>
+            <a:ext cx="10354680" cy="495360"/>
           </a:xfrm>
           <a:prstGeom prst="rect">
             <a:avLst/>
@@ -56944,7 +57007,7 @@
         <p:spPr>
           <a:xfrm>
             <a:off x="542880" y="1267200"/>
-            <a:ext cx="10355040" cy="495720"/>
+            <a:ext cx="10354680" cy="495360"/>
           </a:xfrm>
           <a:prstGeom prst="rect">
             <a:avLst/>
@@ -56998,7 +57061,7 @@
         <p:spPr>
           <a:xfrm>
             <a:off x="451800" y="1709280"/>
-            <a:ext cx="8222400" cy="4350600"/>
+            <a:ext cx="8222040" cy="4350240"/>
           </a:xfrm>
           <a:prstGeom prst="rect">
             <a:avLst/>
@@ -57047,7 +57110,7 @@
         <p:spPr>
           <a:xfrm>
             <a:off x="609480" y="1769400"/>
-            <a:ext cx="10585440" cy="4853520"/>
+            <a:ext cx="10585080" cy="4853160"/>
           </a:xfrm>
           <a:prstGeom prst="rect">
             <a:avLst/>
@@ -57520,7 +57583,7 @@
         <p:spPr>
           <a:xfrm>
             <a:off x="542880" y="721800"/>
-            <a:ext cx="10355040" cy="495720"/>
+            <a:ext cx="10354680" cy="495360"/>
           </a:xfrm>
           <a:prstGeom prst="rect">
             <a:avLst/>
@@ -57574,7 +57637,7 @@
         <p:spPr>
           <a:xfrm>
             <a:off x="542880" y="1267200"/>
-            <a:ext cx="10355040" cy="495720"/>
+            <a:ext cx="10354680" cy="495360"/>
           </a:xfrm>
           <a:prstGeom prst="rect">
             <a:avLst/>
@@ -57628,7 +57691,7 @@
         <p:spPr>
           <a:xfrm>
             <a:off x="451800" y="1709280"/>
-            <a:ext cx="8222400" cy="4350600"/>
+            <a:ext cx="8222040" cy="4350240"/>
           </a:xfrm>
           <a:prstGeom prst="rect">
             <a:avLst/>
@@ -57677,7 +57740,7 @@
         <p:spPr>
           <a:xfrm>
             <a:off x="609480" y="1769400"/>
-            <a:ext cx="10585440" cy="4853520"/>
+            <a:ext cx="10585080" cy="4853160"/>
           </a:xfrm>
           <a:prstGeom prst="rect">
             <a:avLst/>
@@ -58174,7 +58237,7 @@
         </a:gradFill>
       </a:fillStyleLst>
       <a:lnStyleLst>
-        <a:ln w="9525" cap="flat" cmpd="sng" algn="ctr">
+        <a:ln w="6350" cap="flat" cmpd="sng" algn="ctr">
           <a:solidFill>
             <a:schemeClr val="phClr">
               <a:shade val="95000"/>
@@ -58184,14 +58247,14 @@
           <a:prstDash val="solid"/>
           <a:miter/>
         </a:ln>
-        <a:ln w="25400" cap="flat" cmpd="sng" algn="ctr">
+        <a:ln w="12700" cap="flat" cmpd="sng" algn="ctr">
           <a:solidFill>
             <a:schemeClr val="phClr"/>
           </a:solidFill>
           <a:prstDash val="solid"/>
           <a:miter/>
         </a:ln>
-        <a:ln w="38100" cap="flat" cmpd="sng" algn="ctr">
+        <a:ln w="19050" cap="flat" cmpd="sng" algn="ctr">
           <a:solidFill>
             <a:schemeClr val="phClr"/>
           </a:solidFill>
@@ -58201,13 +58264,10 @@
       </a:lnStyleLst>
       <a:effectStyleLst>
         <a:effectStyle>
-          <a:effectLst>
-            <a:outerShdw blurRad="40000" dist="20000" dir="5400000" rotWithShape="0">
-              <a:srgbClr val="000000">
-                <a:alpha val="38000"/>
-              </a:srgbClr>
-            </a:outerShdw>
-          </a:effectLst>
+          <a:effectLst/>
+        </a:effectStyle>
+        <a:effectStyle>
+          <a:effectLst/>
         </a:effectStyle>
         <a:effectStyle>
           <a:effectLst>
@@ -58217,26 +58277,6 @@
               </a:srgbClr>
             </a:outerShdw>
           </a:effectLst>
-        </a:effectStyle>
-        <a:effectStyle>
-          <a:effectLst>
-            <a:outerShdw blurRad="40000" dist="23000" dir="5400000" rotWithShape="0">
-              <a:srgbClr val="000000">
-                <a:alpha val="35000"/>
-              </a:srgbClr>
-            </a:outerShdw>
-          </a:effectLst>
-          <a:scene3d>
-            <a:camera prst="orthographicFront">
-              <a:rot lat="0" lon="0" rev="0"/>
-            </a:camera>
-            <a:lightRig rig="threePt" dir="t">
-              <a:rot lat="0" lon="0" rev="1200000"/>
-            </a:lightRig>
-          </a:scene3d>
-          <a:sp3d>
-            <a:bevelT w="63500" h="25400"/>
-          </a:sp3d>
         </a:effectStyle>
       </a:effectStyleLst>
       <a:bgFillStyleLst>
@@ -58400,7 +58440,7 @@
         </a:gradFill>
       </a:fillStyleLst>
       <a:lnStyleLst>
-        <a:ln w="9525" cap="flat" cmpd="sng" algn="ctr">
+        <a:ln w="6350" cap="flat" cmpd="sng" algn="ctr">
           <a:solidFill>
             <a:schemeClr val="phClr">
               <a:shade val="95000"/>
@@ -58410,14 +58450,14 @@
           <a:prstDash val="solid"/>
           <a:miter/>
         </a:ln>
-        <a:ln w="25400" cap="flat" cmpd="sng" algn="ctr">
+        <a:ln w="12700" cap="flat" cmpd="sng" algn="ctr">
           <a:solidFill>
             <a:schemeClr val="phClr"/>
           </a:solidFill>
           <a:prstDash val="solid"/>
           <a:miter/>
         </a:ln>
-        <a:ln w="38100" cap="flat" cmpd="sng" algn="ctr">
+        <a:ln w="19050" cap="flat" cmpd="sng" algn="ctr">
           <a:solidFill>
             <a:schemeClr val="phClr"/>
           </a:solidFill>
@@ -58427,13 +58467,10 @@
       </a:lnStyleLst>
       <a:effectStyleLst>
         <a:effectStyle>
-          <a:effectLst>
-            <a:outerShdw blurRad="40000" dist="20000" dir="5400000" rotWithShape="0">
-              <a:srgbClr val="000000">
-                <a:alpha val="38000"/>
-              </a:srgbClr>
-            </a:outerShdw>
-          </a:effectLst>
+          <a:effectLst/>
+        </a:effectStyle>
+        <a:effectStyle>
+          <a:effectLst/>
         </a:effectStyle>
         <a:effectStyle>
           <a:effectLst>
@@ -58443,26 +58480,6 @@
               </a:srgbClr>
             </a:outerShdw>
           </a:effectLst>
-        </a:effectStyle>
-        <a:effectStyle>
-          <a:effectLst>
-            <a:outerShdw blurRad="40000" dist="23000" dir="5400000" rotWithShape="0">
-              <a:srgbClr val="000000">
-                <a:alpha val="35000"/>
-              </a:srgbClr>
-            </a:outerShdw>
-          </a:effectLst>
-          <a:scene3d>
-            <a:camera prst="orthographicFront">
-              <a:rot lat="0" lon="0" rev="0"/>
-            </a:camera>
-            <a:lightRig rig="threePt" dir="t">
-              <a:rot lat="0" lon="0" rev="1200000"/>
-            </a:lightRig>
-          </a:scene3d>
-          <a:sp3d>
-            <a:bevelT w="63500" h="25400"/>
-          </a:sp3d>
         </a:effectStyle>
       </a:effectStyleLst>
       <a:bgFillStyleLst>
@@ -58626,7 +58643,7 @@
         </a:gradFill>
       </a:fillStyleLst>
       <a:lnStyleLst>
-        <a:ln w="9525" cap="flat" cmpd="sng" algn="ctr">
+        <a:ln w="6350" cap="flat" cmpd="sng" algn="ctr">
           <a:solidFill>
             <a:schemeClr val="phClr">
               <a:shade val="95000"/>
@@ -58636,14 +58653,14 @@
           <a:prstDash val="solid"/>
           <a:miter/>
         </a:ln>
-        <a:ln w="25400" cap="flat" cmpd="sng" algn="ctr">
+        <a:ln w="12700" cap="flat" cmpd="sng" algn="ctr">
           <a:solidFill>
             <a:schemeClr val="phClr"/>
           </a:solidFill>
           <a:prstDash val="solid"/>
           <a:miter/>
         </a:ln>
-        <a:ln w="38100" cap="flat" cmpd="sng" algn="ctr">
+        <a:ln w="19050" cap="flat" cmpd="sng" algn="ctr">
           <a:solidFill>
             <a:schemeClr val="phClr"/>
           </a:solidFill>
@@ -58653,13 +58670,10 @@
       </a:lnStyleLst>
       <a:effectStyleLst>
         <a:effectStyle>
-          <a:effectLst>
-            <a:outerShdw blurRad="40000" dist="20000" dir="5400000" rotWithShape="0">
-              <a:srgbClr val="000000">
-                <a:alpha val="38000"/>
-              </a:srgbClr>
-            </a:outerShdw>
-          </a:effectLst>
+          <a:effectLst/>
+        </a:effectStyle>
+        <a:effectStyle>
+          <a:effectLst/>
         </a:effectStyle>
         <a:effectStyle>
           <a:effectLst>
@@ -58669,26 +58683,6 @@
               </a:srgbClr>
             </a:outerShdw>
           </a:effectLst>
-        </a:effectStyle>
-        <a:effectStyle>
-          <a:effectLst>
-            <a:outerShdw blurRad="40000" dist="23000" dir="5400000" rotWithShape="0">
-              <a:srgbClr val="000000">
-                <a:alpha val="35000"/>
-              </a:srgbClr>
-            </a:outerShdw>
-          </a:effectLst>
-          <a:scene3d>
-            <a:camera prst="orthographicFront">
-              <a:rot lat="0" lon="0" rev="0"/>
-            </a:camera>
-            <a:lightRig rig="threePt" dir="t">
-              <a:rot lat="0" lon="0" rev="1200000"/>
-            </a:lightRig>
-          </a:scene3d>
-          <a:sp3d>
-            <a:bevelT w="63500" h="25400"/>
-          </a:sp3d>
         </a:effectStyle>
       </a:effectStyleLst>
       <a:bgFillStyleLst>
@@ -58852,7 +58846,7 @@
         </a:gradFill>
       </a:fillStyleLst>
       <a:lnStyleLst>
-        <a:ln w="9525" cap="flat" cmpd="sng" algn="ctr">
+        <a:ln w="6350" cap="flat" cmpd="sng" algn="ctr">
           <a:solidFill>
             <a:schemeClr val="phClr">
               <a:shade val="95000"/>
@@ -58862,14 +58856,14 @@
           <a:prstDash val="solid"/>
           <a:miter/>
         </a:ln>
-        <a:ln w="25400" cap="flat" cmpd="sng" algn="ctr">
+        <a:ln w="12700" cap="flat" cmpd="sng" algn="ctr">
           <a:solidFill>
             <a:schemeClr val="phClr"/>
           </a:solidFill>
           <a:prstDash val="solid"/>
           <a:miter/>
         </a:ln>
-        <a:ln w="38100" cap="flat" cmpd="sng" algn="ctr">
+        <a:ln w="19050" cap="flat" cmpd="sng" algn="ctr">
           <a:solidFill>
             <a:schemeClr val="phClr"/>
           </a:solidFill>
@@ -58879,13 +58873,10 @@
       </a:lnStyleLst>
       <a:effectStyleLst>
         <a:effectStyle>
-          <a:effectLst>
-            <a:outerShdw blurRad="40000" dist="20000" dir="5400000" rotWithShape="0">
-              <a:srgbClr val="000000">
-                <a:alpha val="38000"/>
-              </a:srgbClr>
-            </a:outerShdw>
-          </a:effectLst>
+          <a:effectLst/>
+        </a:effectStyle>
+        <a:effectStyle>
+          <a:effectLst/>
         </a:effectStyle>
         <a:effectStyle>
           <a:effectLst>
@@ -58895,26 +58886,6 @@
               </a:srgbClr>
             </a:outerShdw>
           </a:effectLst>
-        </a:effectStyle>
-        <a:effectStyle>
-          <a:effectLst>
-            <a:outerShdw blurRad="40000" dist="23000" dir="5400000" rotWithShape="0">
-              <a:srgbClr val="000000">
-                <a:alpha val="35000"/>
-              </a:srgbClr>
-            </a:outerShdw>
-          </a:effectLst>
-          <a:scene3d>
-            <a:camera prst="orthographicFront">
-              <a:rot lat="0" lon="0" rev="0"/>
-            </a:camera>
-            <a:lightRig rig="threePt" dir="t">
-              <a:rot lat="0" lon="0" rev="1200000"/>
-            </a:lightRig>
-          </a:scene3d>
-          <a:sp3d>
-            <a:bevelT w="63500" h="25400"/>
-          </a:sp3d>
         </a:effectStyle>
       </a:effectStyleLst>
       <a:bgFillStyleLst>
@@ -59078,7 +59049,7 @@
         </a:gradFill>
       </a:fillStyleLst>
       <a:lnStyleLst>
-        <a:ln w="9525" cap="flat" cmpd="sng" algn="ctr">
+        <a:ln w="6350" cap="flat" cmpd="sng" algn="ctr">
           <a:solidFill>
             <a:schemeClr val="phClr">
               <a:shade val="95000"/>
@@ -59088,14 +59059,14 @@
           <a:prstDash val="solid"/>
           <a:miter/>
         </a:ln>
-        <a:ln w="25400" cap="flat" cmpd="sng" algn="ctr">
+        <a:ln w="12700" cap="flat" cmpd="sng" algn="ctr">
           <a:solidFill>
             <a:schemeClr val="phClr"/>
           </a:solidFill>
           <a:prstDash val="solid"/>
           <a:miter/>
         </a:ln>
-        <a:ln w="38100" cap="flat" cmpd="sng" algn="ctr">
+        <a:ln w="19050" cap="flat" cmpd="sng" algn="ctr">
           <a:solidFill>
             <a:schemeClr val="phClr"/>
           </a:solidFill>
@@ -59105,13 +59076,10 @@
       </a:lnStyleLst>
       <a:effectStyleLst>
         <a:effectStyle>
-          <a:effectLst>
-            <a:outerShdw blurRad="40000" dist="20000" dir="5400000" rotWithShape="0">
-              <a:srgbClr val="000000">
-                <a:alpha val="38000"/>
-              </a:srgbClr>
-            </a:outerShdw>
-          </a:effectLst>
+          <a:effectLst/>
+        </a:effectStyle>
+        <a:effectStyle>
+          <a:effectLst/>
         </a:effectStyle>
         <a:effectStyle>
           <a:effectLst>
@@ -59121,26 +59089,6 @@
               </a:srgbClr>
             </a:outerShdw>
           </a:effectLst>
-        </a:effectStyle>
-        <a:effectStyle>
-          <a:effectLst>
-            <a:outerShdw blurRad="40000" dist="23000" dir="5400000" rotWithShape="0">
-              <a:srgbClr val="000000">
-                <a:alpha val="35000"/>
-              </a:srgbClr>
-            </a:outerShdw>
-          </a:effectLst>
-          <a:scene3d>
-            <a:camera prst="orthographicFront">
-              <a:rot lat="0" lon="0" rev="0"/>
-            </a:camera>
-            <a:lightRig rig="threePt" dir="t">
-              <a:rot lat="0" lon="0" rev="1200000"/>
-            </a:lightRig>
-          </a:scene3d>
-          <a:sp3d>
-            <a:bevelT w="63500" h="25400"/>
-          </a:sp3d>
         </a:effectStyle>
       </a:effectStyleLst>
       <a:bgFillStyleLst>
